--- a/Overview.pptx
+++ b/Overview.pptx
@@ -5,10 +5,11 @@
     <p:sldMasterId id="2147483660" r:id="rId1"/>
   </p:sldMasterIdLst>
   <p:sldIdLst>
-    <p:sldId id="256" r:id="rId2"/>
-    <p:sldId id="257" r:id="rId3"/>
-    <p:sldId id="259" r:id="rId4"/>
-    <p:sldId id="260" r:id="rId5"/>
+    <p:sldId id="261" r:id="rId2"/>
+    <p:sldId id="256" r:id="rId3"/>
+    <p:sldId id="257" r:id="rId4"/>
+    <p:sldId id="259" r:id="rId5"/>
+    <p:sldId id="260" r:id="rId6"/>
   </p:sldIdLst>
   <p:sldSz cx="9144000" cy="5143500" type="screen16x9"/>
   <p:notesSz cx="6858000" cy="9144000"/>
@@ -2971,578 +2972,60 @@
           <a:chExt cx="0" cy="0"/>
         </a:xfrm>
       </p:grpSpPr>
-      <p:pic>
-        <p:nvPicPr>
-          <p:cNvPr id="1044" name="Picture 20">
-            <a:extLst>
-              <a:ext uri="{FF2B5EF4-FFF2-40B4-BE49-F238E27FC236}">
-                <a16:creationId xmlns:a16="http://schemas.microsoft.com/office/drawing/2014/main" id="{7C7B5922-B211-4278-873E-1315C12E3D32}"/>
-              </a:ext>
-            </a:extLst>
-          </p:cNvPr>
-          <p:cNvPicPr>
-            <a:picLocks noChangeAspect="1" noChangeArrowheads="1"/>
-          </p:cNvPicPr>
-          <p:nvPr/>
-        </p:nvPicPr>
-        <p:blipFill rotWithShape="1">
-          <a:blip r:embed="rId2">
-            <a:extLst>
-              <a:ext uri="{28A0092B-C50C-407E-A947-70E740481C1C}">
-                <a14:useLocalDpi xmlns:a14="http://schemas.microsoft.com/office/drawing/2010/main" val="0"/>
-              </a:ext>
-            </a:extLst>
-          </a:blip>
-          <a:srcRect l="4341" t="9465" r="3061" b="8073"/>
-          <a:stretch/>
-        </p:blipFill>
-        <p:spPr bwMode="auto">
-          <a:xfrm>
-            <a:off x="5831028" y="2808000"/>
-            <a:ext cx="2369428" cy="2110107"/>
-          </a:xfrm>
-          <a:prstGeom prst="rect">
-            <a:avLst/>
-          </a:prstGeom>
-          <a:noFill/>
-          <a:extLst>
-            <a:ext uri="{909E8E84-426E-40DD-AFC4-6F175D3DCCD1}">
-              <a14:hiddenFill xmlns:a14="http://schemas.microsoft.com/office/drawing/2010/main">
-                <a:solidFill>
-                  <a:srgbClr val="FFFFFF"/>
-                </a:solidFill>
-              </a14:hiddenFill>
-            </a:ext>
-          </a:extLst>
-        </p:spPr>
-      </p:pic>
-      <p:pic>
-        <p:nvPicPr>
-          <p:cNvPr id="1036" name="Picture 12" descr="10PCS NEW 2016 Arduino UNO R3 ATMega328P CH340G Development Board + USB Cable IB | eBay">
-            <a:extLst>
-              <a:ext uri="{FF2B5EF4-FFF2-40B4-BE49-F238E27FC236}">
-                <a16:creationId xmlns:a16="http://schemas.microsoft.com/office/drawing/2014/main" id="{C4054597-1677-4727-99C1-E480696DC433}"/>
-              </a:ext>
-            </a:extLst>
-          </p:cNvPr>
-          <p:cNvPicPr>
-            <a:picLocks noChangeAspect="1" noChangeArrowheads="1"/>
-          </p:cNvPicPr>
-          <p:nvPr/>
-        </p:nvPicPr>
-        <p:blipFill rotWithShape="1">
-          <a:blip r:embed="rId3">
-            <a:extLst>
-              <a:ext uri="{28A0092B-C50C-407E-A947-70E740481C1C}">
-                <a14:useLocalDpi xmlns:a14="http://schemas.microsoft.com/office/drawing/2010/main" val="0"/>
-              </a:ext>
-            </a:extLst>
-          </a:blip>
-          <a:srcRect l="11200" t="12789" r="7713" b="13614"/>
-          <a:stretch/>
-        </p:blipFill>
-        <p:spPr bwMode="auto">
-          <a:xfrm>
-            <a:off x="1124447" y="1063295"/>
-            <a:ext cx="4170717" cy="3785469"/>
-          </a:xfrm>
-          <a:prstGeom prst="rect">
-            <a:avLst/>
-          </a:prstGeom>
-          <a:noFill/>
-          <a:extLst>
-            <a:ext uri="{909E8E84-426E-40DD-AFC4-6F175D3DCCD1}">
-              <a14:hiddenFill xmlns:a14="http://schemas.microsoft.com/office/drawing/2010/main">
-                <a:solidFill>
-                  <a:srgbClr val="FFFFFF"/>
-                </a:solidFill>
-              </a14:hiddenFill>
-            </a:ext>
-          </a:extLst>
-        </p:spPr>
-      </p:pic>
-      <p:pic>
-        <p:nvPicPr>
-          <p:cNvPr id="1034" name="Picture 10" descr="The Potentiometer And Wiring Guide - Build Electronic Circuits">
-            <a:extLst>
-              <a:ext uri="{FF2B5EF4-FFF2-40B4-BE49-F238E27FC236}">
-                <a16:creationId xmlns:a16="http://schemas.microsoft.com/office/drawing/2014/main" id="{93977A81-494D-42B9-A371-C3CB2A229FB1}"/>
-              </a:ext>
-            </a:extLst>
-          </p:cNvPr>
-          <p:cNvPicPr>
-            <a:picLocks noChangeAspect="1" noChangeArrowheads="1"/>
-          </p:cNvPicPr>
-          <p:nvPr/>
-        </p:nvPicPr>
-        <p:blipFill rotWithShape="1">
-          <a:blip r:embed="rId4">
-            <a:extLst>
-              <a:ext uri="{28A0092B-C50C-407E-A947-70E740481C1C}">
-                <a14:useLocalDpi xmlns:a14="http://schemas.microsoft.com/office/drawing/2010/main" val="0"/>
-              </a:ext>
-            </a:extLst>
-          </a:blip>
-          <a:srcRect l="11456" t="3581" r="9914" b="2670"/>
-          <a:stretch/>
-        </p:blipFill>
-        <p:spPr bwMode="auto">
-          <a:xfrm>
-            <a:off x="516405" y="415183"/>
-            <a:ext cx="1072282" cy="1505714"/>
-          </a:xfrm>
-          <a:prstGeom prst="rect">
-            <a:avLst/>
-          </a:prstGeom>
-          <a:noFill/>
-          <a:extLst>
-            <a:ext uri="{909E8E84-426E-40DD-AFC4-6F175D3DCCD1}">
-              <a14:hiddenFill xmlns:a14="http://schemas.microsoft.com/office/drawing/2010/main">
-                <a:solidFill>
-                  <a:srgbClr val="FFFFFF"/>
-                </a:solidFill>
-              </a14:hiddenFill>
-            </a:ext>
-          </a:extLst>
-        </p:spPr>
-      </p:pic>
-      <p:pic>
-        <p:nvPicPr>
-          <p:cNvPr id="1038" name="Picture 14">
-            <a:extLst>
-              <a:ext uri="{FF2B5EF4-FFF2-40B4-BE49-F238E27FC236}">
-                <a16:creationId xmlns:a16="http://schemas.microsoft.com/office/drawing/2014/main" id="{AFC10918-57FC-4144-948C-2EC0738A10DE}"/>
-              </a:ext>
-            </a:extLst>
-          </p:cNvPr>
-          <p:cNvPicPr>
-            <a:picLocks noChangeAspect="1" noChangeArrowheads="1"/>
-          </p:cNvPicPr>
-          <p:nvPr/>
-        </p:nvPicPr>
-        <p:blipFill rotWithShape="1">
-          <a:blip r:embed="rId5">
-            <a:extLst>
-              <a:ext uri="{28A0092B-C50C-407E-A947-70E740481C1C}">
-                <a14:useLocalDpi xmlns:a14="http://schemas.microsoft.com/office/drawing/2010/main" val="0"/>
-              </a:ext>
-            </a:extLst>
-          </a:blip>
-          <a:srcRect l="22502" t="26403" r="36826" b="21087"/>
-          <a:stretch/>
-        </p:blipFill>
-        <p:spPr bwMode="auto">
-          <a:xfrm>
-            <a:off x="6953221" y="101951"/>
-            <a:ext cx="1401203" cy="1809062"/>
-          </a:xfrm>
-          <a:prstGeom prst="rect">
-            <a:avLst/>
-          </a:prstGeom>
-          <a:noFill/>
-          <a:extLst>
-            <a:ext uri="{909E8E84-426E-40DD-AFC4-6F175D3DCCD1}">
-              <a14:hiddenFill xmlns:a14="http://schemas.microsoft.com/office/drawing/2010/main">
-                <a:solidFill>
-                  <a:srgbClr val="FFFFFF"/>
-                </a:solidFill>
-              </a14:hiddenFill>
-            </a:ext>
-          </a:extLst>
-        </p:spPr>
-      </p:pic>
-      <p:cxnSp>
-        <p:nvCxnSpPr>
-          <p:cNvPr id="21" name="Straight Arrow Connector 20">
-            <a:extLst>
-              <a:ext uri="{FF2B5EF4-FFF2-40B4-BE49-F238E27FC236}">
-                <a16:creationId xmlns:a16="http://schemas.microsoft.com/office/drawing/2014/main" id="{326F71EA-322D-4FC9-8D95-481291A742C1}"/>
-              </a:ext>
-            </a:extLst>
-          </p:cNvPr>
-          <p:cNvCxnSpPr>
-            <a:cxnSpLocks/>
-          </p:cNvCxnSpPr>
-          <p:nvPr/>
-        </p:nvCxnSpPr>
-        <p:spPr>
-          <a:xfrm flipH="1" flipV="1">
-            <a:off x="1315683" y="1782751"/>
-            <a:ext cx="273005" cy="786258"/>
-          </a:xfrm>
-          <a:prstGeom prst="straightConnector1">
-            <a:avLst/>
-          </a:prstGeom>
-          <a:ln w="57150">
-            <a:solidFill>
-              <a:srgbClr val="C00000"/>
-            </a:solidFill>
-            <a:tailEnd type="triangle"/>
-          </a:ln>
-        </p:spPr>
-        <p:style>
-          <a:lnRef idx="1">
-            <a:schemeClr val="accent1"/>
-          </a:lnRef>
-          <a:fillRef idx="0">
-            <a:schemeClr val="accent1"/>
-          </a:fillRef>
-          <a:effectRef idx="0">
-            <a:schemeClr val="accent1"/>
-          </a:effectRef>
-          <a:fontRef idx="minor">
-            <a:schemeClr val="tx1"/>
-          </a:fontRef>
-        </p:style>
-      </p:cxnSp>
-      <p:sp>
-        <p:nvSpPr>
-          <p:cNvPr id="22" name="TextBox 21">
-            <a:extLst>
-              <a:ext uri="{FF2B5EF4-FFF2-40B4-BE49-F238E27FC236}">
-                <a16:creationId xmlns:a16="http://schemas.microsoft.com/office/drawing/2014/main" id="{810612B1-BBEA-40DC-95AD-DC4DC48C5B76}"/>
-              </a:ext>
-            </a:extLst>
-          </p:cNvPr>
-          <p:cNvSpPr txBox="1"/>
-          <p:nvPr/>
-        </p:nvSpPr>
-        <p:spPr>
-          <a:xfrm>
-            <a:off x="200358" y="2115997"/>
-            <a:ext cx="1311769" cy="369332"/>
-          </a:xfrm>
-          <a:prstGeom prst="rect">
-            <a:avLst/>
-          </a:prstGeom>
-          <a:noFill/>
-        </p:spPr>
-        <p:txBody>
-          <a:bodyPr wrap="none" rtlCol="0">
-            <a:spAutoFit/>
+      <p:sp>
+        <p:nvSpPr>
+          <p:cNvPr id="2" name="Title 1">
+            <a:extLst>
+              <a:ext uri="{FF2B5EF4-FFF2-40B4-BE49-F238E27FC236}">
+                <a16:creationId xmlns:a16="http://schemas.microsoft.com/office/drawing/2014/main" id="{30D94A4A-C557-4A06-A3EA-6FB18669F5E5}"/>
+              </a:ext>
+            </a:extLst>
+          </p:cNvPr>
+          <p:cNvSpPr>
+            <a:spLocks noGrp="1"/>
+          </p:cNvSpPr>
+          <p:nvPr>
+            <p:ph type="ctrTitle"/>
+          </p:nvPr>
+        </p:nvSpPr>
+        <p:spPr/>
+        <p:txBody>
+          <a:bodyPr>
+            <a:normAutofit/>
           </a:bodyPr>
           <a:lstStyle/>
           <a:p>
             <a:r>
+              <a:rPr lang="en-US" sz="4000" dirty="0"/>
+              <a:t>Simple Arduino PID-Controller</a:t>
+            </a:r>
+          </a:p>
+        </p:txBody>
+      </p:sp>
+      <p:sp>
+        <p:nvSpPr>
+          <p:cNvPr id="3" name="Subtitle 2">
+            <a:extLst>
+              <a:ext uri="{FF2B5EF4-FFF2-40B4-BE49-F238E27FC236}">
+                <a16:creationId xmlns:a16="http://schemas.microsoft.com/office/drawing/2014/main" id="{6EDF7C79-824B-4831-AF8B-7E892315A31A}"/>
+              </a:ext>
+            </a:extLst>
+          </p:cNvPr>
+          <p:cNvSpPr>
+            <a:spLocks noGrp="1"/>
+          </p:cNvSpPr>
+          <p:nvPr>
+            <p:ph type="subTitle" idx="1"/>
+          </p:nvPr>
+        </p:nvSpPr>
+        <p:spPr/>
+        <p:txBody>
+          <a:bodyPr/>
+          <a:lstStyle/>
+          <a:p>
+            <a:r>
               <a:rPr lang="en-US" dirty="0"/>
-              <a:t>Analog read</a:t>
-            </a:r>
-          </a:p>
-        </p:txBody>
-      </p:sp>
-      <p:cxnSp>
-        <p:nvCxnSpPr>
-          <p:cNvPr id="33" name="Straight Arrow Connector 32">
-            <a:extLst>
-              <a:ext uri="{FF2B5EF4-FFF2-40B4-BE49-F238E27FC236}">
-                <a16:creationId xmlns:a16="http://schemas.microsoft.com/office/drawing/2014/main" id="{27BBA59D-413F-451A-9BA6-D9A889F7B21D}"/>
-              </a:ext>
-            </a:extLst>
-          </p:cNvPr>
-          <p:cNvCxnSpPr>
-            <a:cxnSpLocks/>
-          </p:cNvCxnSpPr>
-          <p:nvPr/>
-        </p:nvCxnSpPr>
-        <p:spPr>
-          <a:xfrm flipV="1">
-            <a:off x="3312973" y="4080205"/>
-            <a:ext cx="4041742" cy="182609"/>
-          </a:xfrm>
-          <a:prstGeom prst="straightConnector1">
-            <a:avLst/>
-          </a:prstGeom>
-          <a:ln w="57150">
-            <a:solidFill>
-              <a:srgbClr val="C00000"/>
-            </a:solidFill>
-            <a:tailEnd type="triangle"/>
-          </a:ln>
-        </p:spPr>
-        <p:style>
-          <a:lnRef idx="1">
-            <a:schemeClr val="accent1"/>
-          </a:lnRef>
-          <a:fillRef idx="0">
-            <a:schemeClr val="accent1"/>
-          </a:fillRef>
-          <a:effectRef idx="0">
-            <a:schemeClr val="accent1"/>
-          </a:effectRef>
-          <a:fontRef idx="minor">
-            <a:schemeClr val="tx1"/>
-          </a:fontRef>
-        </p:style>
-      </p:cxnSp>
-      <p:sp>
-        <p:nvSpPr>
-          <p:cNvPr id="39" name="TextBox 38">
-            <a:extLst>
-              <a:ext uri="{FF2B5EF4-FFF2-40B4-BE49-F238E27FC236}">
-                <a16:creationId xmlns:a16="http://schemas.microsoft.com/office/drawing/2014/main" id="{9CD8EC25-E764-43F6-B5E7-444FC3A39CA6}"/>
-              </a:ext>
-            </a:extLst>
-          </p:cNvPr>
-          <p:cNvSpPr txBox="1"/>
-          <p:nvPr/>
-        </p:nvSpPr>
-        <p:spPr>
-          <a:xfrm>
-            <a:off x="4528406" y="4208732"/>
-            <a:ext cx="1374800" cy="369332"/>
-          </a:xfrm>
-          <a:prstGeom prst="rect">
-            <a:avLst/>
-          </a:prstGeom>
-          <a:noFill/>
-        </p:spPr>
-        <p:txBody>
-          <a:bodyPr wrap="none" rtlCol="0">
-            <a:spAutoFit/>
-          </a:bodyPr>
-          <a:lstStyle/>
-          <a:p>
-            <a:r>
-              <a:rPr lang="en-US" dirty="0"/>
-              <a:t>Analog write</a:t>
-            </a:r>
-          </a:p>
-        </p:txBody>
-      </p:sp>
-      <p:cxnSp>
-        <p:nvCxnSpPr>
-          <p:cNvPr id="41" name="Straight Arrow Connector 40">
-            <a:extLst>
-              <a:ext uri="{FF2B5EF4-FFF2-40B4-BE49-F238E27FC236}">
-                <a16:creationId xmlns:a16="http://schemas.microsoft.com/office/drawing/2014/main" id="{0DC9AFF6-2EFC-4745-A499-3F90A301B121}"/>
-              </a:ext>
-            </a:extLst>
-          </p:cNvPr>
-          <p:cNvCxnSpPr>
-            <a:cxnSpLocks/>
-            <a:endCxn id="1038" idx="2"/>
-          </p:cNvCxnSpPr>
-          <p:nvPr/>
-        </p:nvCxnSpPr>
-        <p:spPr>
-          <a:xfrm flipV="1">
-            <a:off x="7354101" y="1911013"/>
-            <a:ext cx="299722" cy="1437350"/>
-          </a:xfrm>
-          <a:prstGeom prst="straightConnector1">
-            <a:avLst/>
-          </a:prstGeom>
-          <a:ln w="57150">
-            <a:solidFill>
-              <a:srgbClr val="C00000"/>
-            </a:solidFill>
-            <a:tailEnd type="triangle"/>
-          </a:ln>
-        </p:spPr>
-        <p:style>
-          <a:lnRef idx="1">
-            <a:schemeClr val="accent1"/>
-          </a:lnRef>
-          <a:fillRef idx="0">
-            <a:schemeClr val="accent1"/>
-          </a:fillRef>
-          <a:effectRef idx="0">
-            <a:schemeClr val="accent1"/>
-          </a:effectRef>
-          <a:fontRef idx="minor">
-            <a:schemeClr val="tx1"/>
-          </a:fontRef>
-        </p:style>
-      </p:cxnSp>
-      <p:sp>
-        <p:nvSpPr>
-          <p:cNvPr id="44" name="TextBox 43">
-            <a:extLst>
-              <a:ext uri="{FF2B5EF4-FFF2-40B4-BE49-F238E27FC236}">
-                <a16:creationId xmlns:a16="http://schemas.microsoft.com/office/drawing/2014/main" id="{455633E8-F483-4B61-9991-5BCA0F7BB8D6}"/>
-              </a:ext>
-            </a:extLst>
-          </p:cNvPr>
-          <p:cNvSpPr txBox="1"/>
-          <p:nvPr/>
-        </p:nvSpPr>
-        <p:spPr>
-          <a:xfrm>
-            <a:off x="7476753" y="2525955"/>
-            <a:ext cx="1536959" cy="369332"/>
-          </a:xfrm>
-          <a:prstGeom prst="rect">
-            <a:avLst/>
-          </a:prstGeom>
-          <a:noFill/>
-        </p:spPr>
-        <p:txBody>
-          <a:bodyPr wrap="none" rtlCol="0">
-            <a:spAutoFit/>
-          </a:bodyPr>
-          <a:lstStyle/>
-          <a:p>
-            <a:r>
-              <a:rPr lang="en-US" dirty="0"/>
-              <a:t>Motor Voltage</a:t>
-            </a:r>
-          </a:p>
-        </p:txBody>
-      </p:sp>
-      <p:cxnSp>
-        <p:nvCxnSpPr>
-          <p:cNvPr id="45" name="Straight Arrow Connector 44">
-            <a:extLst>
-              <a:ext uri="{FF2B5EF4-FFF2-40B4-BE49-F238E27FC236}">
-                <a16:creationId xmlns:a16="http://schemas.microsoft.com/office/drawing/2014/main" id="{33ED3578-9D17-4FAB-A6FD-28E2115B5478}"/>
-              </a:ext>
-            </a:extLst>
-          </p:cNvPr>
-          <p:cNvCxnSpPr>
-            <a:cxnSpLocks/>
-          </p:cNvCxnSpPr>
-          <p:nvPr/>
-        </p:nvCxnSpPr>
-        <p:spPr>
-          <a:xfrm flipH="1" flipV="1">
-            <a:off x="7957058" y="4335178"/>
-            <a:ext cx="368870" cy="291465"/>
-          </a:xfrm>
-          <a:prstGeom prst="straightConnector1">
-            <a:avLst/>
-          </a:prstGeom>
-          <a:ln w="57150">
-            <a:solidFill>
-              <a:srgbClr val="C00000"/>
-            </a:solidFill>
-            <a:tailEnd type="triangle"/>
-          </a:ln>
-        </p:spPr>
-        <p:style>
-          <a:lnRef idx="1">
-            <a:schemeClr val="accent1"/>
-          </a:lnRef>
-          <a:fillRef idx="0">
-            <a:schemeClr val="accent1"/>
-          </a:fillRef>
-          <a:effectRef idx="0">
-            <a:schemeClr val="accent1"/>
-          </a:effectRef>
-          <a:fontRef idx="minor">
-            <a:schemeClr val="tx1"/>
-          </a:fontRef>
-        </p:style>
-      </p:cxnSp>
-      <p:sp>
-        <p:nvSpPr>
-          <p:cNvPr id="49" name="TextBox 48">
-            <a:extLst>
-              <a:ext uri="{FF2B5EF4-FFF2-40B4-BE49-F238E27FC236}">
-                <a16:creationId xmlns:a16="http://schemas.microsoft.com/office/drawing/2014/main" id="{9776900D-EBC9-4739-BE48-C883B18D7FA9}"/>
-              </a:ext>
-            </a:extLst>
-          </p:cNvPr>
-          <p:cNvSpPr txBox="1"/>
-          <p:nvPr/>
-        </p:nvSpPr>
-        <p:spPr>
-          <a:xfrm>
-            <a:off x="8123194" y="4621094"/>
-            <a:ext cx="869149" cy="369332"/>
-          </a:xfrm>
-          <a:prstGeom prst="rect">
-            <a:avLst/>
-          </a:prstGeom>
-          <a:noFill/>
-        </p:spPr>
-        <p:txBody>
-          <a:bodyPr wrap="none" rtlCol="0">
-            <a:spAutoFit/>
-          </a:bodyPr>
-          <a:lstStyle/>
-          <a:p>
-            <a:r>
-              <a:rPr lang="en-US" dirty="0"/>
-              <a:t>12V DC</a:t>
-            </a:r>
-          </a:p>
-        </p:txBody>
-      </p:sp>
-      <p:cxnSp>
-        <p:nvCxnSpPr>
-          <p:cNvPr id="59" name="Straight Arrow Connector 58">
-            <a:extLst>
-              <a:ext uri="{FF2B5EF4-FFF2-40B4-BE49-F238E27FC236}">
-                <a16:creationId xmlns:a16="http://schemas.microsoft.com/office/drawing/2014/main" id="{3C13CF1C-D749-4EA2-A039-7AF673C51DFB}"/>
-              </a:ext>
-            </a:extLst>
-          </p:cNvPr>
-          <p:cNvCxnSpPr>
-            <a:cxnSpLocks/>
-          </p:cNvCxnSpPr>
-          <p:nvPr/>
-        </p:nvCxnSpPr>
-        <p:spPr>
-          <a:xfrm flipH="1">
-            <a:off x="2953467" y="1920897"/>
-            <a:ext cx="4550495" cy="2341917"/>
-          </a:xfrm>
-          <a:prstGeom prst="straightConnector1">
-            <a:avLst/>
-          </a:prstGeom>
-          <a:ln w="57150">
-            <a:solidFill>
-              <a:srgbClr val="C00000"/>
-            </a:solidFill>
-            <a:tailEnd type="triangle"/>
-          </a:ln>
-        </p:spPr>
-        <p:style>
-          <a:lnRef idx="1">
-            <a:schemeClr val="accent1"/>
-          </a:lnRef>
-          <a:fillRef idx="0">
-            <a:schemeClr val="accent1"/>
-          </a:fillRef>
-          <a:effectRef idx="0">
-            <a:schemeClr val="accent1"/>
-          </a:effectRef>
-          <a:fontRef idx="minor">
-            <a:schemeClr val="tx1"/>
-          </a:fontRef>
-        </p:style>
-      </p:cxnSp>
-      <p:sp>
-        <p:nvSpPr>
-          <p:cNvPr id="62" name="TextBox 61">
-            <a:extLst>
-              <a:ext uri="{FF2B5EF4-FFF2-40B4-BE49-F238E27FC236}">
-                <a16:creationId xmlns:a16="http://schemas.microsoft.com/office/drawing/2014/main" id="{3698A234-4122-4427-A6AE-8616524D7EDC}"/>
-              </a:ext>
-            </a:extLst>
-          </p:cNvPr>
-          <p:cNvSpPr txBox="1"/>
-          <p:nvPr/>
-        </p:nvSpPr>
-        <p:spPr>
-          <a:xfrm>
-            <a:off x="5354683" y="1823726"/>
-            <a:ext cx="1849032" cy="369332"/>
-          </a:xfrm>
-          <a:prstGeom prst="rect">
-            <a:avLst/>
-          </a:prstGeom>
-          <a:noFill/>
-        </p:spPr>
-        <p:txBody>
-          <a:bodyPr wrap="none" rtlCol="0">
-            <a:spAutoFit/>
-          </a:bodyPr>
-          <a:lstStyle/>
-          <a:p>
-            <a:r>
-              <a:rPr lang="en-US" dirty="0"/>
-              <a:t>Encoder interrupt</a:t>
+              <a:t>DC-Motor demo</a:t>
             </a:r>
           </a:p>
         </p:txBody>
@@ -3550,7 +3033,7 @@
     </p:spTree>
     <p:extLst>
       <p:ext uri="{BB962C8B-B14F-4D97-AF65-F5344CB8AC3E}">
-        <p14:creationId xmlns:p14="http://schemas.microsoft.com/office/powerpoint/2010/main" val="4043767240"/>
+        <p14:creationId xmlns:p14="http://schemas.microsoft.com/office/powerpoint/2010/main" val="1439087210"/>
       </p:ext>
     </p:extLst>
   </p:cSld>
@@ -3577,6 +3060,646 @@
           <a:chExt cx="0" cy="0"/>
         </a:xfrm>
       </p:grpSpPr>
+      <p:pic>
+        <p:nvPicPr>
+          <p:cNvPr id="1044" name="Picture 20">
+            <a:extLst>
+              <a:ext uri="{FF2B5EF4-FFF2-40B4-BE49-F238E27FC236}">
+                <a16:creationId xmlns:a16="http://schemas.microsoft.com/office/drawing/2014/main" id="{7C7B5922-B211-4278-873E-1315C12E3D32}"/>
+              </a:ext>
+            </a:extLst>
+          </p:cNvPr>
+          <p:cNvPicPr>
+            <a:picLocks noChangeAspect="1" noChangeArrowheads="1"/>
+          </p:cNvPicPr>
+          <p:nvPr/>
+        </p:nvPicPr>
+        <p:blipFill rotWithShape="1">
+          <a:blip r:embed="rId2">
+            <a:extLst>
+              <a:ext uri="{28A0092B-C50C-407E-A947-70E740481C1C}">
+                <a14:useLocalDpi xmlns:a14="http://schemas.microsoft.com/office/drawing/2010/main" val="0"/>
+              </a:ext>
+            </a:extLst>
+          </a:blip>
+          <a:srcRect l="4341" t="9465" r="3061" b="8073"/>
+          <a:stretch/>
+        </p:blipFill>
+        <p:spPr bwMode="auto">
+          <a:xfrm>
+            <a:off x="5831028" y="2808000"/>
+            <a:ext cx="2369428" cy="2110107"/>
+          </a:xfrm>
+          <a:prstGeom prst="rect">
+            <a:avLst/>
+          </a:prstGeom>
+          <a:noFill/>
+          <a:extLst>
+            <a:ext uri="{909E8E84-426E-40DD-AFC4-6F175D3DCCD1}">
+              <a14:hiddenFill xmlns:a14="http://schemas.microsoft.com/office/drawing/2010/main">
+                <a:solidFill>
+                  <a:srgbClr val="FFFFFF"/>
+                </a:solidFill>
+              </a14:hiddenFill>
+            </a:ext>
+          </a:extLst>
+        </p:spPr>
+      </p:pic>
+      <p:pic>
+        <p:nvPicPr>
+          <p:cNvPr id="1036" name="Picture 12" descr="10PCS NEW 2016 Arduino UNO R3 ATMega328P CH340G Development Board + USB Cable IB | eBay">
+            <a:extLst>
+              <a:ext uri="{FF2B5EF4-FFF2-40B4-BE49-F238E27FC236}">
+                <a16:creationId xmlns:a16="http://schemas.microsoft.com/office/drawing/2014/main" id="{C4054597-1677-4727-99C1-E480696DC433}"/>
+              </a:ext>
+            </a:extLst>
+          </p:cNvPr>
+          <p:cNvPicPr>
+            <a:picLocks noChangeAspect="1" noChangeArrowheads="1"/>
+          </p:cNvPicPr>
+          <p:nvPr/>
+        </p:nvPicPr>
+        <p:blipFill rotWithShape="1">
+          <a:blip r:embed="rId3">
+            <a:extLst>
+              <a:ext uri="{28A0092B-C50C-407E-A947-70E740481C1C}">
+                <a14:useLocalDpi xmlns:a14="http://schemas.microsoft.com/office/drawing/2010/main" val="0"/>
+              </a:ext>
+            </a:extLst>
+          </a:blip>
+          <a:srcRect l="11200" t="12789" r="7713" b="13614"/>
+          <a:stretch/>
+        </p:blipFill>
+        <p:spPr bwMode="auto">
+          <a:xfrm>
+            <a:off x="1124447" y="1063295"/>
+            <a:ext cx="4170717" cy="3785469"/>
+          </a:xfrm>
+          <a:prstGeom prst="rect">
+            <a:avLst/>
+          </a:prstGeom>
+          <a:noFill/>
+          <a:extLst>
+            <a:ext uri="{909E8E84-426E-40DD-AFC4-6F175D3DCCD1}">
+              <a14:hiddenFill xmlns:a14="http://schemas.microsoft.com/office/drawing/2010/main">
+                <a:solidFill>
+                  <a:srgbClr val="FFFFFF"/>
+                </a:solidFill>
+              </a14:hiddenFill>
+            </a:ext>
+          </a:extLst>
+        </p:spPr>
+      </p:pic>
+      <p:pic>
+        <p:nvPicPr>
+          <p:cNvPr id="1034" name="Picture 10" descr="The Potentiometer And Wiring Guide - Build Electronic Circuits">
+            <a:extLst>
+              <a:ext uri="{FF2B5EF4-FFF2-40B4-BE49-F238E27FC236}">
+                <a16:creationId xmlns:a16="http://schemas.microsoft.com/office/drawing/2014/main" id="{93977A81-494D-42B9-A371-C3CB2A229FB1}"/>
+              </a:ext>
+            </a:extLst>
+          </p:cNvPr>
+          <p:cNvPicPr>
+            <a:picLocks noChangeAspect="1" noChangeArrowheads="1"/>
+          </p:cNvPicPr>
+          <p:nvPr/>
+        </p:nvPicPr>
+        <p:blipFill rotWithShape="1">
+          <a:blip r:embed="rId4">
+            <a:extLst>
+              <a:ext uri="{28A0092B-C50C-407E-A947-70E740481C1C}">
+                <a14:useLocalDpi xmlns:a14="http://schemas.microsoft.com/office/drawing/2010/main" val="0"/>
+              </a:ext>
+            </a:extLst>
+          </a:blip>
+          <a:srcRect l="11456" t="3581" r="9914" b="2670"/>
+          <a:stretch/>
+        </p:blipFill>
+        <p:spPr bwMode="auto">
+          <a:xfrm>
+            <a:off x="516405" y="415183"/>
+            <a:ext cx="1072282" cy="1505714"/>
+          </a:xfrm>
+          <a:prstGeom prst="rect">
+            <a:avLst/>
+          </a:prstGeom>
+          <a:noFill/>
+          <a:extLst>
+            <a:ext uri="{909E8E84-426E-40DD-AFC4-6F175D3DCCD1}">
+              <a14:hiddenFill xmlns:a14="http://schemas.microsoft.com/office/drawing/2010/main">
+                <a:solidFill>
+                  <a:srgbClr val="FFFFFF"/>
+                </a:solidFill>
+              </a14:hiddenFill>
+            </a:ext>
+          </a:extLst>
+        </p:spPr>
+      </p:pic>
+      <p:pic>
+        <p:nvPicPr>
+          <p:cNvPr id="1038" name="Picture 14">
+            <a:extLst>
+              <a:ext uri="{FF2B5EF4-FFF2-40B4-BE49-F238E27FC236}">
+                <a16:creationId xmlns:a16="http://schemas.microsoft.com/office/drawing/2014/main" id="{AFC10918-57FC-4144-948C-2EC0738A10DE}"/>
+              </a:ext>
+            </a:extLst>
+          </p:cNvPr>
+          <p:cNvPicPr>
+            <a:picLocks noChangeAspect="1" noChangeArrowheads="1"/>
+          </p:cNvPicPr>
+          <p:nvPr/>
+        </p:nvPicPr>
+        <p:blipFill rotWithShape="1">
+          <a:blip r:embed="rId5">
+            <a:extLst>
+              <a:ext uri="{28A0092B-C50C-407E-A947-70E740481C1C}">
+                <a14:useLocalDpi xmlns:a14="http://schemas.microsoft.com/office/drawing/2010/main" val="0"/>
+              </a:ext>
+            </a:extLst>
+          </a:blip>
+          <a:srcRect l="22502" t="26403" r="36826" b="21087"/>
+          <a:stretch/>
+        </p:blipFill>
+        <p:spPr bwMode="auto">
+          <a:xfrm>
+            <a:off x="6953221" y="101951"/>
+            <a:ext cx="1401203" cy="1809062"/>
+          </a:xfrm>
+          <a:prstGeom prst="rect">
+            <a:avLst/>
+          </a:prstGeom>
+          <a:noFill/>
+          <a:extLst>
+            <a:ext uri="{909E8E84-426E-40DD-AFC4-6F175D3DCCD1}">
+              <a14:hiddenFill xmlns:a14="http://schemas.microsoft.com/office/drawing/2010/main">
+                <a:solidFill>
+                  <a:srgbClr val="FFFFFF"/>
+                </a:solidFill>
+              </a14:hiddenFill>
+            </a:ext>
+          </a:extLst>
+        </p:spPr>
+      </p:pic>
+      <p:cxnSp>
+        <p:nvCxnSpPr>
+          <p:cNvPr id="21" name="Straight Arrow Connector 20">
+            <a:extLst>
+              <a:ext uri="{FF2B5EF4-FFF2-40B4-BE49-F238E27FC236}">
+                <a16:creationId xmlns:a16="http://schemas.microsoft.com/office/drawing/2014/main" id="{326F71EA-322D-4FC9-8D95-481291A742C1}"/>
+              </a:ext>
+            </a:extLst>
+          </p:cNvPr>
+          <p:cNvCxnSpPr>
+            <a:cxnSpLocks/>
+          </p:cNvCxnSpPr>
+          <p:nvPr/>
+        </p:nvCxnSpPr>
+        <p:spPr>
+          <a:xfrm>
+            <a:off x="1355309" y="1761428"/>
+            <a:ext cx="307204" cy="764527"/>
+          </a:xfrm>
+          <a:prstGeom prst="straightConnector1">
+            <a:avLst/>
+          </a:prstGeom>
+          <a:ln w="57150">
+            <a:solidFill>
+              <a:srgbClr val="C00000"/>
+            </a:solidFill>
+            <a:tailEnd type="triangle"/>
+          </a:ln>
+        </p:spPr>
+        <p:style>
+          <a:lnRef idx="1">
+            <a:schemeClr val="accent1"/>
+          </a:lnRef>
+          <a:fillRef idx="0">
+            <a:schemeClr val="accent1"/>
+          </a:fillRef>
+          <a:effectRef idx="0">
+            <a:schemeClr val="accent1"/>
+          </a:effectRef>
+          <a:fontRef idx="minor">
+            <a:schemeClr val="tx1"/>
+          </a:fontRef>
+        </p:style>
+      </p:cxnSp>
+      <p:sp>
+        <p:nvSpPr>
+          <p:cNvPr id="22" name="TextBox 21">
+            <a:extLst>
+              <a:ext uri="{FF2B5EF4-FFF2-40B4-BE49-F238E27FC236}">
+                <a16:creationId xmlns:a16="http://schemas.microsoft.com/office/drawing/2014/main" id="{810612B1-BBEA-40DC-95AD-DC4DC48C5B76}"/>
+              </a:ext>
+            </a:extLst>
+          </p:cNvPr>
+          <p:cNvSpPr txBox="1"/>
+          <p:nvPr/>
+        </p:nvSpPr>
+        <p:spPr>
+          <a:xfrm>
+            <a:off x="200358" y="2115997"/>
+            <a:ext cx="1311769" cy="369332"/>
+          </a:xfrm>
+          <a:prstGeom prst="rect">
+            <a:avLst/>
+          </a:prstGeom>
+          <a:noFill/>
+        </p:spPr>
+        <p:txBody>
+          <a:bodyPr wrap="none" rtlCol="0">
+            <a:spAutoFit/>
+          </a:bodyPr>
+          <a:lstStyle/>
+          <a:p>
+            <a:r>
+              <a:rPr lang="en-US" dirty="0"/>
+              <a:t>Analog read</a:t>
+            </a:r>
+          </a:p>
+        </p:txBody>
+      </p:sp>
+      <p:cxnSp>
+        <p:nvCxnSpPr>
+          <p:cNvPr id="33" name="Straight Arrow Connector 32">
+            <a:extLst>
+              <a:ext uri="{FF2B5EF4-FFF2-40B4-BE49-F238E27FC236}">
+                <a16:creationId xmlns:a16="http://schemas.microsoft.com/office/drawing/2014/main" id="{27BBA59D-413F-451A-9BA6-D9A889F7B21D}"/>
+              </a:ext>
+            </a:extLst>
+          </p:cNvPr>
+          <p:cNvCxnSpPr>
+            <a:cxnSpLocks/>
+          </p:cNvCxnSpPr>
+          <p:nvPr/>
+        </p:nvCxnSpPr>
+        <p:spPr>
+          <a:xfrm flipV="1">
+            <a:off x="3312973" y="3976405"/>
+            <a:ext cx="4163780" cy="286410"/>
+          </a:xfrm>
+          <a:prstGeom prst="straightConnector1">
+            <a:avLst/>
+          </a:prstGeom>
+          <a:ln w="57150">
+            <a:solidFill>
+              <a:srgbClr val="C00000"/>
+            </a:solidFill>
+            <a:tailEnd type="triangle"/>
+          </a:ln>
+        </p:spPr>
+        <p:style>
+          <a:lnRef idx="1">
+            <a:schemeClr val="accent1"/>
+          </a:lnRef>
+          <a:fillRef idx="0">
+            <a:schemeClr val="accent1"/>
+          </a:fillRef>
+          <a:effectRef idx="0">
+            <a:schemeClr val="accent1"/>
+          </a:effectRef>
+          <a:fontRef idx="minor">
+            <a:schemeClr val="tx1"/>
+          </a:fontRef>
+        </p:style>
+      </p:cxnSp>
+      <p:sp>
+        <p:nvSpPr>
+          <p:cNvPr id="39" name="TextBox 38">
+            <a:extLst>
+              <a:ext uri="{FF2B5EF4-FFF2-40B4-BE49-F238E27FC236}">
+                <a16:creationId xmlns:a16="http://schemas.microsoft.com/office/drawing/2014/main" id="{9CD8EC25-E764-43F6-B5E7-444FC3A39CA6}"/>
+              </a:ext>
+            </a:extLst>
+          </p:cNvPr>
+          <p:cNvSpPr txBox="1"/>
+          <p:nvPr/>
+        </p:nvSpPr>
+        <p:spPr>
+          <a:xfrm>
+            <a:off x="4528406" y="4208732"/>
+            <a:ext cx="1374800" cy="369332"/>
+          </a:xfrm>
+          <a:prstGeom prst="rect">
+            <a:avLst/>
+          </a:prstGeom>
+          <a:noFill/>
+        </p:spPr>
+        <p:txBody>
+          <a:bodyPr wrap="none" rtlCol="0">
+            <a:spAutoFit/>
+          </a:bodyPr>
+          <a:lstStyle/>
+          <a:p>
+            <a:r>
+              <a:rPr lang="en-US" dirty="0"/>
+              <a:t>Analog write</a:t>
+            </a:r>
+          </a:p>
+        </p:txBody>
+      </p:sp>
+      <p:cxnSp>
+        <p:nvCxnSpPr>
+          <p:cNvPr id="41" name="Straight Arrow Connector 40">
+            <a:extLst>
+              <a:ext uri="{FF2B5EF4-FFF2-40B4-BE49-F238E27FC236}">
+                <a16:creationId xmlns:a16="http://schemas.microsoft.com/office/drawing/2014/main" id="{0DC9AFF6-2EFC-4745-A499-3F90A301B121}"/>
+              </a:ext>
+            </a:extLst>
+          </p:cNvPr>
+          <p:cNvCxnSpPr>
+            <a:cxnSpLocks/>
+            <a:endCxn id="1038" idx="2"/>
+          </p:cNvCxnSpPr>
+          <p:nvPr/>
+        </p:nvCxnSpPr>
+        <p:spPr>
+          <a:xfrm flipV="1">
+            <a:off x="7354101" y="1911013"/>
+            <a:ext cx="299722" cy="1437350"/>
+          </a:xfrm>
+          <a:prstGeom prst="straightConnector1">
+            <a:avLst/>
+          </a:prstGeom>
+          <a:ln w="57150">
+            <a:solidFill>
+              <a:srgbClr val="C00000"/>
+            </a:solidFill>
+            <a:tailEnd type="triangle"/>
+          </a:ln>
+        </p:spPr>
+        <p:style>
+          <a:lnRef idx="1">
+            <a:schemeClr val="accent1"/>
+          </a:lnRef>
+          <a:fillRef idx="0">
+            <a:schemeClr val="accent1"/>
+          </a:fillRef>
+          <a:effectRef idx="0">
+            <a:schemeClr val="accent1"/>
+          </a:effectRef>
+          <a:fontRef idx="minor">
+            <a:schemeClr val="tx1"/>
+          </a:fontRef>
+        </p:style>
+      </p:cxnSp>
+      <p:sp>
+        <p:nvSpPr>
+          <p:cNvPr id="44" name="TextBox 43">
+            <a:extLst>
+              <a:ext uri="{FF2B5EF4-FFF2-40B4-BE49-F238E27FC236}">
+                <a16:creationId xmlns:a16="http://schemas.microsoft.com/office/drawing/2014/main" id="{455633E8-F483-4B61-9991-5BCA0F7BB8D6}"/>
+              </a:ext>
+            </a:extLst>
+          </p:cNvPr>
+          <p:cNvSpPr txBox="1"/>
+          <p:nvPr/>
+        </p:nvSpPr>
+        <p:spPr>
+          <a:xfrm>
+            <a:off x="7476753" y="2525955"/>
+            <a:ext cx="1536959" cy="369332"/>
+          </a:xfrm>
+          <a:prstGeom prst="rect">
+            <a:avLst/>
+          </a:prstGeom>
+          <a:noFill/>
+        </p:spPr>
+        <p:txBody>
+          <a:bodyPr wrap="none" rtlCol="0">
+            <a:spAutoFit/>
+          </a:bodyPr>
+          <a:lstStyle/>
+          <a:p>
+            <a:r>
+              <a:rPr lang="en-US" dirty="0"/>
+              <a:t>Motor Voltage</a:t>
+            </a:r>
+          </a:p>
+        </p:txBody>
+      </p:sp>
+      <p:cxnSp>
+        <p:nvCxnSpPr>
+          <p:cNvPr id="45" name="Straight Arrow Connector 44">
+            <a:extLst>
+              <a:ext uri="{FF2B5EF4-FFF2-40B4-BE49-F238E27FC236}">
+                <a16:creationId xmlns:a16="http://schemas.microsoft.com/office/drawing/2014/main" id="{33ED3578-9D17-4FAB-A6FD-28E2115B5478}"/>
+              </a:ext>
+            </a:extLst>
+          </p:cNvPr>
+          <p:cNvCxnSpPr>
+            <a:cxnSpLocks/>
+          </p:cNvCxnSpPr>
+          <p:nvPr/>
+        </p:nvCxnSpPr>
+        <p:spPr>
+          <a:xfrm flipH="1" flipV="1">
+            <a:off x="7957058" y="4335178"/>
+            <a:ext cx="368870" cy="291465"/>
+          </a:xfrm>
+          <a:prstGeom prst="straightConnector1">
+            <a:avLst/>
+          </a:prstGeom>
+          <a:ln w="57150">
+            <a:solidFill>
+              <a:srgbClr val="C00000"/>
+            </a:solidFill>
+            <a:tailEnd type="triangle"/>
+          </a:ln>
+        </p:spPr>
+        <p:style>
+          <a:lnRef idx="1">
+            <a:schemeClr val="accent1"/>
+          </a:lnRef>
+          <a:fillRef idx="0">
+            <a:schemeClr val="accent1"/>
+          </a:fillRef>
+          <a:effectRef idx="0">
+            <a:schemeClr val="accent1"/>
+          </a:effectRef>
+          <a:fontRef idx="minor">
+            <a:schemeClr val="tx1"/>
+          </a:fontRef>
+        </p:style>
+      </p:cxnSp>
+      <p:sp>
+        <p:nvSpPr>
+          <p:cNvPr id="49" name="TextBox 48">
+            <a:extLst>
+              <a:ext uri="{FF2B5EF4-FFF2-40B4-BE49-F238E27FC236}">
+                <a16:creationId xmlns:a16="http://schemas.microsoft.com/office/drawing/2014/main" id="{9776900D-EBC9-4739-BE48-C883B18D7FA9}"/>
+              </a:ext>
+            </a:extLst>
+          </p:cNvPr>
+          <p:cNvSpPr txBox="1"/>
+          <p:nvPr/>
+        </p:nvSpPr>
+        <p:spPr>
+          <a:xfrm>
+            <a:off x="8123194" y="4621094"/>
+            <a:ext cx="869149" cy="369332"/>
+          </a:xfrm>
+          <a:prstGeom prst="rect">
+            <a:avLst/>
+          </a:prstGeom>
+          <a:noFill/>
+        </p:spPr>
+        <p:txBody>
+          <a:bodyPr wrap="none" rtlCol="0">
+            <a:spAutoFit/>
+          </a:bodyPr>
+          <a:lstStyle/>
+          <a:p>
+            <a:r>
+              <a:rPr lang="en-US" dirty="0"/>
+              <a:t>12V DC</a:t>
+            </a:r>
+          </a:p>
+        </p:txBody>
+      </p:sp>
+      <p:cxnSp>
+        <p:nvCxnSpPr>
+          <p:cNvPr id="59" name="Straight Arrow Connector 58">
+            <a:extLst>
+              <a:ext uri="{FF2B5EF4-FFF2-40B4-BE49-F238E27FC236}">
+                <a16:creationId xmlns:a16="http://schemas.microsoft.com/office/drawing/2014/main" id="{3C13CF1C-D749-4EA2-A039-7AF673C51DFB}"/>
+              </a:ext>
+            </a:extLst>
+          </p:cNvPr>
+          <p:cNvCxnSpPr>
+            <a:cxnSpLocks/>
+          </p:cNvCxnSpPr>
+          <p:nvPr/>
+        </p:nvCxnSpPr>
+        <p:spPr>
+          <a:xfrm flipH="1">
+            <a:off x="2953467" y="1920897"/>
+            <a:ext cx="4550495" cy="2341917"/>
+          </a:xfrm>
+          <a:prstGeom prst="straightConnector1">
+            <a:avLst/>
+          </a:prstGeom>
+          <a:ln w="57150">
+            <a:solidFill>
+              <a:srgbClr val="C00000"/>
+            </a:solidFill>
+            <a:tailEnd type="triangle"/>
+          </a:ln>
+        </p:spPr>
+        <p:style>
+          <a:lnRef idx="1">
+            <a:schemeClr val="accent1"/>
+          </a:lnRef>
+          <a:fillRef idx="0">
+            <a:schemeClr val="accent1"/>
+          </a:fillRef>
+          <a:effectRef idx="0">
+            <a:schemeClr val="accent1"/>
+          </a:effectRef>
+          <a:fontRef idx="minor">
+            <a:schemeClr val="tx1"/>
+          </a:fontRef>
+        </p:style>
+      </p:cxnSp>
+      <p:sp>
+        <p:nvSpPr>
+          <p:cNvPr id="62" name="TextBox 61">
+            <a:extLst>
+              <a:ext uri="{FF2B5EF4-FFF2-40B4-BE49-F238E27FC236}">
+                <a16:creationId xmlns:a16="http://schemas.microsoft.com/office/drawing/2014/main" id="{3698A234-4122-4427-A6AE-8616524D7EDC}"/>
+              </a:ext>
+            </a:extLst>
+          </p:cNvPr>
+          <p:cNvSpPr txBox="1"/>
+          <p:nvPr/>
+        </p:nvSpPr>
+        <p:spPr>
+          <a:xfrm>
+            <a:off x="5354683" y="1823726"/>
+            <a:ext cx="1849032" cy="369332"/>
+          </a:xfrm>
+          <a:prstGeom prst="rect">
+            <a:avLst/>
+          </a:prstGeom>
+          <a:noFill/>
+        </p:spPr>
+        <p:txBody>
+          <a:bodyPr wrap="none" rtlCol="0">
+            <a:spAutoFit/>
+          </a:bodyPr>
+          <a:lstStyle/>
+          <a:p>
+            <a:r>
+              <a:rPr lang="en-US" dirty="0"/>
+              <a:t>Encoder interrupt</a:t>
+            </a:r>
+          </a:p>
+        </p:txBody>
+      </p:sp>
+      <p:sp>
+        <p:nvSpPr>
+          <p:cNvPr id="54" name="Title 53">
+            <a:extLst>
+              <a:ext uri="{FF2B5EF4-FFF2-40B4-BE49-F238E27FC236}">
+                <a16:creationId xmlns:a16="http://schemas.microsoft.com/office/drawing/2014/main" id="{A0BEBC3B-FAF9-4917-8B65-5B4D0F9D862D}"/>
+              </a:ext>
+            </a:extLst>
+          </p:cNvPr>
+          <p:cNvSpPr>
+            <a:spLocks noGrp="1"/>
+          </p:cNvSpPr>
+          <p:nvPr>
+            <p:ph type="title"/>
+          </p:nvPr>
+        </p:nvSpPr>
+        <p:spPr>
+          <a:xfrm>
+            <a:off x="628650" y="273844"/>
+            <a:ext cx="7886700" cy="606842"/>
+          </a:xfrm>
+        </p:spPr>
+        <p:txBody>
+          <a:bodyPr/>
+          <a:lstStyle/>
+          <a:p>
+            <a:pPr algn="ctr"/>
+            <a:r>
+              <a:rPr lang="en-US" dirty="0"/>
+              <a:t>Circuit Overview</a:t>
+            </a:r>
+          </a:p>
+        </p:txBody>
+      </p:sp>
+    </p:spTree>
+    <p:extLst>
+      <p:ext uri="{BB962C8B-B14F-4D97-AF65-F5344CB8AC3E}">
+        <p14:creationId xmlns:p14="http://schemas.microsoft.com/office/powerpoint/2010/main" val="4043767240"/>
+      </p:ext>
+    </p:extLst>
+  </p:cSld>
+  <p:clrMapOvr>
+    <a:masterClrMapping/>
+  </p:clrMapOvr>
+</p:sld>
+</file>
+
+<file path=ppt/slides/slide3.xml><?xml version="1.0" encoding="utf-8"?>
+<p:sld xmlns:a="http://schemas.openxmlformats.org/drawingml/2006/main" xmlns:r="http://schemas.openxmlformats.org/officeDocument/2006/relationships" xmlns:p="http://schemas.openxmlformats.org/presentationml/2006/main">
+  <p:cSld>
+    <p:spTree>
+      <p:nvGrpSpPr>
+        <p:cNvPr id="1" name=""/>
+        <p:cNvGrpSpPr/>
+        <p:nvPr/>
+      </p:nvGrpSpPr>
+      <p:grpSpPr>
+        <a:xfrm>
+          <a:off x="0" y="0"/>
+          <a:ext cx="0" cy="0"/>
+          <a:chOff x="0" y="0"/>
+          <a:chExt cx="0" cy="0"/>
+        </a:xfrm>
+      </p:grpSpPr>
       <p:sp>
         <p:nvSpPr>
           <p:cNvPr id="2" name="Rectangle 1">
@@ -3591,7 +3714,7 @@
         </p:nvSpPr>
         <p:spPr>
           <a:xfrm>
-            <a:off x="2782670" y="1552507"/>
+            <a:off x="2782670" y="2184040"/>
             <a:ext cx="1263056" cy="730204"/>
           </a:xfrm>
           <a:prstGeom prst="rect">
@@ -3638,7 +3761,7 @@
         </p:nvSpPr>
         <p:spPr>
           <a:xfrm>
-            <a:off x="1013076" y="1552507"/>
+            <a:off x="1013076" y="2184040"/>
             <a:ext cx="1263056" cy="730204"/>
           </a:xfrm>
           <a:prstGeom prst="rect">
@@ -3689,7 +3812,7 @@
         </p:nvSpPr>
         <p:spPr>
           <a:xfrm>
-            <a:off x="4552264" y="1552507"/>
+            <a:off x="4552264" y="2184040"/>
             <a:ext cx="1263056" cy="730204"/>
           </a:xfrm>
           <a:prstGeom prst="rect">
@@ -3736,7 +3859,7 @@
         </p:nvSpPr>
         <p:spPr>
           <a:xfrm>
-            <a:off x="6321858" y="1552507"/>
+            <a:off x="6321858" y="2184040"/>
             <a:ext cx="1263056" cy="730204"/>
           </a:xfrm>
           <a:prstGeom prst="rect">
@@ -3783,7 +3906,7 @@
         </p:nvSpPr>
         <p:spPr>
           <a:xfrm>
-            <a:off x="4552264" y="2742789"/>
+            <a:off x="4552264" y="3374322"/>
             <a:ext cx="1263056" cy="730204"/>
           </a:xfrm>
           <a:prstGeom prst="rect">
@@ -3833,7 +3956,7 @@
         </p:nvCxnSpPr>
         <p:spPr>
           <a:xfrm>
-            <a:off x="2276132" y="1917609"/>
+            <a:off x="2276132" y="2549142"/>
             <a:ext cx="506538" cy="0"/>
           </a:xfrm>
           <a:prstGeom prst="straightConnector1">
@@ -3876,7 +3999,7 @@
         </p:nvCxnSpPr>
         <p:spPr>
           <a:xfrm>
-            <a:off x="4045726" y="1917609"/>
+            <a:off x="4045726" y="2549142"/>
             <a:ext cx="506538" cy="0"/>
           </a:xfrm>
           <a:prstGeom prst="straightConnector1">
@@ -3919,7 +4042,7 @@
         </p:nvCxnSpPr>
         <p:spPr>
           <a:xfrm>
-            <a:off x="5815320" y="1917609"/>
+            <a:off x="5815320" y="2549142"/>
             <a:ext cx="506538" cy="0"/>
           </a:xfrm>
           <a:prstGeom prst="straightConnector1">
@@ -3961,7 +4084,7 @@
         </p:nvCxnSpPr>
         <p:spPr>
           <a:xfrm>
-            <a:off x="7584914" y="1917609"/>
+            <a:off x="7584914" y="2549142"/>
             <a:ext cx="670999" cy="0"/>
           </a:xfrm>
           <a:prstGeom prst="straightConnector1">
@@ -4003,7 +4126,7 @@
         </p:nvCxnSpPr>
         <p:spPr>
           <a:xfrm rot="10800000" flipV="1">
-            <a:off x="5815320" y="1917609"/>
+            <a:off x="5815320" y="2549142"/>
             <a:ext cx="1815644" cy="1190282"/>
           </a:xfrm>
           <a:prstGeom prst="bentConnector3">
@@ -4047,7 +4170,7 @@
         </p:nvCxnSpPr>
         <p:spPr>
           <a:xfrm>
-            <a:off x="493381" y="1917609"/>
+            <a:off x="493381" y="2549142"/>
             <a:ext cx="519695" cy="0"/>
           </a:xfrm>
           <a:prstGeom prst="straightConnector1">
@@ -4086,7 +4209,7 @@
         </p:nvSpPr>
         <p:spPr>
           <a:xfrm>
-            <a:off x="2782670" y="2742789"/>
+            <a:off x="2782670" y="3374322"/>
             <a:ext cx="1263056" cy="730204"/>
           </a:xfrm>
           <a:prstGeom prst="rect">
@@ -4137,7 +4260,7 @@
         </p:nvCxnSpPr>
         <p:spPr>
           <a:xfrm flipH="1">
-            <a:off x="4045726" y="3107891"/>
+            <a:off x="4045726" y="3739424"/>
             <a:ext cx="506538" cy="0"/>
           </a:xfrm>
           <a:prstGeom prst="straightConnector1">
@@ -4180,7 +4303,7 @@
         </p:nvCxnSpPr>
         <p:spPr>
           <a:xfrm flipH="1">
-            <a:off x="2272843" y="3107891"/>
+            <a:off x="2272843" y="3739424"/>
             <a:ext cx="509827" cy="0"/>
           </a:xfrm>
           <a:prstGeom prst="straightConnector1">
@@ -4219,7 +4342,7 @@
         </p:nvSpPr>
         <p:spPr>
           <a:xfrm>
-            <a:off x="1009787" y="2742789"/>
+            <a:off x="1009787" y="3374322"/>
             <a:ext cx="1263056" cy="730204"/>
           </a:xfrm>
           <a:prstGeom prst="rect">
@@ -4266,7 +4389,7 @@
         </p:nvSpPr>
         <p:spPr>
           <a:xfrm>
-            <a:off x="753228" y="1282380"/>
+            <a:off x="753228" y="1913913"/>
             <a:ext cx="3578659" cy="2578739"/>
           </a:xfrm>
           <a:custGeom>
@@ -4390,7 +4513,7 @@
         </p:nvCxnSpPr>
         <p:spPr>
           <a:xfrm flipH="1">
-            <a:off x="493381" y="3107891"/>
+            <a:off x="493381" y="3739424"/>
             <a:ext cx="516406" cy="0"/>
           </a:xfrm>
           <a:prstGeom prst="straightConnector1">
@@ -4429,7 +4552,7 @@
         </p:nvSpPr>
         <p:spPr>
           <a:xfrm>
-            <a:off x="4433853" y="1282380"/>
+            <a:off x="4433853" y="1913913"/>
             <a:ext cx="3282630" cy="1335826"/>
           </a:xfrm>
           <a:prstGeom prst="rect">
@@ -4483,7 +4606,7 @@
         </p:nvSpPr>
         <p:spPr>
           <a:xfrm>
-            <a:off x="365024" y="2721380"/>
+            <a:off x="365024" y="3352913"/>
             <a:ext cx="389850" cy="369332"/>
           </a:xfrm>
           <a:prstGeom prst="rect">
@@ -4518,7 +4641,7 @@
         </p:nvSpPr>
         <p:spPr>
           <a:xfrm>
-            <a:off x="273004" y="1548277"/>
+            <a:off x="273004" y="2179810"/>
             <a:ext cx="617477" cy="369332"/>
           </a:xfrm>
           <a:prstGeom prst="rect">
@@ -4553,7 +4676,7 @@
         </p:nvSpPr>
         <p:spPr>
           <a:xfrm>
-            <a:off x="7805291" y="1548277"/>
+            <a:off x="7805291" y="2179810"/>
             <a:ext cx="982898" cy="369332"/>
           </a:xfrm>
           <a:prstGeom prst="rect">
@@ -4591,7 +4714,7 @@
         </p:nvCxnSpPr>
         <p:spPr>
           <a:xfrm>
-            <a:off x="5183792" y="822302"/>
+            <a:off x="5183792" y="1453835"/>
             <a:ext cx="0" cy="730205"/>
           </a:xfrm>
           <a:prstGeom prst="straightConnector1">
@@ -4630,7 +4753,7 @@
         </p:nvSpPr>
         <p:spPr>
           <a:xfrm>
-            <a:off x="4692343" y="456260"/>
+            <a:off x="4692343" y="1087793"/>
             <a:ext cx="869149" cy="369332"/>
           </a:xfrm>
           <a:prstGeom prst="rect">
@@ -4647,6 +4770,34 @@
             <a:r>
               <a:rPr lang="en-US" dirty="0"/>
               <a:t>12V DC</a:t>
+            </a:r>
+          </a:p>
+        </p:txBody>
+      </p:sp>
+      <p:sp>
+        <p:nvSpPr>
+          <p:cNvPr id="69" name="Title 68">
+            <a:extLst>
+              <a:ext uri="{FF2B5EF4-FFF2-40B4-BE49-F238E27FC236}">
+                <a16:creationId xmlns:a16="http://schemas.microsoft.com/office/drawing/2014/main" id="{403AC571-28AB-4398-A9F5-B164F00DC397}"/>
+              </a:ext>
+            </a:extLst>
+          </p:cNvPr>
+          <p:cNvSpPr>
+            <a:spLocks noGrp="1"/>
+          </p:cNvSpPr>
+          <p:nvPr>
+            <p:ph type="title"/>
+          </p:nvPr>
+        </p:nvSpPr>
+        <p:spPr/>
+        <p:txBody>
+          <a:bodyPr/>
+          <a:lstStyle/>
+          <a:p>
+            <a:r>
+              <a:rPr lang="en-US" dirty="0"/>
+              <a:t>Schematic – Open-Loop</a:t>
             </a:r>
           </a:p>
         </p:txBody>
@@ -4655,862 +4806,6 @@
     <p:extLst>
       <p:ext uri="{BB962C8B-B14F-4D97-AF65-F5344CB8AC3E}">
         <p14:creationId xmlns:p14="http://schemas.microsoft.com/office/powerpoint/2010/main" val="4011562900"/>
-      </p:ext>
-    </p:extLst>
-  </p:cSld>
-  <p:clrMapOvr>
-    <a:masterClrMapping/>
-  </p:clrMapOvr>
-</p:sld>
-</file>
-
-<file path=ppt/slides/slide3.xml><?xml version="1.0" encoding="utf-8"?>
-<p:sld xmlns:a="http://schemas.openxmlformats.org/drawingml/2006/main" xmlns:r="http://schemas.openxmlformats.org/officeDocument/2006/relationships" xmlns:p="http://schemas.openxmlformats.org/presentationml/2006/main">
-  <p:cSld>
-    <p:spTree>
-      <p:nvGrpSpPr>
-        <p:cNvPr id="1" name=""/>
-        <p:cNvGrpSpPr/>
-        <p:nvPr/>
-      </p:nvGrpSpPr>
-      <p:grpSpPr>
-        <a:xfrm>
-          <a:off x="0" y="0"/>
-          <a:ext cx="0" cy="0"/>
-          <a:chOff x="0" y="0"/>
-          <a:chExt cx="0" cy="0"/>
-        </a:xfrm>
-      </p:grpSpPr>
-      <p:sp>
-        <p:nvSpPr>
-          <p:cNvPr id="2" name="Rectangle 1">
-            <a:extLst>
-              <a:ext uri="{FF2B5EF4-FFF2-40B4-BE49-F238E27FC236}">
-                <a16:creationId xmlns:a16="http://schemas.microsoft.com/office/drawing/2014/main" id="{FDF7202D-0BF7-471E-9C7E-33176CBE2A4C}"/>
-              </a:ext>
-            </a:extLst>
-          </p:cNvPr>
-          <p:cNvSpPr/>
-          <p:nvPr/>
-        </p:nvSpPr>
-        <p:spPr>
-          <a:xfrm>
-            <a:off x="3591815" y="1605134"/>
-            <a:ext cx="1263056" cy="730204"/>
-          </a:xfrm>
-          <a:prstGeom prst="rect">
-            <a:avLst/>
-          </a:prstGeom>
-        </p:spPr>
-        <p:style>
-          <a:lnRef idx="2">
-            <a:schemeClr val="accent5"/>
-          </a:lnRef>
-          <a:fillRef idx="1">
-            <a:schemeClr val="lt1"/>
-          </a:fillRef>
-          <a:effectRef idx="0">
-            <a:schemeClr val="accent5"/>
-          </a:effectRef>
-          <a:fontRef idx="minor">
-            <a:schemeClr val="dk1"/>
-          </a:fontRef>
-        </p:style>
-        <p:txBody>
-          <a:bodyPr rtlCol="0" anchor="ctr"/>
-          <a:lstStyle/>
-          <a:p>
-            <a:pPr algn="ctr"/>
-            <a:r>
-              <a:rPr lang="en-US" dirty="0"/>
-              <a:t>Analog Read/Write</a:t>
-            </a:r>
-          </a:p>
-        </p:txBody>
-      </p:sp>
-      <p:sp>
-        <p:nvSpPr>
-          <p:cNvPr id="3" name="Rectangle 2">
-            <a:extLst>
-              <a:ext uri="{FF2B5EF4-FFF2-40B4-BE49-F238E27FC236}">
-                <a16:creationId xmlns:a16="http://schemas.microsoft.com/office/drawing/2014/main" id="{DA04D49B-3B2B-428D-9D29-52080FBCE833}"/>
-              </a:ext>
-            </a:extLst>
-          </p:cNvPr>
-          <p:cNvSpPr/>
-          <p:nvPr/>
-        </p:nvSpPr>
-        <p:spPr>
-          <a:xfrm>
-            <a:off x="1822221" y="1605134"/>
-            <a:ext cx="1263056" cy="730204"/>
-          </a:xfrm>
-          <a:prstGeom prst="rect">
-            <a:avLst/>
-          </a:prstGeom>
-        </p:spPr>
-        <p:style>
-          <a:lnRef idx="2">
-            <a:schemeClr val="accent5"/>
-          </a:lnRef>
-          <a:fillRef idx="1">
-            <a:schemeClr val="lt1"/>
-          </a:fillRef>
-          <a:effectRef idx="0">
-            <a:schemeClr val="accent5"/>
-          </a:effectRef>
-          <a:fontRef idx="minor">
-            <a:schemeClr val="dk1"/>
-          </a:fontRef>
-        </p:style>
-        <p:txBody>
-          <a:bodyPr rtlCol="0" anchor="ctr"/>
-          <a:lstStyle/>
-          <a:p>
-            <a:pPr algn="ctr"/>
-            <a:r>
-              <a:rPr lang="en-US" dirty="0"/>
-              <a:t>R</a:t>
-            </a:r>
-            <a:r>
-              <a:rPr lang="en-US" baseline="-25000" dirty="0"/>
-              <a:t>pot</a:t>
-            </a:r>
-          </a:p>
-        </p:txBody>
-      </p:sp>
-      <p:sp>
-        <p:nvSpPr>
-          <p:cNvPr id="4" name="Rectangle 3">
-            <a:extLst>
-              <a:ext uri="{FF2B5EF4-FFF2-40B4-BE49-F238E27FC236}">
-                <a16:creationId xmlns:a16="http://schemas.microsoft.com/office/drawing/2014/main" id="{C51ACA59-7CDD-400F-A7AE-6EC485938EC4}"/>
-              </a:ext>
-            </a:extLst>
-          </p:cNvPr>
-          <p:cNvSpPr/>
-          <p:nvPr/>
-        </p:nvSpPr>
-        <p:spPr>
-          <a:xfrm>
-            <a:off x="5646211" y="1605134"/>
-            <a:ext cx="1263056" cy="730204"/>
-          </a:xfrm>
-          <a:prstGeom prst="rect">
-            <a:avLst/>
-          </a:prstGeom>
-        </p:spPr>
-        <p:style>
-          <a:lnRef idx="2">
-            <a:schemeClr val="accent5"/>
-          </a:lnRef>
-          <a:fillRef idx="1">
-            <a:schemeClr val="lt1"/>
-          </a:fillRef>
-          <a:effectRef idx="0">
-            <a:schemeClr val="accent5"/>
-          </a:effectRef>
-          <a:fontRef idx="minor">
-            <a:schemeClr val="dk1"/>
-          </a:fontRef>
-        </p:style>
-        <p:txBody>
-          <a:bodyPr rtlCol="0" anchor="ctr"/>
-          <a:lstStyle/>
-          <a:p>
-            <a:pPr algn="ctr"/>
-            <a:r>
-              <a:rPr lang="en-US" dirty="0"/>
-              <a:t>Plant</a:t>
-            </a:r>
-          </a:p>
-        </p:txBody>
-      </p:sp>
-      <p:sp>
-        <p:nvSpPr>
-          <p:cNvPr id="6" name="Rectangle 5">
-            <a:extLst>
-              <a:ext uri="{FF2B5EF4-FFF2-40B4-BE49-F238E27FC236}">
-                <a16:creationId xmlns:a16="http://schemas.microsoft.com/office/drawing/2014/main" id="{D643BB81-4798-4622-ABFA-F5FBC3E40B72}"/>
-              </a:ext>
-            </a:extLst>
-          </p:cNvPr>
-          <p:cNvSpPr/>
-          <p:nvPr/>
-        </p:nvSpPr>
-        <p:spPr>
-          <a:xfrm>
-            <a:off x="5646211" y="2795416"/>
-            <a:ext cx="1263056" cy="730204"/>
-          </a:xfrm>
-          <a:prstGeom prst="rect">
-            <a:avLst/>
-          </a:prstGeom>
-        </p:spPr>
-        <p:style>
-          <a:lnRef idx="2">
-            <a:schemeClr val="accent5"/>
-          </a:lnRef>
-          <a:fillRef idx="1">
-            <a:schemeClr val="lt1"/>
-          </a:fillRef>
-          <a:effectRef idx="0">
-            <a:schemeClr val="accent5"/>
-          </a:effectRef>
-          <a:fontRef idx="minor">
-            <a:schemeClr val="dk1"/>
-          </a:fontRef>
-        </p:style>
-        <p:txBody>
-          <a:bodyPr rtlCol="0" anchor="ctr"/>
-          <a:lstStyle/>
-          <a:p>
-            <a:pPr algn="ctr"/>
-            <a:r>
-              <a:rPr lang="en-US" dirty="0"/>
-              <a:t>Encoder</a:t>
-            </a:r>
-          </a:p>
-        </p:txBody>
-      </p:sp>
-      <p:cxnSp>
-        <p:nvCxnSpPr>
-          <p:cNvPr id="8" name="Straight Arrow Connector 7">
-            <a:extLst>
-              <a:ext uri="{FF2B5EF4-FFF2-40B4-BE49-F238E27FC236}">
-                <a16:creationId xmlns:a16="http://schemas.microsoft.com/office/drawing/2014/main" id="{4D41BEC0-6CD9-4614-8339-82138C1D8A7B}"/>
-              </a:ext>
-            </a:extLst>
-          </p:cNvPr>
-          <p:cNvCxnSpPr>
-            <a:cxnSpLocks/>
-            <a:stCxn id="3" idx="3"/>
-            <a:endCxn id="2" idx="1"/>
-          </p:cNvCxnSpPr>
-          <p:nvPr/>
-        </p:nvCxnSpPr>
-        <p:spPr>
-          <a:xfrm>
-            <a:off x="3085277" y="1970236"/>
-            <a:ext cx="506538" cy="0"/>
-          </a:xfrm>
-          <a:prstGeom prst="straightConnector1">
-            <a:avLst/>
-          </a:prstGeom>
-          <a:ln w="28575">
-            <a:tailEnd type="triangle"/>
-          </a:ln>
-        </p:spPr>
-        <p:style>
-          <a:lnRef idx="1">
-            <a:schemeClr val="accent1"/>
-          </a:lnRef>
-          <a:fillRef idx="0">
-            <a:schemeClr val="accent1"/>
-          </a:fillRef>
-          <a:effectRef idx="0">
-            <a:schemeClr val="accent1"/>
-          </a:effectRef>
-          <a:fontRef idx="minor">
-            <a:schemeClr val="tx1"/>
-          </a:fontRef>
-        </p:style>
-      </p:cxnSp>
-      <p:cxnSp>
-        <p:nvCxnSpPr>
-          <p:cNvPr id="9" name="Straight Arrow Connector 8">
-            <a:extLst>
-              <a:ext uri="{FF2B5EF4-FFF2-40B4-BE49-F238E27FC236}">
-                <a16:creationId xmlns:a16="http://schemas.microsoft.com/office/drawing/2014/main" id="{87EC3E32-A25F-4582-AC6F-15CC9A3040EB}"/>
-              </a:ext>
-            </a:extLst>
-          </p:cNvPr>
-          <p:cNvCxnSpPr>
-            <a:cxnSpLocks/>
-            <a:stCxn id="2" idx="3"/>
-            <a:endCxn id="4" idx="1"/>
-          </p:cNvCxnSpPr>
-          <p:nvPr/>
-        </p:nvCxnSpPr>
-        <p:spPr>
-          <a:xfrm>
-            <a:off x="4854871" y="1970236"/>
-            <a:ext cx="791340" cy="0"/>
-          </a:xfrm>
-          <a:prstGeom prst="straightConnector1">
-            <a:avLst/>
-          </a:prstGeom>
-          <a:ln w="28575">
-            <a:tailEnd type="triangle"/>
-          </a:ln>
-        </p:spPr>
-        <p:style>
-          <a:lnRef idx="1">
-            <a:schemeClr val="accent1"/>
-          </a:lnRef>
-          <a:fillRef idx="0">
-            <a:schemeClr val="accent1"/>
-          </a:fillRef>
-          <a:effectRef idx="0">
-            <a:schemeClr val="accent1"/>
-          </a:effectRef>
-          <a:fontRef idx="minor">
-            <a:schemeClr val="tx1"/>
-          </a:fontRef>
-        </p:style>
-      </p:cxnSp>
-      <p:cxnSp>
-        <p:nvCxnSpPr>
-          <p:cNvPr id="16" name="Straight Arrow Connector 15">
-            <a:extLst>
-              <a:ext uri="{FF2B5EF4-FFF2-40B4-BE49-F238E27FC236}">
-                <a16:creationId xmlns:a16="http://schemas.microsoft.com/office/drawing/2014/main" id="{F2424170-70C8-4318-9740-482D1D015F6D}"/>
-              </a:ext>
-            </a:extLst>
-          </p:cNvPr>
-          <p:cNvCxnSpPr>
-            <a:cxnSpLocks/>
-            <a:stCxn id="4" idx="3"/>
-          </p:cNvCxnSpPr>
-          <p:nvPr/>
-        </p:nvCxnSpPr>
-        <p:spPr>
-          <a:xfrm>
-            <a:off x="6909267" y="1970236"/>
-            <a:ext cx="990339" cy="0"/>
-          </a:xfrm>
-          <a:prstGeom prst="straightConnector1">
-            <a:avLst/>
-          </a:prstGeom>
-          <a:ln w="28575">
-            <a:tailEnd type="triangle"/>
-          </a:ln>
-        </p:spPr>
-        <p:style>
-          <a:lnRef idx="1">
-            <a:schemeClr val="accent1"/>
-          </a:lnRef>
-          <a:fillRef idx="0">
-            <a:schemeClr val="accent1"/>
-          </a:fillRef>
-          <a:effectRef idx="0">
-            <a:schemeClr val="accent1"/>
-          </a:effectRef>
-          <a:fontRef idx="minor">
-            <a:schemeClr val="tx1"/>
-          </a:fontRef>
-        </p:style>
-      </p:cxnSp>
-      <p:cxnSp>
-        <p:nvCxnSpPr>
-          <p:cNvPr id="19" name="Connector: Elbow 18">
-            <a:extLst>
-              <a:ext uri="{FF2B5EF4-FFF2-40B4-BE49-F238E27FC236}">
-                <a16:creationId xmlns:a16="http://schemas.microsoft.com/office/drawing/2014/main" id="{E921E5FA-FB78-4870-A330-24D8AFC0A007}"/>
-              </a:ext>
-            </a:extLst>
-          </p:cNvPr>
-          <p:cNvCxnSpPr>
-            <a:cxnSpLocks/>
-            <a:stCxn id="4" idx="3"/>
-            <a:endCxn id="6" idx="3"/>
-          </p:cNvCxnSpPr>
-          <p:nvPr/>
-        </p:nvCxnSpPr>
-        <p:spPr>
-          <a:xfrm>
-            <a:off x="6909267" y="1970236"/>
-            <a:ext cx="12700" cy="1190282"/>
-          </a:xfrm>
-          <a:prstGeom prst="bentConnector3">
-            <a:avLst>
-              <a:gd name="adj1" fmla="val 1800000"/>
-            </a:avLst>
-          </a:prstGeom>
-          <a:ln w="28575">
-            <a:tailEnd type="triangle"/>
-          </a:ln>
-        </p:spPr>
-        <p:style>
-          <a:lnRef idx="1">
-            <a:schemeClr val="accent1"/>
-          </a:lnRef>
-          <a:fillRef idx="0">
-            <a:schemeClr val="accent1"/>
-          </a:fillRef>
-          <a:effectRef idx="0">
-            <a:schemeClr val="accent1"/>
-          </a:effectRef>
-          <a:fontRef idx="minor">
-            <a:schemeClr val="tx1"/>
-          </a:fontRef>
-        </p:style>
-      </p:cxnSp>
-      <p:cxnSp>
-        <p:nvCxnSpPr>
-          <p:cNvPr id="25" name="Straight Arrow Connector 24">
-            <a:extLst>
-              <a:ext uri="{FF2B5EF4-FFF2-40B4-BE49-F238E27FC236}">
-                <a16:creationId xmlns:a16="http://schemas.microsoft.com/office/drawing/2014/main" id="{733B2031-3FAC-450B-8601-46DCB2D4CB88}"/>
-              </a:ext>
-            </a:extLst>
-          </p:cNvPr>
-          <p:cNvCxnSpPr>
-            <a:cxnSpLocks/>
-            <a:endCxn id="3" idx="1"/>
-          </p:cNvCxnSpPr>
-          <p:nvPr/>
-        </p:nvCxnSpPr>
-        <p:spPr>
-          <a:xfrm>
-            <a:off x="1302526" y="1970236"/>
-            <a:ext cx="519695" cy="0"/>
-          </a:xfrm>
-          <a:prstGeom prst="straightConnector1">
-            <a:avLst/>
-          </a:prstGeom>
-          <a:ln w="28575">
-            <a:tailEnd type="triangle"/>
-          </a:ln>
-        </p:spPr>
-        <p:style>
-          <a:lnRef idx="1">
-            <a:schemeClr val="accent1"/>
-          </a:lnRef>
-          <a:fillRef idx="0">
-            <a:schemeClr val="accent1"/>
-          </a:fillRef>
-          <a:effectRef idx="0">
-            <a:schemeClr val="accent1"/>
-          </a:effectRef>
-          <a:fontRef idx="minor">
-            <a:schemeClr val="tx1"/>
-          </a:fontRef>
-        </p:style>
-      </p:cxnSp>
-      <p:sp>
-        <p:nvSpPr>
-          <p:cNvPr id="33" name="Rectangle 32">
-            <a:extLst>
-              <a:ext uri="{FF2B5EF4-FFF2-40B4-BE49-F238E27FC236}">
-                <a16:creationId xmlns:a16="http://schemas.microsoft.com/office/drawing/2014/main" id="{AD4CFD23-6DEC-4B9D-938E-9B55CBCDEE7C}"/>
-              </a:ext>
-            </a:extLst>
-          </p:cNvPr>
-          <p:cNvSpPr/>
-          <p:nvPr/>
-        </p:nvSpPr>
-        <p:spPr>
-          <a:xfrm>
-            <a:off x="3591815" y="2795416"/>
-            <a:ext cx="1263056" cy="730204"/>
-          </a:xfrm>
-          <a:prstGeom prst="rect">
-            <a:avLst/>
-          </a:prstGeom>
-        </p:spPr>
-        <p:style>
-          <a:lnRef idx="2">
-            <a:schemeClr val="accent5"/>
-          </a:lnRef>
-          <a:fillRef idx="1">
-            <a:schemeClr val="lt1"/>
-          </a:fillRef>
-          <a:effectRef idx="0">
-            <a:schemeClr val="accent5"/>
-          </a:effectRef>
-          <a:fontRef idx="minor">
-            <a:schemeClr val="dk1"/>
-          </a:fontRef>
-        </p:style>
-        <p:txBody>
-          <a:bodyPr rtlCol="0" anchor="ctr"/>
-          <a:lstStyle/>
-          <a:p>
-            <a:pPr algn="ctr"/>
-            <a:r>
-              <a:rPr lang="en-US" dirty="0"/>
-              <a:t>Interrupt</a:t>
-            </a:r>
-          </a:p>
-        </p:txBody>
-      </p:sp>
-      <p:cxnSp>
-        <p:nvCxnSpPr>
-          <p:cNvPr id="37" name="Straight Arrow Connector 36">
-            <a:extLst>
-              <a:ext uri="{FF2B5EF4-FFF2-40B4-BE49-F238E27FC236}">
-                <a16:creationId xmlns:a16="http://schemas.microsoft.com/office/drawing/2014/main" id="{12A89A4E-EE52-4454-8D6D-B8A140673EFD}"/>
-              </a:ext>
-            </a:extLst>
-          </p:cNvPr>
-          <p:cNvCxnSpPr>
-            <a:cxnSpLocks/>
-            <a:stCxn id="6" idx="1"/>
-            <a:endCxn id="33" idx="3"/>
-          </p:cNvCxnSpPr>
-          <p:nvPr/>
-        </p:nvCxnSpPr>
-        <p:spPr>
-          <a:xfrm flipH="1">
-            <a:off x="4854871" y="3160518"/>
-            <a:ext cx="791340" cy="0"/>
-          </a:xfrm>
-          <a:prstGeom prst="straightConnector1">
-            <a:avLst/>
-          </a:prstGeom>
-          <a:ln w="28575">
-            <a:tailEnd type="triangle"/>
-          </a:ln>
-        </p:spPr>
-        <p:style>
-          <a:lnRef idx="1">
-            <a:schemeClr val="accent1"/>
-          </a:lnRef>
-          <a:fillRef idx="0">
-            <a:schemeClr val="accent1"/>
-          </a:fillRef>
-          <a:effectRef idx="0">
-            <a:schemeClr val="accent1"/>
-          </a:effectRef>
-          <a:fontRef idx="minor">
-            <a:schemeClr val="tx1"/>
-          </a:fontRef>
-        </p:style>
-      </p:cxnSp>
-      <p:cxnSp>
-        <p:nvCxnSpPr>
-          <p:cNvPr id="45" name="Straight Arrow Connector 44">
-            <a:extLst>
-              <a:ext uri="{FF2B5EF4-FFF2-40B4-BE49-F238E27FC236}">
-                <a16:creationId xmlns:a16="http://schemas.microsoft.com/office/drawing/2014/main" id="{0C29A4C9-0F74-4FAA-97A2-11FD089C832F}"/>
-              </a:ext>
-            </a:extLst>
-          </p:cNvPr>
-          <p:cNvCxnSpPr>
-            <a:cxnSpLocks/>
-            <a:stCxn id="33" idx="1"/>
-          </p:cNvCxnSpPr>
-          <p:nvPr/>
-        </p:nvCxnSpPr>
-        <p:spPr>
-          <a:xfrm flipH="1">
-            <a:off x="3081988" y="3160518"/>
-            <a:ext cx="509827" cy="0"/>
-          </a:xfrm>
-          <a:prstGeom prst="straightConnector1">
-            <a:avLst/>
-          </a:prstGeom>
-          <a:ln w="28575">
-            <a:tailEnd type="triangle"/>
-          </a:ln>
-        </p:spPr>
-        <p:style>
-          <a:lnRef idx="1">
-            <a:schemeClr val="accent1"/>
-          </a:lnRef>
-          <a:fillRef idx="0">
-            <a:schemeClr val="accent1"/>
-          </a:fillRef>
-          <a:effectRef idx="0">
-            <a:schemeClr val="accent1"/>
-          </a:effectRef>
-          <a:fontRef idx="minor">
-            <a:schemeClr val="tx1"/>
-          </a:fontRef>
-        </p:style>
-      </p:cxnSp>
-      <p:sp>
-        <p:nvSpPr>
-          <p:cNvPr id="56" name="TextBox 55">
-            <a:extLst>
-              <a:ext uri="{FF2B5EF4-FFF2-40B4-BE49-F238E27FC236}">
-                <a16:creationId xmlns:a16="http://schemas.microsoft.com/office/drawing/2014/main" id="{DD99AE6A-1F19-422C-9917-23D2DD6824C1}"/>
-              </a:ext>
-            </a:extLst>
-          </p:cNvPr>
-          <p:cNvSpPr txBox="1"/>
-          <p:nvPr/>
-        </p:nvSpPr>
-        <p:spPr>
-          <a:xfrm>
-            <a:off x="2947051" y="2795416"/>
-            <a:ext cx="389850" cy="369332"/>
-          </a:xfrm>
-          <a:prstGeom prst="rect">
-            <a:avLst/>
-          </a:prstGeom>
-          <a:noFill/>
-        </p:spPr>
-        <p:txBody>
-          <a:bodyPr wrap="none" rtlCol="0">
-            <a:spAutoFit/>
-          </a:bodyPr>
-          <a:lstStyle/>
-          <a:p>
-            <a:r>
-              <a:rPr lang="en-US" dirty="0"/>
-              <a:t>UI</a:t>
-            </a:r>
-          </a:p>
-        </p:txBody>
-      </p:sp>
-      <p:sp>
-        <p:nvSpPr>
-          <p:cNvPr id="57" name="TextBox 56">
-            <a:extLst>
-              <a:ext uri="{FF2B5EF4-FFF2-40B4-BE49-F238E27FC236}">
-                <a16:creationId xmlns:a16="http://schemas.microsoft.com/office/drawing/2014/main" id="{A9A823AA-AA5A-428F-A5A6-CF21DA802430}"/>
-              </a:ext>
-            </a:extLst>
-          </p:cNvPr>
-          <p:cNvSpPr txBox="1"/>
-          <p:nvPr/>
-        </p:nvSpPr>
-        <p:spPr>
-          <a:xfrm>
-            <a:off x="1091112" y="1603019"/>
-            <a:ext cx="617477" cy="369332"/>
-          </a:xfrm>
-          <a:prstGeom prst="rect">
-            <a:avLst/>
-          </a:prstGeom>
-          <a:noFill/>
-        </p:spPr>
-        <p:txBody>
-          <a:bodyPr wrap="none" rtlCol="0">
-            <a:spAutoFit/>
-          </a:bodyPr>
-          <a:lstStyle/>
-          <a:p>
-            <a:r>
-              <a:rPr lang="en-US" dirty="0"/>
-              <a:t>User</a:t>
-            </a:r>
-          </a:p>
-        </p:txBody>
-      </p:sp>
-      <p:sp>
-        <p:nvSpPr>
-          <p:cNvPr id="58" name="TextBox 57">
-            <a:extLst>
-              <a:ext uri="{FF2B5EF4-FFF2-40B4-BE49-F238E27FC236}">
-                <a16:creationId xmlns:a16="http://schemas.microsoft.com/office/drawing/2014/main" id="{ABE08C82-3059-4131-AA38-4BED1F5CA02A}"/>
-              </a:ext>
-            </a:extLst>
-          </p:cNvPr>
-          <p:cNvSpPr txBox="1"/>
-          <p:nvPr/>
-        </p:nvSpPr>
-        <p:spPr>
-          <a:xfrm>
-            <a:off x="7140871" y="1575766"/>
-            <a:ext cx="982898" cy="369332"/>
-          </a:xfrm>
-          <a:prstGeom prst="rect">
-            <a:avLst/>
-          </a:prstGeom>
-          <a:noFill/>
-        </p:spPr>
-        <p:txBody>
-          <a:bodyPr wrap="none" rtlCol="0">
-            <a:spAutoFit/>
-          </a:bodyPr>
-          <a:lstStyle/>
-          <a:p>
-            <a:r>
-              <a:rPr lang="en-US" dirty="0"/>
-              <a:t>Rotation</a:t>
-            </a:r>
-          </a:p>
-        </p:txBody>
-      </p:sp>
-      <p:sp>
-        <p:nvSpPr>
-          <p:cNvPr id="34" name="Rectangle 33">
-            <a:extLst>
-              <a:ext uri="{FF2B5EF4-FFF2-40B4-BE49-F238E27FC236}">
-                <a16:creationId xmlns:a16="http://schemas.microsoft.com/office/drawing/2014/main" id="{C95F82DE-0C16-4452-A654-E85D68B6EC08}"/>
-              </a:ext>
-            </a:extLst>
-          </p:cNvPr>
-          <p:cNvSpPr/>
-          <p:nvPr/>
-        </p:nvSpPr>
-        <p:spPr>
-          <a:xfrm>
-            <a:off x="3362596" y="1420467"/>
-            <a:ext cx="1679474" cy="2572626"/>
-          </a:xfrm>
-          <a:prstGeom prst="rect">
-            <a:avLst/>
-          </a:prstGeom>
-          <a:noFill/>
-          <a:ln>
-            <a:solidFill>
-              <a:schemeClr val="accent6"/>
-            </a:solidFill>
-            <a:prstDash val="dash"/>
-          </a:ln>
-        </p:spPr>
-        <p:style>
-          <a:lnRef idx="2">
-            <a:schemeClr val="accent5"/>
-          </a:lnRef>
-          <a:fillRef idx="1">
-            <a:schemeClr val="lt1"/>
-          </a:fillRef>
-          <a:effectRef idx="0">
-            <a:schemeClr val="accent5"/>
-          </a:effectRef>
-          <a:fontRef idx="minor">
-            <a:schemeClr val="dk1"/>
-          </a:fontRef>
-        </p:style>
-        <p:txBody>
-          <a:bodyPr rtlCol="0" anchor="b"/>
-          <a:lstStyle/>
-          <a:p>
-            <a:pPr algn="ctr"/>
-            <a:r>
-              <a:rPr lang="en-US" dirty="0"/>
-              <a:t>Arduino</a:t>
-            </a:r>
-          </a:p>
-        </p:txBody>
-      </p:sp>
-      <p:sp>
-        <p:nvSpPr>
-          <p:cNvPr id="38" name="TextBox 37">
-            <a:extLst>
-              <a:ext uri="{FF2B5EF4-FFF2-40B4-BE49-F238E27FC236}">
-                <a16:creationId xmlns:a16="http://schemas.microsoft.com/office/drawing/2014/main" id="{ECE40159-91B7-4C97-B5C7-CB010E7A7E77}"/>
-              </a:ext>
-            </a:extLst>
-          </p:cNvPr>
-          <p:cNvSpPr txBox="1"/>
-          <p:nvPr/>
-        </p:nvSpPr>
-        <p:spPr>
-          <a:xfrm>
-            <a:off x="692664" y="230186"/>
-            <a:ext cx="5523939" cy="646331"/>
-          </a:xfrm>
-          <a:prstGeom prst="rect">
-            <a:avLst/>
-          </a:prstGeom>
-          <a:noFill/>
-        </p:spPr>
-        <p:txBody>
-          <a:bodyPr wrap="square" rtlCol="0">
-            <a:spAutoFit/>
-          </a:bodyPr>
-          <a:lstStyle/>
-          <a:p>
-            <a:pPr marL="285750" indent="-285750">
-              <a:buFont typeface="Arial" panose="020B0604020202020204" pitchFamily="34" charset="0"/>
-              <a:buChar char="•"/>
-            </a:pPr>
-            <a:r>
-              <a:rPr lang="en-US" dirty="0"/>
-              <a:t>Plant dynamics do not change</a:t>
-            </a:r>
-          </a:p>
-          <a:p>
-            <a:pPr marL="285750" indent="-285750">
-              <a:buFont typeface="Arial" panose="020B0604020202020204" pitchFamily="34" charset="0"/>
-              <a:buChar char="•"/>
-            </a:pPr>
-            <a:r>
-              <a:rPr lang="en-US" dirty="0"/>
-              <a:t>Serial output not relevant for control system</a:t>
-            </a:r>
-          </a:p>
-        </p:txBody>
-      </p:sp>
-      <p:sp>
-        <p:nvSpPr>
-          <p:cNvPr id="22" name="Right Brace 21">
-            <a:extLst>
-              <a:ext uri="{FF2B5EF4-FFF2-40B4-BE49-F238E27FC236}">
-                <a16:creationId xmlns:a16="http://schemas.microsoft.com/office/drawing/2014/main" id="{36E963BC-56DE-406E-BA05-91107CD70A17}"/>
-              </a:ext>
-            </a:extLst>
-          </p:cNvPr>
-          <p:cNvSpPr/>
-          <p:nvPr/>
-        </p:nvSpPr>
-        <p:spPr>
-          <a:xfrm>
-            <a:off x="5379544" y="302607"/>
-            <a:ext cx="266667" cy="526273"/>
-          </a:xfrm>
-          <a:prstGeom prst="rightBrace">
-            <a:avLst/>
-          </a:prstGeom>
-        </p:spPr>
-        <p:style>
-          <a:lnRef idx="1">
-            <a:schemeClr val="accent1"/>
-          </a:lnRef>
-          <a:fillRef idx="0">
-            <a:schemeClr val="accent1"/>
-          </a:fillRef>
-          <a:effectRef idx="0">
-            <a:schemeClr val="accent1"/>
-          </a:effectRef>
-          <a:fontRef idx="minor">
-            <a:schemeClr val="tx1"/>
-          </a:fontRef>
-        </p:style>
-        <p:txBody>
-          <a:bodyPr rtlCol="0" anchor="ctr"/>
-          <a:lstStyle/>
-          <a:p>
-            <a:pPr algn="ctr"/>
-            <a:endParaRPr lang="en-US"/>
-          </a:p>
-        </p:txBody>
-      </p:sp>
-      <p:sp>
-        <p:nvSpPr>
-          <p:cNvPr id="39" name="TextBox 38">
-            <a:extLst>
-              <a:ext uri="{FF2B5EF4-FFF2-40B4-BE49-F238E27FC236}">
-                <a16:creationId xmlns:a16="http://schemas.microsoft.com/office/drawing/2014/main" id="{86EF92E3-5664-48E2-B5C0-C8F322ECB83A}"/>
-              </a:ext>
-            </a:extLst>
-          </p:cNvPr>
-          <p:cNvSpPr txBox="1"/>
-          <p:nvPr/>
-        </p:nvSpPr>
-        <p:spPr>
-          <a:xfrm>
-            <a:off x="5731732" y="385485"/>
-            <a:ext cx="2011066" cy="369332"/>
-          </a:xfrm>
-          <a:prstGeom prst="rect">
-            <a:avLst/>
-          </a:prstGeom>
-          <a:noFill/>
-        </p:spPr>
-        <p:txBody>
-          <a:bodyPr wrap="square" rtlCol="0">
-            <a:spAutoFit/>
-          </a:bodyPr>
-          <a:lstStyle/>
-          <a:p>
-            <a:r>
-              <a:rPr lang="en-US" dirty="0"/>
-              <a:t>Simplify schematic</a:t>
-            </a:r>
-          </a:p>
-        </p:txBody>
-      </p:sp>
-    </p:spTree>
-    <p:extLst>
-      <p:ext uri="{BB962C8B-B14F-4D97-AF65-F5344CB8AC3E}">
-        <p14:creationId xmlns:p14="http://schemas.microsoft.com/office/powerpoint/2010/main" val="3960651824"/>
       </p:ext>
     </p:extLst>
   </p:cSld>
@@ -5551,7 +4846,7 @@
         </p:nvSpPr>
         <p:spPr>
           <a:xfrm>
-            <a:off x="3732571" y="1608432"/>
+            <a:off x="3591815" y="2210349"/>
             <a:ext cx="1263056" cy="730204"/>
           </a:xfrm>
           <a:prstGeom prst="rect">
@@ -5579,17 +4874,17 @@
             <a:pPr algn="ctr"/>
             <a:r>
               <a:rPr lang="en-US" dirty="0"/>
-              <a:t>Analog Write</a:t>
-            </a:r>
-          </a:p>
-        </p:txBody>
-      </p:sp>
-      <p:sp>
-        <p:nvSpPr>
-          <p:cNvPr id="4" name="Rectangle 3">
-            <a:extLst>
-              <a:ext uri="{FF2B5EF4-FFF2-40B4-BE49-F238E27FC236}">
-                <a16:creationId xmlns:a16="http://schemas.microsoft.com/office/drawing/2014/main" id="{C51ACA59-7CDD-400F-A7AE-6EC485938EC4}"/>
+              <a:t>Analog Read/Write</a:t>
+            </a:r>
+          </a:p>
+        </p:txBody>
+      </p:sp>
+      <p:sp>
+        <p:nvSpPr>
+          <p:cNvPr id="3" name="Rectangle 2">
+            <a:extLst>
+              <a:ext uri="{FF2B5EF4-FFF2-40B4-BE49-F238E27FC236}">
+                <a16:creationId xmlns:a16="http://schemas.microsoft.com/office/drawing/2014/main" id="{DA04D49B-3B2B-428D-9D29-52080FBCE833}"/>
               </a:ext>
             </a:extLst>
           </p:cNvPr>
@@ -5598,7 +4893,7 @@
         </p:nvSpPr>
         <p:spPr>
           <a:xfrm>
-            <a:off x="5646211" y="1605134"/>
+            <a:off x="1822221" y="2210349"/>
             <a:ext cx="1263056" cy="730204"/>
           </a:xfrm>
           <a:prstGeom prst="rect">
@@ -5626,17 +4921,21 @@
             <a:pPr algn="ctr"/>
             <a:r>
               <a:rPr lang="en-US" dirty="0"/>
-              <a:t>Plant</a:t>
-            </a:r>
-          </a:p>
-        </p:txBody>
-      </p:sp>
-      <p:sp>
-        <p:nvSpPr>
-          <p:cNvPr id="6" name="Rectangle 5">
-            <a:extLst>
-              <a:ext uri="{FF2B5EF4-FFF2-40B4-BE49-F238E27FC236}">
-                <a16:creationId xmlns:a16="http://schemas.microsoft.com/office/drawing/2014/main" id="{D643BB81-4798-4622-ABFA-F5FBC3E40B72}"/>
+              <a:t>R</a:t>
+            </a:r>
+            <a:r>
+              <a:rPr lang="en-US" baseline="-25000" dirty="0"/>
+              <a:t>pot</a:t>
+            </a:r>
+          </a:p>
+        </p:txBody>
+      </p:sp>
+      <p:sp>
+        <p:nvSpPr>
+          <p:cNvPr id="4" name="Rectangle 3">
+            <a:extLst>
+              <a:ext uri="{FF2B5EF4-FFF2-40B4-BE49-F238E27FC236}">
+                <a16:creationId xmlns:a16="http://schemas.microsoft.com/office/drawing/2014/main" id="{C51ACA59-7CDD-400F-A7AE-6EC485938EC4}"/>
               </a:ext>
             </a:extLst>
           </p:cNvPr>
@@ -5645,7 +4944,7 @@
         </p:nvSpPr>
         <p:spPr>
           <a:xfrm>
-            <a:off x="5646211" y="2795416"/>
+            <a:off x="5646211" y="2210349"/>
             <a:ext cx="1263056" cy="730204"/>
           </a:xfrm>
           <a:prstGeom prst="rect">
@@ -5673,190 +4972,17 @@
             <a:pPr algn="ctr"/>
             <a:r>
               <a:rPr lang="en-US" dirty="0"/>
-              <a:t>Encoder</a:t>
-            </a:r>
-          </a:p>
-        </p:txBody>
-      </p:sp>
-      <p:cxnSp>
-        <p:nvCxnSpPr>
-          <p:cNvPr id="8" name="Straight Arrow Connector 7">
-            <a:extLst>
-              <a:ext uri="{FF2B5EF4-FFF2-40B4-BE49-F238E27FC236}">
-                <a16:creationId xmlns:a16="http://schemas.microsoft.com/office/drawing/2014/main" id="{4D41BEC0-6CD9-4614-8339-82138C1D8A7B}"/>
-              </a:ext>
-            </a:extLst>
-          </p:cNvPr>
-          <p:cNvCxnSpPr>
-            <a:cxnSpLocks/>
-            <a:stCxn id="20" idx="3"/>
-            <a:endCxn id="2" idx="1"/>
-          </p:cNvCxnSpPr>
-          <p:nvPr/>
-        </p:nvCxnSpPr>
-        <p:spPr>
-          <a:xfrm>
-            <a:off x="3081988" y="1970236"/>
-            <a:ext cx="650583" cy="3298"/>
-          </a:xfrm>
-          <a:prstGeom prst="straightConnector1">
-            <a:avLst/>
-          </a:prstGeom>
-          <a:ln w="28575">
-            <a:tailEnd type="triangle"/>
-          </a:ln>
-        </p:spPr>
-        <p:style>
-          <a:lnRef idx="1">
-            <a:schemeClr val="accent1"/>
-          </a:lnRef>
-          <a:fillRef idx="0">
-            <a:schemeClr val="accent1"/>
-          </a:fillRef>
-          <a:effectRef idx="0">
-            <a:schemeClr val="accent1"/>
-          </a:effectRef>
-          <a:fontRef idx="minor">
-            <a:schemeClr val="tx1"/>
-          </a:fontRef>
-        </p:style>
-      </p:cxnSp>
-      <p:cxnSp>
-        <p:nvCxnSpPr>
-          <p:cNvPr id="9" name="Straight Arrow Connector 8">
-            <a:extLst>
-              <a:ext uri="{FF2B5EF4-FFF2-40B4-BE49-F238E27FC236}">
-                <a16:creationId xmlns:a16="http://schemas.microsoft.com/office/drawing/2014/main" id="{87EC3E32-A25F-4582-AC6F-15CC9A3040EB}"/>
-              </a:ext>
-            </a:extLst>
-          </p:cNvPr>
-          <p:cNvCxnSpPr>
-            <a:cxnSpLocks/>
-            <a:stCxn id="2" idx="3"/>
-            <a:endCxn id="4" idx="1"/>
-          </p:cNvCxnSpPr>
-          <p:nvPr/>
-        </p:nvCxnSpPr>
-        <p:spPr>
-          <a:xfrm flipV="1">
-            <a:off x="4995627" y="1970236"/>
-            <a:ext cx="650584" cy="3298"/>
-          </a:xfrm>
-          <a:prstGeom prst="straightConnector1">
-            <a:avLst/>
-          </a:prstGeom>
-          <a:ln w="28575">
-            <a:tailEnd type="triangle"/>
-          </a:ln>
-        </p:spPr>
-        <p:style>
-          <a:lnRef idx="1">
-            <a:schemeClr val="accent1"/>
-          </a:lnRef>
-          <a:fillRef idx="0">
-            <a:schemeClr val="accent1"/>
-          </a:fillRef>
-          <a:effectRef idx="0">
-            <a:schemeClr val="accent1"/>
-          </a:effectRef>
-          <a:fontRef idx="minor">
-            <a:schemeClr val="tx1"/>
-          </a:fontRef>
-        </p:style>
-      </p:cxnSp>
-      <p:cxnSp>
-        <p:nvCxnSpPr>
-          <p:cNvPr id="16" name="Straight Arrow Connector 15">
-            <a:extLst>
-              <a:ext uri="{FF2B5EF4-FFF2-40B4-BE49-F238E27FC236}">
-                <a16:creationId xmlns:a16="http://schemas.microsoft.com/office/drawing/2014/main" id="{F2424170-70C8-4318-9740-482D1D015F6D}"/>
-              </a:ext>
-            </a:extLst>
-          </p:cNvPr>
-          <p:cNvCxnSpPr>
-            <a:cxnSpLocks/>
-            <a:stCxn id="4" idx="3"/>
-          </p:cNvCxnSpPr>
-          <p:nvPr/>
-        </p:nvCxnSpPr>
-        <p:spPr>
-          <a:xfrm>
-            <a:off x="6909267" y="1970236"/>
-            <a:ext cx="990339" cy="0"/>
-          </a:xfrm>
-          <a:prstGeom prst="straightConnector1">
-            <a:avLst/>
-          </a:prstGeom>
-          <a:ln w="28575">
-            <a:tailEnd type="triangle"/>
-          </a:ln>
-        </p:spPr>
-        <p:style>
-          <a:lnRef idx="1">
-            <a:schemeClr val="accent1"/>
-          </a:lnRef>
-          <a:fillRef idx="0">
-            <a:schemeClr val="accent1"/>
-          </a:fillRef>
-          <a:effectRef idx="0">
-            <a:schemeClr val="accent1"/>
-          </a:effectRef>
-          <a:fontRef idx="minor">
-            <a:schemeClr val="tx1"/>
-          </a:fontRef>
-        </p:style>
-      </p:cxnSp>
-      <p:cxnSp>
-        <p:nvCxnSpPr>
-          <p:cNvPr id="19" name="Connector: Elbow 18">
-            <a:extLst>
-              <a:ext uri="{FF2B5EF4-FFF2-40B4-BE49-F238E27FC236}">
-                <a16:creationId xmlns:a16="http://schemas.microsoft.com/office/drawing/2014/main" id="{E921E5FA-FB78-4870-A330-24D8AFC0A007}"/>
-              </a:ext>
-            </a:extLst>
-          </p:cNvPr>
-          <p:cNvCxnSpPr>
-            <a:cxnSpLocks/>
-            <a:stCxn id="4" idx="3"/>
-            <a:endCxn id="6" idx="3"/>
-          </p:cNvCxnSpPr>
-          <p:nvPr/>
-        </p:nvCxnSpPr>
-        <p:spPr>
-          <a:xfrm>
-            <a:off x="6909267" y="1970236"/>
-            <a:ext cx="12700" cy="1190282"/>
-          </a:xfrm>
-          <a:prstGeom prst="bentConnector3">
-            <a:avLst>
-              <a:gd name="adj1" fmla="val 1800000"/>
-            </a:avLst>
-          </a:prstGeom>
-          <a:ln w="28575">
-            <a:tailEnd type="triangle"/>
-          </a:ln>
-        </p:spPr>
-        <p:style>
-          <a:lnRef idx="1">
-            <a:schemeClr val="accent1"/>
-          </a:lnRef>
-          <a:fillRef idx="0">
-            <a:schemeClr val="accent1"/>
-          </a:fillRef>
-          <a:effectRef idx="0">
-            <a:schemeClr val="accent1"/>
-          </a:effectRef>
-          <a:fontRef idx="minor">
-            <a:schemeClr val="tx1"/>
-          </a:fontRef>
-        </p:style>
-      </p:cxnSp>
-      <p:sp>
-        <p:nvSpPr>
-          <p:cNvPr id="33" name="Rectangle 32">
-            <a:extLst>
-              <a:ext uri="{FF2B5EF4-FFF2-40B4-BE49-F238E27FC236}">
-                <a16:creationId xmlns:a16="http://schemas.microsoft.com/office/drawing/2014/main" id="{AD4CFD23-6DEC-4B9D-938E-9B55CBCDEE7C}"/>
+              <a:t>Plant</a:t>
+            </a:r>
+          </a:p>
+        </p:txBody>
+      </p:sp>
+      <p:sp>
+        <p:nvSpPr>
+          <p:cNvPr id="6" name="Rectangle 5">
+            <a:extLst>
+              <a:ext uri="{FF2B5EF4-FFF2-40B4-BE49-F238E27FC236}">
+                <a16:creationId xmlns:a16="http://schemas.microsoft.com/office/drawing/2014/main" id="{D643BB81-4798-4622-ABFA-F5FBC3E40B72}"/>
               </a:ext>
             </a:extLst>
           </p:cNvPr>
@@ -5865,7 +4991,7 @@
         </p:nvSpPr>
         <p:spPr>
           <a:xfrm>
-            <a:off x="3732571" y="2804865"/>
+            <a:off x="5646211" y="3400631"/>
             <a:ext cx="1263056" cy="730204"/>
           </a:xfrm>
           <a:prstGeom prst="rect">
@@ -5893,31 +5019,31 @@
             <a:pPr algn="ctr"/>
             <a:r>
               <a:rPr lang="en-US" dirty="0"/>
-              <a:t>Interrupt</a:t>
+              <a:t>Encoder</a:t>
             </a:r>
           </a:p>
         </p:txBody>
       </p:sp>
       <p:cxnSp>
         <p:nvCxnSpPr>
-          <p:cNvPr id="37" name="Straight Arrow Connector 36">
-            <a:extLst>
-              <a:ext uri="{FF2B5EF4-FFF2-40B4-BE49-F238E27FC236}">
-                <a16:creationId xmlns:a16="http://schemas.microsoft.com/office/drawing/2014/main" id="{12A89A4E-EE52-4454-8D6D-B8A140673EFD}"/>
+          <p:cNvPr id="8" name="Straight Arrow Connector 7">
+            <a:extLst>
+              <a:ext uri="{FF2B5EF4-FFF2-40B4-BE49-F238E27FC236}">
+                <a16:creationId xmlns:a16="http://schemas.microsoft.com/office/drawing/2014/main" id="{4D41BEC0-6CD9-4614-8339-82138C1D8A7B}"/>
               </a:ext>
             </a:extLst>
           </p:cNvPr>
           <p:cNvCxnSpPr>
             <a:cxnSpLocks/>
-            <a:stCxn id="6" idx="1"/>
-            <a:endCxn id="33" idx="3"/>
+            <a:stCxn id="3" idx="3"/>
+            <a:endCxn id="2" idx="1"/>
           </p:cNvCxnSpPr>
           <p:nvPr/>
         </p:nvCxnSpPr>
         <p:spPr>
-          <a:xfrm flipH="1">
-            <a:off x="4995627" y="3160518"/>
-            <a:ext cx="650584" cy="9449"/>
+          <a:xfrm>
+            <a:off x="3085277" y="2575451"/>
+            <a:ext cx="506538" cy="0"/>
           </a:xfrm>
           <a:prstGeom prst="straightConnector1">
             <a:avLst/>
@@ -5943,23 +5069,24 @@
       </p:cxnSp>
       <p:cxnSp>
         <p:nvCxnSpPr>
-          <p:cNvPr id="45" name="Straight Arrow Connector 44">
-            <a:extLst>
-              <a:ext uri="{FF2B5EF4-FFF2-40B4-BE49-F238E27FC236}">
-                <a16:creationId xmlns:a16="http://schemas.microsoft.com/office/drawing/2014/main" id="{0C29A4C9-0F74-4FAA-97A2-11FD089C832F}"/>
+          <p:cNvPr id="9" name="Straight Arrow Connector 8">
+            <a:extLst>
+              <a:ext uri="{FF2B5EF4-FFF2-40B4-BE49-F238E27FC236}">
+                <a16:creationId xmlns:a16="http://schemas.microsoft.com/office/drawing/2014/main" id="{87EC3E32-A25F-4582-AC6F-15CC9A3040EB}"/>
               </a:ext>
             </a:extLst>
           </p:cNvPr>
           <p:cNvCxnSpPr>
             <a:cxnSpLocks/>
-            <a:stCxn id="33" idx="1"/>
+            <a:stCxn id="2" idx="3"/>
+            <a:endCxn id="4" idx="1"/>
           </p:cNvCxnSpPr>
           <p:nvPr/>
         </p:nvCxnSpPr>
         <p:spPr>
-          <a:xfrm flipH="1">
-            <a:off x="604175" y="3169967"/>
-            <a:ext cx="3128396" cy="0"/>
+          <a:xfrm>
+            <a:off x="4854871" y="2575451"/>
+            <a:ext cx="791340" cy="0"/>
           </a:xfrm>
           <a:prstGeom prst="straightConnector1">
             <a:avLst/>
@@ -5983,138 +5110,155 @@
           </a:fontRef>
         </p:style>
       </p:cxnSp>
-      <p:sp>
-        <p:nvSpPr>
-          <p:cNvPr id="56" name="TextBox 55">
-            <a:extLst>
-              <a:ext uri="{FF2B5EF4-FFF2-40B4-BE49-F238E27FC236}">
-                <a16:creationId xmlns:a16="http://schemas.microsoft.com/office/drawing/2014/main" id="{DD99AE6A-1F19-422C-9917-23D2DD6824C1}"/>
-              </a:ext>
-            </a:extLst>
-          </p:cNvPr>
-          <p:cNvSpPr txBox="1"/>
-          <p:nvPr/>
-        </p:nvSpPr>
-        <p:spPr>
-          <a:xfrm>
-            <a:off x="701855" y="2800635"/>
-            <a:ext cx="389850" cy="369332"/>
+      <p:cxnSp>
+        <p:nvCxnSpPr>
+          <p:cNvPr id="16" name="Straight Arrow Connector 15">
+            <a:extLst>
+              <a:ext uri="{FF2B5EF4-FFF2-40B4-BE49-F238E27FC236}">
+                <a16:creationId xmlns:a16="http://schemas.microsoft.com/office/drawing/2014/main" id="{F2424170-70C8-4318-9740-482D1D015F6D}"/>
+              </a:ext>
+            </a:extLst>
+          </p:cNvPr>
+          <p:cNvCxnSpPr>
+            <a:cxnSpLocks/>
+            <a:stCxn id="4" idx="3"/>
+          </p:cNvCxnSpPr>
+          <p:nvPr/>
+        </p:nvCxnSpPr>
+        <p:spPr>
+          <a:xfrm>
+            <a:off x="6909267" y="2575451"/>
+            <a:ext cx="990339" cy="0"/>
+          </a:xfrm>
+          <a:prstGeom prst="straightConnector1">
+            <a:avLst/>
+          </a:prstGeom>
+          <a:ln w="28575">
+            <a:tailEnd type="triangle"/>
+          </a:ln>
+        </p:spPr>
+        <p:style>
+          <a:lnRef idx="1">
+            <a:schemeClr val="accent1"/>
+          </a:lnRef>
+          <a:fillRef idx="0">
+            <a:schemeClr val="accent1"/>
+          </a:fillRef>
+          <a:effectRef idx="0">
+            <a:schemeClr val="accent1"/>
+          </a:effectRef>
+          <a:fontRef idx="minor">
+            <a:schemeClr val="tx1"/>
+          </a:fontRef>
+        </p:style>
+      </p:cxnSp>
+      <p:cxnSp>
+        <p:nvCxnSpPr>
+          <p:cNvPr id="19" name="Connector: Elbow 18">
+            <a:extLst>
+              <a:ext uri="{FF2B5EF4-FFF2-40B4-BE49-F238E27FC236}">
+                <a16:creationId xmlns:a16="http://schemas.microsoft.com/office/drawing/2014/main" id="{E921E5FA-FB78-4870-A330-24D8AFC0A007}"/>
+              </a:ext>
+            </a:extLst>
+          </p:cNvPr>
+          <p:cNvCxnSpPr>
+            <a:cxnSpLocks/>
+            <a:stCxn id="4" idx="3"/>
+            <a:endCxn id="6" idx="3"/>
+          </p:cNvCxnSpPr>
+          <p:nvPr/>
+        </p:nvCxnSpPr>
+        <p:spPr>
+          <a:xfrm>
+            <a:off x="6909267" y="2575451"/>
+            <a:ext cx="12700" cy="1190282"/>
+          </a:xfrm>
+          <a:prstGeom prst="bentConnector3">
+            <a:avLst>
+              <a:gd name="adj1" fmla="val 1800000"/>
+            </a:avLst>
+          </a:prstGeom>
+          <a:ln w="28575">
+            <a:tailEnd type="triangle"/>
+          </a:ln>
+        </p:spPr>
+        <p:style>
+          <a:lnRef idx="1">
+            <a:schemeClr val="accent1"/>
+          </a:lnRef>
+          <a:fillRef idx="0">
+            <a:schemeClr val="accent1"/>
+          </a:fillRef>
+          <a:effectRef idx="0">
+            <a:schemeClr val="accent1"/>
+          </a:effectRef>
+          <a:fontRef idx="minor">
+            <a:schemeClr val="tx1"/>
+          </a:fontRef>
+        </p:style>
+      </p:cxnSp>
+      <p:cxnSp>
+        <p:nvCxnSpPr>
+          <p:cNvPr id="25" name="Straight Arrow Connector 24">
+            <a:extLst>
+              <a:ext uri="{FF2B5EF4-FFF2-40B4-BE49-F238E27FC236}">
+                <a16:creationId xmlns:a16="http://schemas.microsoft.com/office/drawing/2014/main" id="{733B2031-3FAC-450B-8601-46DCB2D4CB88}"/>
+              </a:ext>
+            </a:extLst>
+          </p:cNvPr>
+          <p:cNvCxnSpPr>
+            <a:cxnSpLocks/>
+            <a:endCxn id="3" idx="1"/>
+          </p:cNvCxnSpPr>
+          <p:nvPr/>
+        </p:nvCxnSpPr>
+        <p:spPr>
+          <a:xfrm>
+            <a:off x="1302526" y="2575451"/>
+            <a:ext cx="519695" cy="0"/>
+          </a:xfrm>
+          <a:prstGeom prst="straightConnector1">
+            <a:avLst/>
+          </a:prstGeom>
+          <a:ln w="28575">
+            <a:tailEnd type="triangle"/>
+          </a:ln>
+        </p:spPr>
+        <p:style>
+          <a:lnRef idx="1">
+            <a:schemeClr val="accent1"/>
+          </a:lnRef>
+          <a:fillRef idx="0">
+            <a:schemeClr val="accent1"/>
+          </a:fillRef>
+          <a:effectRef idx="0">
+            <a:schemeClr val="accent1"/>
+          </a:effectRef>
+          <a:fontRef idx="minor">
+            <a:schemeClr val="tx1"/>
+          </a:fontRef>
+        </p:style>
+      </p:cxnSp>
+      <p:sp>
+        <p:nvSpPr>
+          <p:cNvPr id="33" name="Rectangle 32">
+            <a:extLst>
+              <a:ext uri="{FF2B5EF4-FFF2-40B4-BE49-F238E27FC236}">
+                <a16:creationId xmlns:a16="http://schemas.microsoft.com/office/drawing/2014/main" id="{AD4CFD23-6DEC-4B9D-938E-9B55CBCDEE7C}"/>
+              </a:ext>
+            </a:extLst>
+          </p:cNvPr>
+          <p:cNvSpPr/>
+          <p:nvPr/>
+        </p:nvSpPr>
+        <p:spPr>
+          <a:xfrm>
+            <a:off x="3591815" y="3400631"/>
+            <a:ext cx="1263056" cy="730204"/>
           </a:xfrm>
           <a:prstGeom prst="rect">
             <a:avLst/>
           </a:prstGeom>
-          <a:noFill/>
-        </p:spPr>
-        <p:txBody>
-          <a:bodyPr wrap="none" rtlCol="0">
-            <a:spAutoFit/>
-          </a:bodyPr>
-          <a:lstStyle/>
-          <a:p>
-            <a:r>
-              <a:rPr lang="en-US" dirty="0"/>
-              <a:t>UI</a:t>
-            </a:r>
-          </a:p>
-        </p:txBody>
-      </p:sp>
-      <p:sp>
-        <p:nvSpPr>
-          <p:cNvPr id="57" name="TextBox 56">
-            <a:extLst>
-              <a:ext uri="{FF2B5EF4-FFF2-40B4-BE49-F238E27FC236}">
-                <a16:creationId xmlns:a16="http://schemas.microsoft.com/office/drawing/2014/main" id="{A9A823AA-AA5A-428F-A5A6-CF21DA802430}"/>
-              </a:ext>
-            </a:extLst>
-          </p:cNvPr>
-          <p:cNvSpPr txBox="1"/>
-          <p:nvPr/>
-        </p:nvSpPr>
-        <p:spPr>
-          <a:xfrm>
-            <a:off x="386833" y="1467956"/>
-            <a:ext cx="1019895" cy="369332"/>
-          </a:xfrm>
-          <a:prstGeom prst="rect">
-            <a:avLst/>
-          </a:prstGeom>
-          <a:noFill/>
-        </p:spPr>
-        <p:txBody>
-          <a:bodyPr wrap="none" rtlCol="0">
-            <a:spAutoFit/>
-          </a:bodyPr>
-          <a:lstStyle/>
-          <a:p>
-            <a:r>
-              <a:rPr lang="en-US" dirty="0"/>
-              <a:t>Set Point</a:t>
-            </a:r>
-          </a:p>
-        </p:txBody>
-      </p:sp>
-      <p:sp>
-        <p:nvSpPr>
-          <p:cNvPr id="58" name="TextBox 57">
-            <a:extLst>
-              <a:ext uri="{FF2B5EF4-FFF2-40B4-BE49-F238E27FC236}">
-                <a16:creationId xmlns:a16="http://schemas.microsoft.com/office/drawing/2014/main" id="{ABE08C82-3059-4131-AA38-4BED1F5CA02A}"/>
-              </a:ext>
-            </a:extLst>
-          </p:cNvPr>
-          <p:cNvSpPr txBox="1"/>
-          <p:nvPr/>
-        </p:nvSpPr>
-        <p:spPr>
-          <a:xfrm>
-            <a:off x="7140871" y="1575766"/>
-            <a:ext cx="982898" cy="369332"/>
-          </a:xfrm>
-          <a:prstGeom prst="rect">
-            <a:avLst/>
-          </a:prstGeom>
-          <a:noFill/>
-        </p:spPr>
-        <p:txBody>
-          <a:bodyPr wrap="none" rtlCol="0">
-            <a:spAutoFit/>
-          </a:bodyPr>
-          <a:lstStyle/>
-          <a:p>
-            <a:r>
-              <a:rPr lang="en-US" dirty="0"/>
-              <a:t>Rotation</a:t>
-            </a:r>
-          </a:p>
-        </p:txBody>
-      </p:sp>
-      <p:sp>
-        <p:nvSpPr>
-          <p:cNvPr id="34" name="Rectangle 33">
-            <a:extLst>
-              <a:ext uri="{FF2B5EF4-FFF2-40B4-BE49-F238E27FC236}">
-                <a16:creationId xmlns:a16="http://schemas.microsoft.com/office/drawing/2014/main" id="{C95F82DE-0C16-4452-A654-E85D68B6EC08}"/>
-              </a:ext>
-            </a:extLst>
-          </p:cNvPr>
-          <p:cNvSpPr/>
-          <p:nvPr/>
-        </p:nvSpPr>
-        <p:spPr>
-          <a:xfrm>
-            <a:off x="1406727" y="1467956"/>
-            <a:ext cx="3864157" cy="2572626"/>
-          </a:xfrm>
-          <a:prstGeom prst="rect">
-            <a:avLst/>
-          </a:prstGeom>
-          <a:noFill/>
-          <a:ln>
-            <a:solidFill>
-              <a:schemeClr val="accent6"/>
-            </a:solidFill>
-            <a:prstDash val="dash"/>
-          </a:ln>
         </p:spPr>
         <p:style>
           <a:lnRef idx="2">
@@ -6131,23 +5275,213 @@
           </a:fontRef>
         </p:style>
         <p:txBody>
-          <a:bodyPr rtlCol="0" anchor="b"/>
+          <a:bodyPr rtlCol="0" anchor="ctr"/>
           <a:lstStyle/>
           <a:p>
             <a:pPr algn="ctr"/>
             <a:r>
               <a:rPr lang="en-US" dirty="0"/>
-              <a:t>Arduino</a:t>
-            </a:r>
-          </a:p>
-        </p:txBody>
-      </p:sp>
-      <p:sp>
-        <p:nvSpPr>
-          <p:cNvPr id="20" name="Rectangle 19">
-            <a:extLst>
-              <a:ext uri="{FF2B5EF4-FFF2-40B4-BE49-F238E27FC236}">
-                <a16:creationId xmlns:a16="http://schemas.microsoft.com/office/drawing/2014/main" id="{DDE8EC42-7614-4B63-9B26-5A8927F74133}"/>
+              <a:t>Interrupt</a:t>
+            </a:r>
+          </a:p>
+        </p:txBody>
+      </p:sp>
+      <p:cxnSp>
+        <p:nvCxnSpPr>
+          <p:cNvPr id="37" name="Straight Arrow Connector 36">
+            <a:extLst>
+              <a:ext uri="{FF2B5EF4-FFF2-40B4-BE49-F238E27FC236}">
+                <a16:creationId xmlns:a16="http://schemas.microsoft.com/office/drawing/2014/main" id="{12A89A4E-EE52-4454-8D6D-B8A140673EFD}"/>
+              </a:ext>
+            </a:extLst>
+          </p:cNvPr>
+          <p:cNvCxnSpPr>
+            <a:cxnSpLocks/>
+            <a:stCxn id="6" idx="1"/>
+            <a:endCxn id="33" idx="3"/>
+          </p:cNvCxnSpPr>
+          <p:nvPr/>
+        </p:nvCxnSpPr>
+        <p:spPr>
+          <a:xfrm flipH="1">
+            <a:off x="4854871" y="3765733"/>
+            <a:ext cx="791340" cy="0"/>
+          </a:xfrm>
+          <a:prstGeom prst="straightConnector1">
+            <a:avLst/>
+          </a:prstGeom>
+          <a:ln w="28575">
+            <a:tailEnd type="triangle"/>
+          </a:ln>
+        </p:spPr>
+        <p:style>
+          <a:lnRef idx="1">
+            <a:schemeClr val="accent1"/>
+          </a:lnRef>
+          <a:fillRef idx="0">
+            <a:schemeClr val="accent1"/>
+          </a:fillRef>
+          <a:effectRef idx="0">
+            <a:schemeClr val="accent1"/>
+          </a:effectRef>
+          <a:fontRef idx="minor">
+            <a:schemeClr val="tx1"/>
+          </a:fontRef>
+        </p:style>
+      </p:cxnSp>
+      <p:cxnSp>
+        <p:nvCxnSpPr>
+          <p:cNvPr id="45" name="Straight Arrow Connector 44">
+            <a:extLst>
+              <a:ext uri="{FF2B5EF4-FFF2-40B4-BE49-F238E27FC236}">
+                <a16:creationId xmlns:a16="http://schemas.microsoft.com/office/drawing/2014/main" id="{0C29A4C9-0F74-4FAA-97A2-11FD089C832F}"/>
+              </a:ext>
+            </a:extLst>
+          </p:cNvPr>
+          <p:cNvCxnSpPr>
+            <a:cxnSpLocks/>
+            <a:stCxn id="33" idx="1"/>
+          </p:cNvCxnSpPr>
+          <p:nvPr/>
+        </p:nvCxnSpPr>
+        <p:spPr>
+          <a:xfrm flipH="1">
+            <a:off x="3081988" y="3765733"/>
+            <a:ext cx="509827" cy="0"/>
+          </a:xfrm>
+          <a:prstGeom prst="straightConnector1">
+            <a:avLst/>
+          </a:prstGeom>
+          <a:ln w="28575">
+            <a:tailEnd type="triangle"/>
+          </a:ln>
+        </p:spPr>
+        <p:style>
+          <a:lnRef idx="1">
+            <a:schemeClr val="accent1"/>
+          </a:lnRef>
+          <a:fillRef idx="0">
+            <a:schemeClr val="accent1"/>
+          </a:fillRef>
+          <a:effectRef idx="0">
+            <a:schemeClr val="accent1"/>
+          </a:effectRef>
+          <a:fontRef idx="minor">
+            <a:schemeClr val="tx1"/>
+          </a:fontRef>
+        </p:style>
+      </p:cxnSp>
+      <p:sp>
+        <p:nvSpPr>
+          <p:cNvPr id="56" name="TextBox 55">
+            <a:extLst>
+              <a:ext uri="{FF2B5EF4-FFF2-40B4-BE49-F238E27FC236}">
+                <a16:creationId xmlns:a16="http://schemas.microsoft.com/office/drawing/2014/main" id="{DD99AE6A-1F19-422C-9917-23D2DD6824C1}"/>
+              </a:ext>
+            </a:extLst>
+          </p:cNvPr>
+          <p:cNvSpPr txBox="1"/>
+          <p:nvPr/>
+        </p:nvSpPr>
+        <p:spPr>
+          <a:xfrm>
+            <a:off x="2947051" y="3400631"/>
+            <a:ext cx="389850" cy="369332"/>
+          </a:xfrm>
+          <a:prstGeom prst="rect">
+            <a:avLst/>
+          </a:prstGeom>
+          <a:noFill/>
+        </p:spPr>
+        <p:txBody>
+          <a:bodyPr wrap="none" rtlCol="0">
+            <a:spAutoFit/>
+          </a:bodyPr>
+          <a:lstStyle/>
+          <a:p>
+            <a:r>
+              <a:rPr lang="en-US" dirty="0"/>
+              <a:t>UI</a:t>
+            </a:r>
+          </a:p>
+        </p:txBody>
+      </p:sp>
+      <p:sp>
+        <p:nvSpPr>
+          <p:cNvPr id="57" name="TextBox 56">
+            <a:extLst>
+              <a:ext uri="{FF2B5EF4-FFF2-40B4-BE49-F238E27FC236}">
+                <a16:creationId xmlns:a16="http://schemas.microsoft.com/office/drawing/2014/main" id="{A9A823AA-AA5A-428F-A5A6-CF21DA802430}"/>
+              </a:ext>
+            </a:extLst>
+          </p:cNvPr>
+          <p:cNvSpPr txBox="1"/>
+          <p:nvPr/>
+        </p:nvSpPr>
+        <p:spPr>
+          <a:xfrm>
+            <a:off x="1091112" y="2208234"/>
+            <a:ext cx="617477" cy="369332"/>
+          </a:xfrm>
+          <a:prstGeom prst="rect">
+            <a:avLst/>
+          </a:prstGeom>
+          <a:noFill/>
+        </p:spPr>
+        <p:txBody>
+          <a:bodyPr wrap="none" rtlCol="0">
+            <a:spAutoFit/>
+          </a:bodyPr>
+          <a:lstStyle/>
+          <a:p>
+            <a:r>
+              <a:rPr lang="en-US" dirty="0"/>
+              <a:t>User</a:t>
+            </a:r>
+          </a:p>
+        </p:txBody>
+      </p:sp>
+      <p:sp>
+        <p:nvSpPr>
+          <p:cNvPr id="58" name="TextBox 57">
+            <a:extLst>
+              <a:ext uri="{FF2B5EF4-FFF2-40B4-BE49-F238E27FC236}">
+                <a16:creationId xmlns:a16="http://schemas.microsoft.com/office/drawing/2014/main" id="{ABE08C82-3059-4131-AA38-4BED1F5CA02A}"/>
+              </a:ext>
+            </a:extLst>
+          </p:cNvPr>
+          <p:cNvSpPr txBox="1"/>
+          <p:nvPr/>
+        </p:nvSpPr>
+        <p:spPr>
+          <a:xfrm>
+            <a:off x="7140871" y="2180981"/>
+            <a:ext cx="982898" cy="369332"/>
+          </a:xfrm>
+          <a:prstGeom prst="rect">
+            <a:avLst/>
+          </a:prstGeom>
+          <a:noFill/>
+        </p:spPr>
+        <p:txBody>
+          <a:bodyPr wrap="none" rtlCol="0">
+            <a:spAutoFit/>
+          </a:bodyPr>
+          <a:lstStyle/>
+          <a:p>
+            <a:r>
+              <a:rPr lang="en-US" dirty="0"/>
+              <a:t>Rotation</a:t>
+            </a:r>
+          </a:p>
+        </p:txBody>
+      </p:sp>
+      <p:sp>
+        <p:nvSpPr>
+          <p:cNvPr id="34" name="Rectangle 33">
+            <a:extLst>
+              <a:ext uri="{FF2B5EF4-FFF2-40B4-BE49-F238E27FC236}">
+                <a16:creationId xmlns:a16="http://schemas.microsoft.com/office/drawing/2014/main" id="{C95F82DE-0C16-4452-A654-E85D68B6EC08}"/>
               </a:ext>
             </a:extLst>
           </p:cNvPr>
@@ -6156,12 +5490,19 @@
         </p:nvSpPr>
         <p:spPr>
           <a:xfrm>
-            <a:off x="1818932" y="1605134"/>
-            <a:ext cx="1263056" cy="730204"/>
+            <a:off x="3362596" y="2025682"/>
+            <a:ext cx="1679474" cy="2572626"/>
           </a:xfrm>
           <a:prstGeom prst="rect">
             <a:avLst/>
           </a:prstGeom>
+          <a:noFill/>
+          <a:ln>
+            <a:solidFill>
+              <a:schemeClr val="accent6"/>
+            </a:solidFill>
+            <a:prstDash val="dash"/>
+          </a:ln>
         </p:spPr>
         <p:style>
           <a:lnRef idx="2">
@@ -6178,6 +5519,844 @@
           </a:fontRef>
         </p:style>
         <p:txBody>
+          <a:bodyPr rtlCol="0" anchor="b"/>
+          <a:lstStyle/>
+          <a:p>
+            <a:pPr algn="ctr"/>
+            <a:r>
+              <a:rPr lang="en-US" dirty="0"/>
+              <a:t>Arduino</a:t>
+            </a:r>
+          </a:p>
+        </p:txBody>
+      </p:sp>
+      <p:sp>
+        <p:nvSpPr>
+          <p:cNvPr id="38" name="TextBox 37">
+            <a:extLst>
+              <a:ext uri="{FF2B5EF4-FFF2-40B4-BE49-F238E27FC236}">
+                <a16:creationId xmlns:a16="http://schemas.microsoft.com/office/drawing/2014/main" id="{ECE40159-91B7-4C97-B5C7-CB010E7A7E77}"/>
+              </a:ext>
+            </a:extLst>
+          </p:cNvPr>
+          <p:cNvSpPr txBox="1"/>
+          <p:nvPr/>
+        </p:nvSpPr>
+        <p:spPr>
+          <a:xfrm>
+            <a:off x="692664" y="1170905"/>
+            <a:ext cx="5523939" cy="646331"/>
+          </a:xfrm>
+          <a:prstGeom prst="rect">
+            <a:avLst/>
+          </a:prstGeom>
+          <a:noFill/>
+        </p:spPr>
+        <p:txBody>
+          <a:bodyPr wrap="square" rtlCol="0">
+            <a:spAutoFit/>
+          </a:bodyPr>
+          <a:lstStyle/>
+          <a:p>
+            <a:pPr marL="285750" indent="-285750">
+              <a:buFont typeface="Arial" panose="020B0604020202020204" pitchFamily="34" charset="0"/>
+              <a:buChar char="•"/>
+            </a:pPr>
+            <a:r>
+              <a:rPr lang="en-US" dirty="0"/>
+              <a:t>Plant dynamics do not change</a:t>
+            </a:r>
+          </a:p>
+          <a:p>
+            <a:pPr marL="285750" indent="-285750">
+              <a:buFont typeface="Arial" panose="020B0604020202020204" pitchFamily="34" charset="0"/>
+              <a:buChar char="•"/>
+            </a:pPr>
+            <a:r>
+              <a:rPr lang="en-US" dirty="0"/>
+              <a:t>Serial output not relevant for control system</a:t>
+            </a:r>
+          </a:p>
+        </p:txBody>
+      </p:sp>
+      <p:sp>
+        <p:nvSpPr>
+          <p:cNvPr id="22" name="Right Brace 21">
+            <a:extLst>
+              <a:ext uri="{FF2B5EF4-FFF2-40B4-BE49-F238E27FC236}">
+                <a16:creationId xmlns:a16="http://schemas.microsoft.com/office/drawing/2014/main" id="{36E963BC-56DE-406E-BA05-91107CD70A17}"/>
+              </a:ext>
+            </a:extLst>
+          </p:cNvPr>
+          <p:cNvSpPr/>
+          <p:nvPr/>
+        </p:nvSpPr>
+        <p:spPr>
+          <a:xfrm>
+            <a:off x="5379544" y="1243326"/>
+            <a:ext cx="266667" cy="526273"/>
+          </a:xfrm>
+          <a:prstGeom prst="rightBrace">
+            <a:avLst/>
+          </a:prstGeom>
+        </p:spPr>
+        <p:style>
+          <a:lnRef idx="1">
+            <a:schemeClr val="accent1"/>
+          </a:lnRef>
+          <a:fillRef idx="0">
+            <a:schemeClr val="accent1"/>
+          </a:fillRef>
+          <a:effectRef idx="0">
+            <a:schemeClr val="accent1"/>
+          </a:effectRef>
+          <a:fontRef idx="minor">
+            <a:schemeClr val="tx1"/>
+          </a:fontRef>
+        </p:style>
+        <p:txBody>
+          <a:bodyPr rtlCol="0" anchor="ctr"/>
+          <a:lstStyle/>
+          <a:p>
+            <a:pPr algn="ctr"/>
+            <a:endParaRPr lang="en-US"/>
+          </a:p>
+        </p:txBody>
+      </p:sp>
+      <p:sp>
+        <p:nvSpPr>
+          <p:cNvPr id="39" name="TextBox 38">
+            <a:extLst>
+              <a:ext uri="{FF2B5EF4-FFF2-40B4-BE49-F238E27FC236}">
+                <a16:creationId xmlns:a16="http://schemas.microsoft.com/office/drawing/2014/main" id="{86EF92E3-5664-48E2-B5C0-C8F322ECB83A}"/>
+              </a:ext>
+            </a:extLst>
+          </p:cNvPr>
+          <p:cNvSpPr txBox="1"/>
+          <p:nvPr/>
+        </p:nvSpPr>
+        <p:spPr>
+          <a:xfrm>
+            <a:off x="5731732" y="1326204"/>
+            <a:ext cx="2011066" cy="369332"/>
+          </a:xfrm>
+          <a:prstGeom prst="rect">
+            <a:avLst/>
+          </a:prstGeom>
+          <a:noFill/>
+        </p:spPr>
+        <p:txBody>
+          <a:bodyPr wrap="square" rtlCol="0">
+            <a:spAutoFit/>
+          </a:bodyPr>
+          <a:lstStyle/>
+          <a:p>
+            <a:r>
+              <a:rPr lang="en-US" dirty="0"/>
+              <a:t>Simplify schematic</a:t>
+            </a:r>
+          </a:p>
+        </p:txBody>
+      </p:sp>
+      <p:sp>
+        <p:nvSpPr>
+          <p:cNvPr id="23" name="Title 22">
+            <a:extLst>
+              <a:ext uri="{FF2B5EF4-FFF2-40B4-BE49-F238E27FC236}">
+                <a16:creationId xmlns:a16="http://schemas.microsoft.com/office/drawing/2014/main" id="{81A6536E-7748-43DF-BF33-5175E3C14373}"/>
+              </a:ext>
+            </a:extLst>
+          </p:cNvPr>
+          <p:cNvSpPr>
+            <a:spLocks noGrp="1"/>
+          </p:cNvSpPr>
+          <p:nvPr>
+            <p:ph type="title"/>
+          </p:nvPr>
+        </p:nvSpPr>
+        <p:spPr/>
+        <p:txBody>
+          <a:bodyPr/>
+          <a:lstStyle/>
+          <a:p>
+            <a:r>
+              <a:rPr lang="en-US" dirty="0"/>
+              <a:t>Schematic – Open-Loop (simplified)</a:t>
+            </a:r>
+          </a:p>
+        </p:txBody>
+      </p:sp>
+    </p:spTree>
+    <p:extLst>
+      <p:ext uri="{BB962C8B-B14F-4D97-AF65-F5344CB8AC3E}">
+        <p14:creationId xmlns:p14="http://schemas.microsoft.com/office/powerpoint/2010/main" val="3960651824"/>
+      </p:ext>
+    </p:extLst>
+  </p:cSld>
+  <p:clrMapOvr>
+    <a:masterClrMapping/>
+  </p:clrMapOvr>
+</p:sld>
+</file>
+
+<file path=ppt/slides/slide5.xml><?xml version="1.0" encoding="utf-8"?>
+<p:sld xmlns:a="http://schemas.openxmlformats.org/drawingml/2006/main" xmlns:r="http://schemas.openxmlformats.org/officeDocument/2006/relationships" xmlns:p="http://schemas.openxmlformats.org/presentationml/2006/main">
+  <p:cSld>
+    <p:spTree>
+      <p:nvGrpSpPr>
+        <p:cNvPr id="1" name=""/>
+        <p:cNvGrpSpPr/>
+        <p:nvPr/>
+      </p:nvGrpSpPr>
+      <p:grpSpPr>
+        <a:xfrm>
+          <a:off x="0" y="0"/>
+          <a:ext cx="0" cy="0"/>
+          <a:chOff x="0" y="0"/>
+          <a:chExt cx="0" cy="0"/>
+        </a:xfrm>
+      </p:grpSpPr>
+      <p:sp>
+        <p:nvSpPr>
+          <p:cNvPr id="2" name="Rectangle 1">
+            <a:extLst>
+              <a:ext uri="{FF2B5EF4-FFF2-40B4-BE49-F238E27FC236}">
+                <a16:creationId xmlns:a16="http://schemas.microsoft.com/office/drawing/2014/main" id="{FDF7202D-0BF7-471E-9C7E-33176CBE2A4C}"/>
+              </a:ext>
+            </a:extLst>
+          </p:cNvPr>
+          <p:cNvSpPr/>
+          <p:nvPr/>
+        </p:nvSpPr>
+        <p:spPr>
+          <a:xfrm>
+            <a:off x="3732571" y="2161019"/>
+            <a:ext cx="1263056" cy="730204"/>
+          </a:xfrm>
+          <a:prstGeom prst="rect">
+            <a:avLst/>
+          </a:prstGeom>
+        </p:spPr>
+        <p:style>
+          <a:lnRef idx="2">
+            <a:schemeClr val="accent5"/>
+          </a:lnRef>
+          <a:fillRef idx="1">
+            <a:schemeClr val="lt1"/>
+          </a:fillRef>
+          <a:effectRef idx="0">
+            <a:schemeClr val="accent5"/>
+          </a:effectRef>
+          <a:fontRef idx="minor">
+            <a:schemeClr val="dk1"/>
+          </a:fontRef>
+        </p:style>
+        <p:txBody>
+          <a:bodyPr rtlCol="0" anchor="ctr"/>
+          <a:lstStyle/>
+          <a:p>
+            <a:pPr algn="ctr"/>
+            <a:r>
+              <a:rPr lang="en-US" dirty="0"/>
+              <a:t>Analog Write</a:t>
+            </a:r>
+          </a:p>
+        </p:txBody>
+      </p:sp>
+      <p:sp>
+        <p:nvSpPr>
+          <p:cNvPr id="4" name="Rectangle 3">
+            <a:extLst>
+              <a:ext uri="{FF2B5EF4-FFF2-40B4-BE49-F238E27FC236}">
+                <a16:creationId xmlns:a16="http://schemas.microsoft.com/office/drawing/2014/main" id="{C51ACA59-7CDD-400F-A7AE-6EC485938EC4}"/>
+              </a:ext>
+            </a:extLst>
+          </p:cNvPr>
+          <p:cNvSpPr/>
+          <p:nvPr/>
+        </p:nvSpPr>
+        <p:spPr>
+          <a:xfrm>
+            <a:off x="5646211" y="2157721"/>
+            <a:ext cx="1263056" cy="730204"/>
+          </a:xfrm>
+          <a:prstGeom prst="rect">
+            <a:avLst/>
+          </a:prstGeom>
+        </p:spPr>
+        <p:style>
+          <a:lnRef idx="2">
+            <a:schemeClr val="accent5"/>
+          </a:lnRef>
+          <a:fillRef idx="1">
+            <a:schemeClr val="lt1"/>
+          </a:fillRef>
+          <a:effectRef idx="0">
+            <a:schemeClr val="accent5"/>
+          </a:effectRef>
+          <a:fontRef idx="minor">
+            <a:schemeClr val="dk1"/>
+          </a:fontRef>
+        </p:style>
+        <p:txBody>
+          <a:bodyPr rtlCol="0" anchor="ctr"/>
+          <a:lstStyle/>
+          <a:p>
+            <a:pPr algn="ctr"/>
+            <a:r>
+              <a:rPr lang="en-US" dirty="0"/>
+              <a:t>Plant</a:t>
+            </a:r>
+          </a:p>
+        </p:txBody>
+      </p:sp>
+      <p:sp>
+        <p:nvSpPr>
+          <p:cNvPr id="6" name="Rectangle 5">
+            <a:extLst>
+              <a:ext uri="{FF2B5EF4-FFF2-40B4-BE49-F238E27FC236}">
+                <a16:creationId xmlns:a16="http://schemas.microsoft.com/office/drawing/2014/main" id="{D643BB81-4798-4622-ABFA-F5FBC3E40B72}"/>
+              </a:ext>
+            </a:extLst>
+          </p:cNvPr>
+          <p:cNvSpPr/>
+          <p:nvPr/>
+        </p:nvSpPr>
+        <p:spPr>
+          <a:xfrm>
+            <a:off x="5646211" y="3348003"/>
+            <a:ext cx="1263056" cy="730204"/>
+          </a:xfrm>
+          <a:prstGeom prst="rect">
+            <a:avLst/>
+          </a:prstGeom>
+        </p:spPr>
+        <p:style>
+          <a:lnRef idx="2">
+            <a:schemeClr val="accent5"/>
+          </a:lnRef>
+          <a:fillRef idx="1">
+            <a:schemeClr val="lt1"/>
+          </a:fillRef>
+          <a:effectRef idx="0">
+            <a:schemeClr val="accent5"/>
+          </a:effectRef>
+          <a:fontRef idx="minor">
+            <a:schemeClr val="dk1"/>
+          </a:fontRef>
+        </p:style>
+        <p:txBody>
+          <a:bodyPr rtlCol="0" anchor="ctr"/>
+          <a:lstStyle/>
+          <a:p>
+            <a:pPr algn="ctr"/>
+            <a:r>
+              <a:rPr lang="en-US" dirty="0"/>
+              <a:t>Encoder</a:t>
+            </a:r>
+          </a:p>
+        </p:txBody>
+      </p:sp>
+      <p:cxnSp>
+        <p:nvCxnSpPr>
+          <p:cNvPr id="8" name="Straight Arrow Connector 7">
+            <a:extLst>
+              <a:ext uri="{FF2B5EF4-FFF2-40B4-BE49-F238E27FC236}">
+                <a16:creationId xmlns:a16="http://schemas.microsoft.com/office/drawing/2014/main" id="{4D41BEC0-6CD9-4614-8339-82138C1D8A7B}"/>
+              </a:ext>
+            </a:extLst>
+          </p:cNvPr>
+          <p:cNvCxnSpPr>
+            <a:cxnSpLocks/>
+            <a:stCxn id="20" idx="3"/>
+            <a:endCxn id="2" idx="1"/>
+          </p:cNvCxnSpPr>
+          <p:nvPr/>
+        </p:nvCxnSpPr>
+        <p:spPr>
+          <a:xfrm>
+            <a:off x="3081988" y="2522823"/>
+            <a:ext cx="650583" cy="3298"/>
+          </a:xfrm>
+          <a:prstGeom prst="straightConnector1">
+            <a:avLst/>
+          </a:prstGeom>
+          <a:ln w="28575">
+            <a:tailEnd type="triangle"/>
+          </a:ln>
+        </p:spPr>
+        <p:style>
+          <a:lnRef idx="1">
+            <a:schemeClr val="accent1"/>
+          </a:lnRef>
+          <a:fillRef idx="0">
+            <a:schemeClr val="accent1"/>
+          </a:fillRef>
+          <a:effectRef idx="0">
+            <a:schemeClr val="accent1"/>
+          </a:effectRef>
+          <a:fontRef idx="minor">
+            <a:schemeClr val="tx1"/>
+          </a:fontRef>
+        </p:style>
+      </p:cxnSp>
+      <p:cxnSp>
+        <p:nvCxnSpPr>
+          <p:cNvPr id="9" name="Straight Arrow Connector 8">
+            <a:extLst>
+              <a:ext uri="{FF2B5EF4-FFF2-40B4-BE49-F238E27FC236}">
+                <a16:creationId xmlns:a16="http://schemas.microsoft.com/office/drawing/2014/main" id="{87EC3E32-A25F-4582-AC6F-15CC9A3040EB}"/>
+              </a:ext>
+            </a:extLst>
+          </p:cNvPr>
+          <p:cNvCxnSpPr>
+            <a:cxnSpLocks/>
+            <a:stCxn id="2" idx="3"/>
+            <a:endCxn id="4" idx="1"/>
+          </p:cNvCxnSpPr>
+          <p:nvPr/>
+        </p:nvCxnSpPr>
+        <p:spPr>
+          <a:xfrm flipV="1">
+            <a:off x="4995627" y="2522823"/>
+            <a:ext cx="650584" cy="3298"/>
+          </a:xfrm>
+          <a:prstGeom prst="straightConnector1">
+            <a:avLst/>
+          </a:prstGeom>
+          <a:ln w="28575">
+            <a:tailEnd type="triangle"/>
+          </a:ln>
+        </p:spPr>
+        <p:style>
+          <a:lnRef idx="1">
+            <a:schemeClr val="accent1"/>
+          </a:lnRef>
+          <a:fillRef idx="0">
+            <a:schemeClr val="accent1"/>
+          </a:fillRef>
+          <a:effectRef idx="0">
+            <a:schemeClr val="accent1"/>
+          </a:effectRef>
+          <a:fontRef idx="minor">
+            <a:schemeClr val="tx1"/>
+          </a:fontRef>
+        </p:style>
+      </p:cxnSp>
+      <p:cxnSp>
+        <p:nvCxnSpPr>
+          <p:cNvPr id="16" name="Straight Arrow Connector 15">
+            <a:extLst>
+              <a:ext uri="{FF2B5EF4-FFF2-40B4-BE49-F238E27FC236}">
+                <a16:creationId xmlns:a16="http://schemas.microsoft.com/office/drawing/2014/main" id="{F2424170-70C8-4318-9740-482D1D015F6D}"/>
+              </a:ext>
+            </a:extLst>
+          </p:cNvPr>
+          <p:cNvCxnSpPr>
+            <a:cxnSpLocks/>
+            <a:stCxn id="4" idx="3"/>
+          </p:cNvCxnSpPr>
+          <p:nvPr/>
+        </p:nvCxnSpPr>
+        <p:spPr>
+          <a:xfrm>
+            <a:off x="6909267" y="2522823"/>
+            <a:ext cx="990339" cy="0"/>
+          </a:xfrm>
+          <a:prstGeom prst="straightConnector1">
+            <a:avLst/>
+          </a:prstGeom>
+          <a:ln w="28575">
+            <a:tailEnd type="triangle"/>
+          </a:ln>
+        </p:spPr>
+        <p:style>
+          <a:lnRef idx="1">
+            <a:schemeClr val="accent1"/>
+          </a:lnRef>
+          <a:fillRef idx="0">
+            <a:schemeClr val="accent1"/>
+          </a:fillRef>
+          <a:effectRef idx="0">
+            <a:schemeClr val="accent1"/>
+          </a:effectRef>
+          <a:fontRef idx="minor">
+            <a:schemeClr val="tx1"/>
+          </a:fontRef>
+        </p:style>
+      </p:cxnSp>
+      <p:cxnSp>
+        <p:nvCxnSpPr>
+          <p:cNvPr id="19" name="Connector: Elbow 18">
+            <a:extLst>
+              <a:ext uri="{FF2B5EF4-FFF2-40B4-BE49-F238E27FC236}">
+                <a16:creationId xmlns:a16="http://schemas.microsoft.com/office/drawing/2014/main" id="{E921E5FA-FB78-4870-A330-24D8AFC0A007}"/>
+              </a:ext>
+            </a:extLst>
+          </p:cNvPr>
+          <p:cNvCxnSpPr>
+            <a:cxnSpLocks/>
+            <a:stCxn id="4" idx="3"/>
+            <a:endCxn id="6" idx="3"/>
+          </p:cNvCxnSpPr>
+          <p:nvPr/>
+        </p:nvCxnSpPr>
+        <p:spPr>
+          <a:xfrm>
+            <a:off x="6909267" y="2522823"/>
+            <a:ext cx="12700" cy="1190282"/>
+          </a:xfrm>
+          <a:prstGeom prst="bentConnector3">
+            <a:avLst>
+              <a:gd name="adj1" fmla="val 1800000"/>
+            </a:avLst>
+          </a:prstGeom>
+          <a:ln w="28575">
+            <a:tailEnd type="triangle"/>
+          </a:ln>
+        </p:spPr>
+        <p:style>
+          <a:lnRef idx="1">
+            <a:schemeClr val="accent1"/>
+          </a:lnRef>
+          <a:fillRef idx="0">
+            <a:schemeClr val="accent1"/>
+          </a:fillRef>
+          <a:effectRef idx="0">
+            <a:schemeClr val="accent1"/>
+          </a:effectRef>
+          <a:fontRef idx="minor">
+            <a:schemeClr val="tx1"/>
+          </a:fontRef>
+        </p:style>
+      </p:cxnSp>
+      <p:sp>
+        <p:nvSpPr>
+          <p:cNvPr id="33" name="Rectangle 32">
+            <a:extLst>
+              <a:ext uri="{FF2B5EF4-FFF2-40B4-BE49-F238E27FC236}">
+                <a16:creationId xmlns:a16="http://schemas.microsoft.com/office/drawing/2014/main" id="{AD4CFD23-6DEC-4B9D-938E-9B55CBCDEE7C}"/>
+              </a:ext>
+            </a:extLst>
+          </p:cNvPr>
+          <p:cNvSpPr/>
+          <p:nvPr/>
+        </p:nvSpPr>
+        <p:spPr>
+          <a:xfrm>
+            <a:off x="3732571" y="3357452"/>
+            <a:ext cx="1263056" cy="730204"/>
+          </a:xfrm>
+          <a:prstGeom prst="rect">
+            <a:avLst/>
+          </a:prstGeom>
+        </p:spPr>
+        <p:style>
+          <a:lnRef idx="2">
+            <a:schemeClr val="accent5"/>
+          </a:lnRef>
+          <a:fillRef idx="1">
+            <a:schemeClr val="lt1"/>
+          </a:fillRef>
+          <a:effectRef idx="0">
+            <a:schemeClr val="accent5"/>
+          </a:effectRef>
+          <a:fontRef idx="minor">
+            <a:schemeClr val="dk1"/>
+          </a:fontRef>
+        </p:style>
+        <p:txBody>
+          <a:bodyPr rtlCol="0" anchor="ctr"/>
+          <a:lstStyle/>
+          <a:p>
+            <a:pPr algn="ctr"/>
+            <a:r>
+              <a:rPr lang="en-US" dirty="0"/>
+              <a:t>Interrupt</a:t>
+            </a:r>
+          </a:p>
+        </p:txBody>
+      </p:sp>
+      <p:cxnSp>
+        <p:nvCxnSpPr>
+          <p:cNvPr id="37" name="Straight Arrow Connector 36">
+            <a:extLst>
+              <a:ext uri="{FF2B5EF4-FFF2-40B4-BE49-F238E27FC236}">
+                <a16:creationId xmlns:a16="http://schemas.microsoft.com/office/drawing/2014/main" id="{12A89A4E-EE52-4454-8D6D-B8A140673EFD}"/>
+              </a:ext>
+            </a:extLst>
+          </p:cNvPr>
+          <p:cNvCxnSpPr>
+            <a:cxnSpLocks/>
+            <a:stCxn id="6" idx="1"/>
+            <a:endCxn id="33" idx="3"/>
+          </p:cNvCxnSpPr>
+          <p:nvPr/>
+        </p:nvCxnSpPr>
+        <p:spPr>
+          <a:xfrm flipH="1">
+            <a:off x="4995627" y="3713105"/>
+            <a:ext cx="650584" cy="9449"/>
+          </a:xfrm>
+          <a:prstGeom prst="straightConnector1">
+            <a:avLst/>
+          </a:prstGeom>
+          <a:ln w="28575">
+            <a:tailEnd type="triangle"/>
+          </a:ln>
+        </p:spPr>
+        <p:style>
+          <a:lnRef idx="1">
+            <a:schemeClr val="accent1"/>
+          </a:lnRef>
+          <a:fillRef idx="0">
+            <a:schemeClr val="accent1"/>
+          </a:fillRef>
+          <a:effectRef idx="0">
+            <a:schemeClr val="accent1"/>
+          </a:effectRef>
+          <a:fontRef idx="minor">
+            <a:schemeClr val="tx1"/>
+          </a:fontRef>
+        </p:style>
+      </p:cxnSp>
+      <p:cxnSp>
+        <p:nvCxnSpPr>
+          <p:cNvPr id="45" name="Straight Arrow Connector 44">
+            <a:extLst>
+              <a:ext uri="{FF2B5EF4-FFF2-40B4-BE49-F238E27FC236}">
+                <a16:creationId xmlns:a16="http://schemas.microsoft.com/office/drawing/2014/main" id="{0C29A4C9-0F74-4FAA-97A2-11FD089C832F}"/>
+              </a:ext>
+            </a:extLst>
+          </p:cNvPr>
+          <p:cNvCxnSpPr>
+            <a:cxnSpLocks/>
+            <a:stCxn id="33" idx="1"/>
+          </p:cNvCxnSpPr>
+          <p:nvPr/>
+        </p:nvCxnSpPr>
+        <p:spPr>
+          <a:xfrm flipH="1">
+            <a:off x="604175" y="3722554"/>
+            <a:ext cx="3128396" cy="0"/>
+          </a:xfrm>
+          <a:prstGeom prst="straightConnector1">
+            <a:avLst/>
+          </a:prstGeom>
+          <a:ln w="28575">
+            <a:tailEnd type="triangle"/>
+          </a:ln>
+        </p:spPr>
+        <p:style>
+          <a:lnRef idx="1">
+            <a:schemeClr val="accent1"/>
+          </a:lnRef>
+          <a:fillRef idx="0">
+            <a:schemeClr val="accent1"/>
+          </a:fillRef>
+          <a:effectRef idx="0">
+            <a:schemeClr val="accent1"/>
+          </a:effectRef>
+          <a:fontRef idx="minor">
+            <a:schemeClr val="tx1"/>
+          </a:fontRef>
+        </p:style>
+      </p:cxnSp>
+      <p:sp>
+        <p:nvSpPr>
+          <p:cNvPr id="56" name="TextBox 55">
+            <a:extLst>
+              <a:ext uri="{FF2B5EF4-FFF2-40B4-BE49-F238E27FC236}">
+                <a16:creationId xmlns:a16="http://schemas.microsoft.com/office/drawing/2014/main" id="{DD99AE6A-1F19-422C-9917-23D2DD6824C1}"/>
+              </a:ext>
+            </a:extLst>
+          </p:cNvPr>
+          <p:cNvSpPr txBox="1"/>
+          <p:nvPr/>
+        </p:nvSpPr>
+        <p:spPr>
+          <a:xfrm>
+            <a:off x="701855" y="3353222"/>
+            <a:ext cx="389850" cy="369332"/>
+          </a:xfrm>
+          <a:prstGeom prst="rect">
+            <a:avLst/>
+          </a:prstGeom>
+          <a:noFill/>
+        </p:spPr>
+        <p:txBody>
+          <a:bodyPr wrap="none" rtlCol="0">
+            <a:spAutoFit/>
+          </a:bodyPr>
+          <a:lstStyle/>
+          <a:p>
+            <a:r>
+              <a:rPr lang="en-US" dirty="0"/>
+              <a:t>UI</a:t>
+            </a:r>
+          </a:p>
+        </p:txBody>
+      </p:sp>
+      <p:sp>
+        <p:nvSpPr>
+          <p:cNvPr id="57" name="TextBox 56">
+            <a:extLst>
+              <a:ext uri="{FF2B5EF4-FFF2-40B4-BE49-F238E27FC236}">
+                <a16:creationId xmlns:a16="http://schemas.microsoft.com/office/drawing/2014/main" id="{A9A823AA-AA5A-428F-A5A6-CF21DA802430}"/>
+              </a:ext>
+            </a:extLst>
+          </p:cNvPr>
+          <p:cNvSpPr txBox="1"/>
+          <p:nvPr/>
+        </p:nvSpPr>
+        <p:spPr>
+          <a:xfrm>
+            <a:off x="386833" y="2020543"/>
+            <a:ext cx="1019895" cy="369332"/>
+          </a:xfrm>
+          <a:prstGeom prst="rect">
+            <a:avLst/>
+          </a:prstGeom>
+          <a:noFill/>
+        </p:spPr>
+        <p:txBody>
+          <a:bodyPr wrap="none" rtlCol="0">
+            <a:spAutoFit/>
+          </a:bodyPr>
+          <a:lstStyle/>
+          <a:p>
+            <a:r>
+              <a:rPr lang="en-US" dirty="0"/>
+              <a:t>Set Point</a:t>
+            </a:r>
+          </a:p>
+        </p:txBody>
+      </p:sp>
+      <p:sp>
+        <p:nvSpPr>
+          <p:cNvPr id="58" name="TextBox 57">
+            <a:extLst>
+              <a:ext uri="{FF2B5EF4-FFF2-40B4-BE49-F238E27FC236}">
+                <a16:creationId xmlns:a16="http://schemas.microsoft.com/office/drawing/2014/main" id="{ABE08C82-3059-4131-AA38-4BED1F5CA02A}"/>
+              </a:ext>
+            </a:extLst>
+          </p:cNvPr>
+          <p:cNvSpPr txBox="1"/>
+          <p:nvPr/>
+        </p:nvSpPr>
+        <p:spPr>
+          <a:xfrm>
+            <a:off x="7140871" y="2128353"/>
+            <a:ext cx="982898" cy="369332"/>
+          </a:xfrm>
+          <a:prstGeom prst="rect">
+            <a:avLst/>
+          </a:prstGeom>
+          <a:noFill/>
+        </p:spPr>
+        <p:txBody>
+          <a:bodyPr wrap="none" rtlCol="0">
+            <a:spAutoFit/>
+          </a:bodyPr>
+          <a:lstStyle/>
+          <a:p>
+            <a:r>
+              <a:rPr lang="en-US" dirty="0"/>
+              <a:t>Rotation</a:t>
+            </a:r>
+          </a:p>
+        </p:txBody>
+      </p:sp>
+      <p:sp>
+        <p:nvSpPr>
+          <p:cNvPr id="34" name="Rectangle 33">
+            <a:extLst>
+              <a:ext uri="{FF2B5EF4-FFF2-40B4-BE49-F238E27FC236}">
+                <a16:creationId xmlns:a16="http://schemas.microsoft.com/office/drawing/2014/main" id="{C95F82DE-0C16-4452-A654-E85D68B6EC08}"/>
+              </a:ext>
+            </a:extLst>
+          </p:cNvPr>
+          <p:cNvSpPr/>
+          <p:nvPr/>
+        </p:nvSpPr>
+        <p:spPr>
+          <a:xfrm>
+            <a:off x="1406727" y="2020543"/>
+            <a:ext cx="3864157" cy="2572626"/>
+          </a:xfrm>
+          <a:prstGeom prst="rect">
+            <a:avLst/>
+          </a:prstGeom>
+          <a:noFill/>
+          <a:ln>
+            <a:solidFill>
+              <a:schemeClr val="accent6"/>
+            </a:solidFill>
+            <a:prstDash val="dash"/>
+          </a:ln>
+        </p:spPr>
+        <p:style>
+          <a:lnRef idx="2">
+            <a:schemeClr val="accent5"/>
+          </a:lnRef>
+          <a:fillRef idx="1">
+            <a:schemeClr val="lt1"/>
+          </a:fillRef>
+          <a:effectRef idx="0">
+            <a:schemeClr val="accent5"/>
+          </a:effectRef>
+          <a:fontRef idx="minor">
+            <a:schemeClr val="dk1"/>
+          </a:fontRef>
+        </p:style>
+        <p:txBody>
+          <a:bodyPr rtlCol="0" anchor="b"/>
+          <a:lstStyle/>
+          <a:p>
+            <a:pPr algn="ctr"/>
+            <a:r>
+              <a:rPr lang="en-US" dirty="0"/>
+              <a:t>Arduino</a:t>
+            </a:r>
+          </a:p>
+        </p:txBody>
+      </p:sp>
+      <p:sp>
+        <p:nvSpPr>
+          <p:cNvPr id="20" name="Rectangle 19">
+            <a:extLst>
+              <a:ext uri="{FF2B5EF4-FFF2-40B4-BE49-F238E27FC236}">
+                <a16:creationId xmlns:a16="http://schemas.microsoft.com/office/drawing/2014/main" id="{DDE8EC42-7614-4B63-9B26-5A8927F74133}"/>
+              </a:ext>
+            </a:extLst>
+          </p:cNvPr>
+          <p:cNvSpPr/>
+          <p:nvPr/>
+        </p:nvSpPr>
+        <p:spPr>
+          <a:xfrm>
+            <a:off x="1818932" y="2157721"/>
+            <a:ext cx="1263056" cy="730204"/>
+          </a:xfrm>
+          <a:prstGeom prst="rect">
+            <a:avLst/>
+          </a:prstGeom>
+        </p:spPr>
+        <p:style>
+          <a:lnRef idx="2">
+            <a:schemeClr val="accent5"/>
+          </a:lnRef>
+          <a:fillRef idx="1">
+            <a:schemeClr val="lt1"/>
+          </a:fillRef>
+          <a:effectRef idx="0">
+            <a:schemeClr val="accent5"/>
+          </a:effectRef>
+          <a:fontRef idx="minor">
+            <a:schemeClr val="dk1"/>
+          </a:fontRef>
+        </p:style>
+        <p:txBody>
           <a:bodyPr rtlCol="0" anchor="ctr"/>
           <a:lstStyle/>
           <a:p>
@@ -6205,7 +6384,7 @@
         </p:nvCxnSpPr>
         <p:spPr>
           <a:xfrm>
-            <a:off x="983187" y="1833999"/>
+            <a:off x="983187" y="2386586"/>
             <a:ext cx="835745" cy="0"/>
           </a:xfrm>
           <a:prstGeom prst="straightConnector1">
@@ -6248,7 +6427,7 @@
         </p:nvCxnSpPr>
         <p:spPr>
           <a:xfrm rot="10800000">
-            <a:off x="1818933" y="1970237"/>
+            <a:off x="1818933" y="2522824"/>
             <a:ext cx="1913639" cy="1199731"/>
           </a:xfrm>
           <a:prstGeom prst="bentConnector3">
@@ -6289,8 +6468,8 @@
         </p:nvSpPr>
         <p:spPr>
           <a:xfrm>
-            <a:off x="692664" y="230186"/>
-            <a:ext cx="5523939" cy="923330"/>
+            <a:off x="692664" y="1072221"/>
+            <a:ext cx="5523939" cy="646331"/>
           </a:xfrm>
           <a:prstGeom prst="rect">
             <a:avLst/>
@@ -6319,17 +6498,35 @@
             </a:pPr>
             <a:r>
               <a:rPr lang="en-US" dirty="0"/>
-              <a:t>Add PID controller</a:t>
-            </a:r>
-          </a:p>
-          <a:p>
-            <a:pPr marL="285750" indent="-285750">
-              <a:buFont typeface="Arial" panose="020B0604020202020204" pitchFamily="34" charset="0"/>
-              <a:buChar char="•"/>
-            </a:pPr>
+              <a:t>Add PID controller and close the loop</a:t>
+            </a:r>
+          </a:p>
+        </p:txBody>
+      </p:sp>
+      <p:sp>
+        <p:nvSpPr>
+          <p:cNvPr id="30" name="Title 29">
+            <a:extLst>
+              <a:ext uri="{FF2B5EF4-FFF2-40B4-BE49-F238E27FC236}">
+                <a16:creationId xmlns:a16="http://schemas.microsoft.com/office/drawing/2014/main" id="{9A072B7B-668C-4719-AAFF-635959EAA25B}"/>
+              </a:ext>
+            </a:extLst>
+          </p:cNvPr>
+          <p:cNvSpPr>
+            <a:spLocks noGrp="1"/>
+          </p:cNvSpPr>
+          <p:nvPr>
+            <p:ph type="title"/>
+          </p:nvPr>
+        </p:nvSpPr>
+        <p:spPr/>
+        <p:txBody>
+          <a:bodyPr/>
+          <a:lstStyle/>
+          <a:p>
             <a:r>
               <a:rPr lang="en-US" dirty="0"/>
-              <a:t>Close the loop</a:t>
+              <a:t>Schematic – Closed-Loop</a:t>
             </a:r>
           </a:p>
         </p:txBody>

--- a/Overview.pptx
+++ b/Overview.pptx
@@ -5564,7 +5564,7 @@
             </a:pPr>
             <a:r>
               <a:rPr lang="en-US" dirty="0"/>
-              <a:t>Plant dynamics do not change</a:t>
+              <a:t>Assume plant dynamics do not change</a:t>
             </a:r>
           </a:p>
           <a:p>
@@ -6363,7 +6363,7 @@
             <a:pPr algn="ctr"/>
             <a:r>
               <a:rPr lang="en-US" dirty="0"/>
-              <a:t>PID</a:t>
+              <a:t>PID Algorithm</a:t>
             </a:r>
           </a:p>
         </p:txBody>

--- a/Overview.pptx
+++ b/Overview.pptx
@@ -3030,6 +3030,94 @@
           </a:p>
         </p:txBody>
       </p:sp>
+      <p:sp>
+        <p:nvSpPr>
+          <p:cNvPr id="4" name="TextBox 3">
+            <a:extLst>
+              <a:ext uri="{FF2B5EF4-FFF2-40B4-BE49-F238E27FC236}">
+                <a16:creationId xmlns:a16="http://schemas.microsoft.com/office/drawing/2014/main" id="{6371E1BD-7D24-4E0D-BB90-3F0866B8E654}"/>
+              </a:ext>
+            </a:extLst>
+          </p:cNvPr>
+          <p:cNvSpPr txBox="1"/>
+          <p:nvPr/>
+        </p:nvSpPr>
+        <p:spPr>
+          <a:xfrm>
+            <a:off x="414441" y="4806300"/>
+            <a:ext cx="7777334" cy="261610"/>
+          </a:xfrm>
+          <a:prstGeom prst="rect">
+            <a:avLst/>
+          </a:prstGeom>
+          <a:noFill/>
+        </p:spPr>
+        <p:txBody>
+          <a:bodyPr wrap="square" rtlCol="0">
+            <a:spAutoFit/>
+          </a:bodyPr>
+          <a:lstStyle/>
+          <a:p>
+            <a:r>
+              <a:rPr lang="en-US" sz="1050" dirty="0">
+                <a:hlinkClick r:id="rId2"/>
+              </a:rPr>
+              <a:t>https://github.com/AnielShri/Simple-Arduino-PID</a:t>
+            </a:r>
+            <a:r>
+              <a:rPr lang="en-US" sz="1050" dirty="0"/>
+              <a:t> </a:t>
+            </a:r>
+          </a:p>
+        </p:txBody>
+      </p:sp>
+      <p:pic>
+        <p:nvPicPr>
+          <p:cNvPr id="2050" name="Picture 2">
+            <a:extLst>
+              <a:ext uri="{FF2B5EF4-FFF2-40B4-BE49-F238E27FC236}">
+                <a16:creationId xmlns:a16="http://schemas.microsoft.com/office/drawing/2014/main" id="{5FDB39E5-93A4-4D0C-8E30-D1B143BE8E69}"/>
+              </a:ext>
+            </a:extLst>
+          </p:cNvPr>
+          <p:cNvPicPr>
+            <a:picLocks noChangeAspect="1" noChangeArrowheads="1"/>
+          </p:cNvPicPr>
+          <p:nvPr/>
+        </p:nvPicPr>
+        <p:blipFill>
+          <a:blip r:embed="rId3">
+            <a:extLst>
+              <a:ext uri="{28A0092B-C50C-407E-A947-70E740481C1C}">
+                <a14:useLocalDpi xmlns:a14="http://schemas.microsoft.com/office/drawing/2010/main" val="0"/>
+              </a:ext>
+            </a:extLst>
+          </a:blip>
+          <a:srcRect/>
+          <a:stretch>
+            <a:fillRect/>
+          </a:stretch>
+        </p:blipFill>
+        <p:spPr bwMode="auto">
+          <a:xfrm>
+            <a:off x="155533" y="4809002"/>
+            <a:ext cx="258908" cy="258908"/>
+          </a:xfrm>
+          <a:prstGeom prst="rect">
+            <a:avLst/>
+          </a:prstGeom>
+          <a:noFill/>
+          <a:extLst>
+            <a:ext uri="{909E8E84-426E-40DD-AFC4-6F175D3DCCD1}">
+              <a14:hiddenFill xmlns:a14="http://schemas.microsoft.com/office/drawing/2010/main">
+                <a:solidFill>
+                  <a:srgbClr val="FFFFFF"/>
+                </a:solidFill>
+              </a14:hiddenFill>
+            </a:ext>
+          </a:extLst>
+        </p:spPr>
+      </p:pic>
     </p:spTree>
     <p:extLst>
       <p:ext uri="{BB962C8B-B14F-4D97-AF65-F5344CB8AC3E}">
@@ -6383,9 +6471,9 @@
           <p:nvPr/>
         </p:nvCxnSpPr>
         <p:spPr>
-          <a:xfrm>
-            <a:off x="983187" y="2386586"/>
-            <a:ext cx="835745" cy="0"/>
+          <a:xfrm flipV="1">
+            <a:off x="604175" y="2386586"/>
+            <a:ext cx="1214757" cy="3289"/>
           </a:xfrm>
           <a:prstGeom prst="straightConnector1">
             <a:avLst/>

--- a/Overview.pptx
+++ b/Overview.pptx
@@ -10,6 +10,8 @@
     <p:sldId id="257" r:id="rId4"/>
     <p:sldId id="259" r:id="rId5"/>
     <p:sldId id="260" r:id="rId6"/>
+    <p:sldId id="262" r:id="rId7"/>
+    <p:sldId id="263" r:id="rId8"/>
   </p:sldIdLst>
   <p:sldSz cx="9144000" cy="5143500" type="screen16x9"/>
   <p:notesSz cx="6858000" cy="9144000"/>
@@ -108,7 +110,99 @@
       </a:defRPr>
     </a:lvl9pPr>
   </p:defaultTextStyle>
+  <p:extLst>
+    <p:ext uri="{EFAFB233-063F-42B5-8137-9DF3F51BA10A}">
+      <p15:sldGuideLst xmlns:p15="http://schemas.microsoft.com/office/powerpoint/2012/main"/>
+    </p:ext>
+  </p:extLst>
 </p:presentation>
+</file>
+
+<file path=ppt/ink/ink1.xml><?xml version="1.0" encoding="utf-8"?>
+<inkml:ink xmlns:inkml="http://www.w3.org/2003/InkML">
+  <inkml:definitions>
+    <inkml:context xml:id="ctx0">
+      <inkml:inkSource xml:id="inkSrc0">
+        <inkml:traceFormat>
+          <inkml:channel name="X" type="integer" min="-2.14748E9" max="2.14748E9" units="cm"/>
+          <inkml:channel name="Y" type="integer" min="-2.14748E9" max="2.14748E9" units="cm"/>
+          <inkml:channel name="F" type="integer" max="32767" units="dev"/>
+        </inkml:traceFormat>
+        <inkml:channelProperties>
+          <inkml:channelProperty channel="X" name="resolution" value="1000" units="1/cm"/>
+          <inkml:channelProperty channel="Y" name="resolution" value="1000" units="1/cm"/>
+          <inkml:channelProperty channel="F" name="resolution" value="0" units="1/dev"/>
+        </inkml:channelProperties>
+      </inkml:inkSource>
+      <inkml:timestamp xml:id="ts0" timeString="2020-06-09T08:58:51.183"/>
+    </inkml:context>
+    <inkml:brush xml:id="br0">
+      <inkml:brushProperty name="width" value="0.05" units="cm"/>
+      <inkml:brushProperty name="height" value="0.05" units="cm"/>
+      <inkml:brushProperty name="color" value="#004F8B"/>
+    </inkml:brush>
+  </inkml:definitions>
+  <inkml:trace contextRef="#ctx0" brushRef="#br0">351 226 12299,'0'0'4586,"0"0"-1499,0 0-640,0 0-239,0 0-343,-1-12 4343,-1 19-6202,0 1 1,1-1-1,0 1 0,0-1 0,1 1 0,0-1 0,0 0 1,1 1-1,0-1 0,0 2-6,0-1 5,3 24-5,1-1 0,1 0 0,2-1 0,1 1 0,8 16 0,-17-46-9,0 0-1,1-1 1,-1 1 0,1 0-1,-1 0 1,1 0 0,0 0-1,-1-1 1,1 1 0,0 0-1,-1-1 1,1 1 0,0 0-1,0-1 1,0 1 0,-1-1-1,1 0 1,1 1 9,5-2-4956,-6 0-874</inkml:trace>
+  <inkml:trace contextRef="#ctx0" brushRef="#br0" timeOffset="798.045">240 277 19732,'0'0'5796,"0"0"-2985,-5 21-1734,-8 45-419,3 1 1,2 0 0,4 0 0,3 48-659,1-111 40,1 1 1,-1 0 0,1-1-1,0 1 1,0-1 0,0 1-1,0-1 1,1 1-1,0-1 1,0 0 0,0 0-1,1 0 1,-1 0 0,1 0-1,0 0 1,0-1 0,2 3-41,0-3 1,0 1 1,0-1 0,0 0 0,0-1 0,1 1 0,-1-1 0,1 0 0,0 0 0,-1-1 0,1 1 0,0-1 0,0-1 0,2 1-2,4 0 0,0-1 0,0 0 0,0-1 0,0 0 0,0-1 0,0 0 0,0-1 0,0 0 0,-1-1 0,2-1 0,4-2 0,0-2 0,0 0 0,-1-1 0,0 0 0,-1-1 0,3-4 0,16-17 0,-1-2 0,-1-1 0,-2-1 0,21-35 0,-22 30 0,-3-1 0,0-3 0,-17 26 0,0 1 0,-1-1 0,-1-1 0,-1 0 0,-1 0 0,1-7 0,-5 22 0,-1 1 0,1-1 0,-1 0 0,0 0 0,-1 0 0,1 0 0,-1 0 0,0 0 0,0 1 0,0-1 0,-1 0 0,1 1 0,-1-1 0,0 1 0,-1-1 0,1 1 0,-1 0 0,0 0 0,0 0 0,0 0 0,0 1 0,-1-1 0,0 1 0,-2-2 0,-8-5 0,0 2 0,0-1 0,-1 2 0,0 0 0,0 1 0,-15-4 0,-17-3 0,-1 1 0,0 4 0,0 1 0,-1 2 0,0 2 0,0 3 0,1 2 0,-23 4 0,50-4 0,0 1 0,0 1 0,0 1 0,1 1 0,0 0 0,0 2 0,1 0 0,-8 6 0,24-12 3,-1 0-1,1 1 1,-1-1-1,1 1 1,0 0-1,0 0 1,1 0-1,-1 0 1,1 1-1,-1-1 1,1 1 0,0-1-1,0 1 1,-1 3-3,0 3-76,0 0 0,1 0 0,0 1 0,0 7 76,0-2-355,-4 31-2759</inkml:trace>
+</inkml:ink>
+</file>
+
+<file path=ppt/ink/ink2.xml><?xml version="1.0" encoding="utf-8"?>
+<inkml:ink xmlns:inkml="http://www.w3.org/2003/InkML">
+  <inkml:definitions>
+    <inkml:context xml:id="ctx0">
+      <inkml:inkSource xml:id="inkSrc0">
+        <inkml:traceFormat>
+          <inkml:channel name="X" type="integer" min="-2.14748E9" max="2.14748E9" units="cm"/>
+          <inkml:channel name="Y" type="integer" min="-2.14748E9" max="2.14748E9" units="cm"/>
+          <inkml:channel name="F" type="integer" max="32767" units="dev"/>
+        </inkml:traceFormat>
+        <inkml:channelProperties>
+          <inkml:channelProperty channel="X" name="resolution" value="1000" units="1/cm"/>
+          <inkml:channelProperty channel="Y" name="resolution" value="1000" units="1/cm"/>
+          <inkml:channelProperty channel="F" name="resolution" value="0" units="1/dev"/>
+        </inkml:channelProperties>
+      </inkml:inkSource>
+      <inkml:timestamp xml:id="ts0" timeString="2020-06-09T08:58:55.934"/>
+    </inkml:context>
+    <inkml:brush xml:id="br0">
+      <inkml:brushProperty name="width" value="0.05" units="cm"/>
+      <inkml:brushProperty name="height" value="0.05" units="cm"/>
+      <inkml:brushProperty name="color" value="#004F8B"/>
+    </inkml:brush>
+  </inkml:definitions>
+  <inkml:trace contextRef="#ctx0" brushRef="#br0">308 310 18044,'0'0'4041,"0"0"-1539,0 0-517,0 0-92,0 0-290,0 0-392,-4-1-306,-11-4-430,32 4-350,41 6-142,-42-2 17,1 1 0,-1 1 0,7 3 0,-18-7 0,-1 1 0,1 0 0,-1 1 0,0-1 0,1 1 0,-1-1 0,0 1 0,-1 0 0,1 1 0,-1-1 0,1 1 0,-1 0 0,0-1 0,0 2 0,-2-3 0,0 1 0,0-1 0,-1 1 0,1-1 0,-1 1 0,1-1 0,-1 1 0,0-1 0,0 1 0,0-1 0,0 1 0,-1-1 0,0 2 0,1-1 0,0 0 0,-1-1 0,1 1 0,0 0 0,0 0 0,0-1 0,1 1 0,-1 0 0,1-1 0,0 2 0,27 10 0,-24-11 0,0 1 0,0 1 0,0-1 0,-1 0 0,0 1 0,0-1 0,0 1 0,-1 0 0,1 0 0,-1 0 0,0 1 0,-1-1 0,1 3 0,-1-4 0,-1-1 0,0 1 0,0 0 0,0-1 0,-1 1 0,1-1 0,-1 1 0,0-1 0,0 1 0,0-1 0,-1 1 0,1-1 0,-1 0 0,1 0 0,-1 0 0,0 0 0,-1 0 0,1 0 0,0 0 0,-1-1 0,-1 3 0,-11 9 0,0-1 0,0 0 0,-6 2 0,16-11 0,0-1 0,-1 0 0,0 0 0,1 0 0,-1-1 0,0 1 0,0-1 0,0-1 0,-1 1 0,1-1 0,0 0 0,-3-1 0,7 0 0,0 0 1,0-1-1,0 1 0,0-1 0,0 1 1,1-1-1,-1 0 0,0 0 0,0 0 1,1 0-1,-1 0 0,0 0 0,1 0 1,-1 0-1,1-1 0,0 1 0,-1-1 1,1 1-1,0-1 0,0 1 1,0-1-1,0 0 0,0 0 0,0 1 1,0-1-1,1 0 0,-1 0 0,0-1 0,-2-9-17,0 0 0,1 0 0,0 0 0,0-3 17,1 5-50,-1-6-693,-1 0-1,0 0 0,-4-8 744,-14-21-4343,2 21-630</inkml:trace>
+  <inkml:trace contextRef="#ctx0" brushRef="#br0" timeOffset="345.409">8 309 21357,'-2'14'3860,"2"-9"-3573,-3 27 1285,1-1 1,2 1-1,2 16-1572,-1-38 174,0 1-1,1-1 0,0 0 0,0-1 1,1 1-1,1 0 0,-1-1 0,2 1 1,-1-1-1,1 0 0,1-1 0,-1 1 1,2-1-1,2 3-173,-1-3 7,0-1 0,1-1 1,0 1-1,0-2 0,0 1 0,1-1 1,-1-1-1,1 1 0,0-2 0,1 1 1,-1-2-1,1 1 0,-1-1 1,1-1-1,0 0 0,-1 0 0,1-1 1,5-1-8,6-1-2,0-1 1,0 0 0,0-2-1,-1-1 1,1 0 0,-1-2-1,-1 0 1,7-5 1,9-5 0,-2-1 0,0-2 0,-1-2 0,-2-1 0,0-1 0,-2-1 0,0-2 0,14-19 0,-36 38 0,-1 0 0,1 0 0,-1 0 0,-1-1 0,0 0 0,0 0 0,2-8 0,-6 13 0,1 0 0,-1 0 0,0 0 0,-1-1 0,1 1 0,-1 0 0,0 0 0,-1 0 0,1 0 0,-1-1 0,0 1 0,0 0 0,0 0 0,-1 0 0,0 1 0,0-1 0,-1-1 0,-4-6 0,-1 0 0,-1 1 0,0 0 0,-1 0 0,0 1 0,-1 0 0,0 1 0,0 0 0,-1 1 0,0 0 0,0 1 0,-14-6 0,-9-4 0,-2 2 0,0 1 0,0 3 0,-5-1 0,11 5 0,0 2 0,-1 0 0,1 3 0,-10 0 0,35 2-21,1 0 0,-1 1 0,1-1 0,-1 1 0,1 0 0,0 1 0,-1 0 0,1-1 0,0 2 0,0-1 0,0 0 0,1 1 0,-1 0 0,0 0 0,1 1 0,0-1 0,0 1 0,0 0 0,0 1 21,-10 7-675,-20 18-4692</inkml:trace>
+</inkml:ink>
+</file>
+
+<file path=ppt/ink/ink3.xml><?xml version="1.0" encoding="utf-8"?>
+<inkml:ink xmlns:inkml="http://www.w3.org/2003/InkML">
+  <inkml:definitions>
+    <inkml:context xml:id="ctx0">
+      <inkml:inkSource xml:id="inkSrc0">
+        <inkml:traceFormat>
+          <inkml:channel name="X" type="integer" min="-2.14748E9" max="2.14748E9" units="cm"/>
+          <inkml:channel name="Y" type="integer" min="-2.14748E9" max="2.14748E9" units="cm"/>
+          <inkml:channel name="F" type="integer" max="32767" units="dev"/>
+        </inkml:traceFormat>
+        <inkml:channelProperties>
+          <inkml:channelProperty channel="X" name="resolution" value="1000" units="1/cm"/>
+          <inkml:channelProperty channel="Y" name="resolution" value="1000" units="1/cm"/>
+          <inkml:channelProperty channel="F" name="resolution" value="0" units="1/dev"/>
+        </inkml:channelProperties>
+      </inkml:inkSource>
+      <inkml:timestamp xml:id="ts0" timeString="2020-06-09T08:58:54.618"/>
+    </inkml:context>
+    <inkml:brush xml:id="br0">
+      <inkml:brushProperty name="width" value="0.05" units="cm"/>
+      <inkml:brushProperty name="height" value="0.05" units="cm"/>
+      <inkml:brushProperty name="color" value="#004F8B"/>
+    </inkml:brush>
+  </inkml:definitions>
+  <inkml:trace contextRef="#ctx0" brushRef="#br0">252 182 3041,'0'0'5640,"0"0"-1789,0 0-1437,0 0-1021,0 0-452,0 0-40,-2 0 8650,2 0-4723,58-5-4602,-43 3-231,1 1 1,-1 0-1,0 1 0,12 2 5,-25-2 0,0 1 0,-1-1 0,1 1 0,0 0 0,-1-1 0,1 1 0,-1 0 0,1 0 0,-1 0 0,1 0 0,-1 1 0,0-1 0,1 0 0,-1 0 0,0 1 0,0-1 0,0 1 0,0-1 0,0 1 0,0 0 0,-1-1 0,1 1 0,0 0 0,-1-1 0,0 1 0,1 0 0,-1 0 0,0-1 0,0 1 0,0 0 0,0 0 0,0 0 0,0-1 0,-1 2 0,1 7 0,-1-1 0,-1 1 0,1-1 0,-2 0 0,1 0 0,-1 0 0,-10 23 0,-11 31 0,23-58 0,0 0 0,-1 0 0,2 0 0,-1 1 0,1-1 0,-1 0 0,1 0 0,1 1 0,-1-1 0,2 5 0,-2-9 0,1 0 0,0 0 0,-1 0 0,1 0 0,0 0 0,0 0 0,0 0 0,-1 0 0,1 0 0,0-1 0,0 1 0,0 0 0,1 0 0,-1-1 0,0 1 0,0-1 0,0 1 0,0-1 0,1 1 0,-1-1 0,0 0 0,0 0 0,1 1 0,-1-1 0,0 0 0,0 0 0,1 0 0,-1 0 0,0-1 0,1 1 0,0 0 0,3-1 0,0 0 0,0 0 0,0 0 0,0 0 0,-1-1 0,1 0 0,4-2 0,1-2-9,0-1 0,0 0-1,-1 0 1,0-1 0,0-1 0,-1 0 0,0 0-1,0 0 1,-1-1 0,-1 0 0,4-6 9,-7 5-1199,-2 2-2870</inkml:trace>
+  <inkml:trace contextRef="#ctx0" brushRef="#br0" timeOffset="349.905">18 211 20068,'-3'17'3440,"1"-4"-2991,-3 15 595,1 0 1,2 0-1,1 9-1044,1-29 163,0 1 1,1-1-1,0 1 1,0-1-1,1 0 0,0 1 1,0-1-1,1 0 1,0 0-1,1 0 1,-1-1-1,1 1 1,1-1-1,3 5-163,-1-4 81,1-1 0,0 0 0,0 0 0,0-1-1,0 0 1,1 0 0,0-1 0,1 0 0,-1-1 0,1 0-1,6 2-80,0-2 94,0 0-1,1-1 1,0 0-1,-1-2 0,1 0 1,0-1-1,1 0-93,11-3 138,1 0 0,-1-2-1,-1-1 1,1-1 0,-1-2-1,-1-1 1,0-1 0,5-3-138,-9 2 108,1-1 0,-2-1 0,0-1 1,0-1-1,-1 0 0,-2-2 0,3-3-108,-15 14 0,0-1-1,0 0 0,-1 0 1,0-1-1,-1 0 0,1 0 0,-2 0 1,1-1-1,-1 0 0,-1 0 1,0 0-1,0 0 0,-1 0 0,0 0 1,-1-1-1,0 1 0,-1-1 1,0 1-1,0-4 1,-2 8 0,1-1 0,-1 1 0,0 0 0,0 0 0,0 0 0,-1 0 0,0 0 0,0 1 0,-1-1 0,0 1 0,0 0 0,0 0 0,0 0 0,-1 1 0,1-1 0,-1 1 0,-1 0 0,1 1 0,0-1 0,-6-2 0,-9-4 0,-1 1 0,0 0 0,-1 2 0,1 0 0,-8 0 0,-6-2 0,-1 2 0,1 1 0,-1 2 0,0 2 0,-1 1 0,1 2 0,0 1 0,0 2 0,1 1 0,-3 3 0,-13 10 0,48-17 0,0 0 0,1 1 0,-1-1 0,1 1 0,-1 0 0,1 0 0,0 0 0,0 0 0,0 0 0,0 0 0,0 1 0,0-1 0,1 1 0,-1-1 0,0 3 0,0 2-203,1 1 0,0-1 0,0 0 0,1 1 0,0 0 0,0-1 0,1 3 203,-1-1-849,2 24-3714</inkml:trace>
+</inkml:ink>
 </file>
 
 <file path=ppt/slideLayouts/slideLayout1.xml><?xml version="1.0" encoding="utf-8"?>
@@ -242,7 +336,7 @@
           <a:p>
             <a:fld id="{A60A427C-1215-448D-93C0-01CD29F927D7}" type="datetimeFigureOut">
               <a:rPr lang="en-US" smtClean="0"/>
-              <a:t>06-Jun-20</a:t>
+              <a:t>6/9/2020</a:t>
             </a:fld>
             <a:endParaRPr lang="en-US"/>
           </a:p>
@@ -412,7 +506,7 @@
           <a:p>
             <a:fld id="{A60A427C-1215-448D-93C0-01CD29F927D7}" type="datetimeFigureOut">
               <a:rPr lang="en-US" smtClean="0"/>
-              <a:t>06-Jun-20</a:t>
+              <a:t>6/9/2020</a:t>
             </a:fld>
             <a:endParaRPr lang="en-US"/>
           </a:p>
@@ -592,7 +686,7 @@
           <a:p>
             <a:fld id="{A60A427C-1215-448D-93C0-01CD29F927D7}" type="datetimeFigureOut">
               <a:rPr lang="en-US" smtClean="0"/>
-              <a:t>06-Jun-20</a:t>
+              <a:t>6/9/2020</a:t>
             </a:fld>
             <a:endParaRPr lang="en-US"/>
           </a:p>
@@ -762,7 +856,7 @@
           <a:p>
             <a:fld id="{A60A427C-1215-448D-93C0-01CD29F927D7}" type="datetimeFigureOut">
               <a:rPr lang="en-US" smtClean="0"/>
-              <a:t>06-Jun-20</a:t>
+              <a:t>6/9/2020</a:t>
             </a:fld>
             <a:endParaRPr lang="en-US"/>
           </a:p>
@@ -1008,7 +1102,7 @@
           <a:p>
             <a:fld id="{A60A427C-1215-448D-93C0-01CD29F927D7}" type="datetimeFigureOut">
               <a:rPr lang="en-US" smtClean="0"/>
-              <a:t>06-Jun-20</a:t>
+              <a:t>6/9/2020</a:t>
             </a:fld>
             <a:endParaRPr lang="en-US"/>
           </a:p>
@@ -1240,7 +1334,7 @@
           <a:p>
             <a:fld id="{A60A427C-1215-448D-93C0-01CD29F927D7}" type="datetimeFigureOut">
               <a:rPr lang="en-US" smtClean="0"/>
-              <a:t>06-Jun-20</a:t>
+              <a:t>6/9/2020</a:t>
             </a:fld>
             <a:endParaRPr lang="en-US"/>
           </a:p>
@@ -1607,7 +1701,7 @@
           <a:p>
             <a:fld id="{A60A427C-1215-448D-93C0-01CD29F927D7}" type="datetimeFigureOut">
               <a:rPr lang="en-US" smtClean="0"/>
-              <a:t>06-Jun-20</a:t>
+              <a:t>6/9/2020</a:t>
             </a:fld>
             <a:endParaRPr lang="en-US"/>
           </a:p>
@@ -1725,7 +1819,7 @@
           <a:p>
             <a:fld id="{A60A427C-1215-448D-93C0-01CD29F927D7}" type="datetimeFigureOut">
               <a:rPr lang="en-US" smtClean="0"/>
-              <a:t>06-Jun-20</a:t>
+              <a:t>6/9/2020</a:t>
             </a:fld>
             <a:endParaRPr lang="en-US"/>
           </a:p>
@@ -1820,7 +1914,7 @@
           <a:p>
             <a:fld id="{A60A427C-1215-448D-93C0-01CD29F927D7}" type="datetimeFigureOut">
               <a:rPr lang="en-US" smtClean="0"/>
-              <a:t>06-Jun-20</a:t>
+              <a:t>6/9/2020</a:t>
             </a:fld>
             <a:endParaRPr lang="en-US"/>
           </a:p>
@@ -2097,7 +2191,7 @@
           <a:p>
             <a:fld id="{A60A427C-1215-448D-93C0-01CD29F927D7}" type="datetimeFigureOut">
               <a:rPr lang="en-US" smtClean="0"/>
-              <a:t>06-Jun-20</a:t>
+              <a:t>6/9/2020</a:t>
             </a:fld>
             <a:endParaRPr lang="en-US"/>
           </a:p>
@@ -2354,7 +2448,7 @@
           <a:p>
             <a:fld id="{A60A427C-1215-448D-93C0-01CD29F927D7}" type="datetimeFigureOut">
               <a:rPr lang="en-US" smtClean="0"/>
-              <a:t>06-Jun-20</a:t>
+              <a:t>6/9/2020</a:t>
             </a:fld>
             <a:endParaRPr lang="en-US"/>
           </a:p>
@@ -2567,7 +2661,7 @@
           <a:p>
             <a:fld id="{A60A427C-1215-448D-93C0-01CD29F927D7}" type="datetimeFigureOut">
               <a:rPr lang="en-US" smtClean="0"/>
-              <a:t>06-Jun-20</a:t>
+              <a:t>6/9/2020</a:t>
             </a:fld>
             <a:endParaRPr lang="en-US"/>
           </a:p>
@@ -3900,7 +3994,7 @@
         </p:nvSpPr>
         <p:spPr>
           <a:xfrm>
-            <a:off x="4552264" y="2184040"/>
+            <a:off x="4591734" y="2179810"/>
             <a:ext cx="1263056" cy="730204"/>
           </a:xfrm>
           <a:prstGeom prst="rect">
@@ -4086,9 +4180,9 @@
           <p:nvPr/>
         </p:nvCxnSpPr>
         <p:spPr>
-          <a:xfrm>
-            <a:off x="4045726" y="2549142"/>
-            <a:ext cx="506538" cy="0"/>
+          <a:xfrm flipV="1">
+            <a:off x="4045726" y="2544912"/>
+            <a:ext cx="546008" cy="4230"/>
           </a:xfrm>
           <a:prstGeom prst="straightConnector1">
             <a:avLst/>
@@ -4130,8 +4224,8 @@
         </p:nvCxnSpPr>
         <p:spPr>
           <a:xfrm>
-            <a:off x="5815320" y="2549142"/>
-            <a:ext cx="506538" cy="0"/>
+            <a:off x="5854790" y="2544912"/>
+            <a:ext cx="467068" cy="4230"/>
           </a:xfrm>
           <a:prstGeom prst="straightConnector1">
             <a:avLst/>
@@ -4802,7 +4896,7 @@
         </p:nvCxnSpPr>
         <p:spPr>
           <a:xfrm>
-            <a:off x="5183792" y="1453835"/>
+            <a:off x="5223262" y="1449605"/>
             <a:ext cx="0" cy="730205"/>
           </a:xfrm>
           <a:prstGeom prst="straightConnector1">
@@ -6623,6 +6717,407 @@
     <p:extLst>
       <p:ext uri="{BB962C8B-B14F-4D97-AF65-F5344CB8AC3E}">
         <p14:creationId xmlns:p14="http://schemas.microsoft.com/office/powerpoint/2010/main" val="548658834"/>
+      </p:ext>
+    </p:extLst>
+  </p:cSld>
+  <p:clrMapOvr>
+    <a:masterClrMapping/>
+  </p:clrMapOvr>
+</p:sld>
+</file>
+
+<file path=ppt/slides/slide6.xml><?xml version="1.0" encoding="utf-8"?>
+<p:sld xmlns:a="http://schemas.openxmlformats.org/drawingml/2006/main" xmlns:r="http://schemas.openxmlformats.org/officeDocument/2006/relationships" xmlns:p="http://schemas.openxmlformats.org/presentationml/2006/main">
+  <p:cSld>
+    <p:spTree>
+      <p:nvGrpSpPr>
+        <p:cNvPr id="1" name=""/>
+        <p:cNvGrpSpPr/>
+        <p:nvPr/>
+      </p:nvGrpSpPr>
+      <p:grpSpPr>
+        <a:xfrm>
+          <a:off x="0" y="0"/>
+          <a:ext cx="0" cy="0"/>
+          <a:chOff x="0" y="0"/>
+          <a:chExt cx="0" cy="0"/>
+        </a:xfrm>
+      </p:grpSpPr>
+      <p:sp>
+        <p:nvSpPr>
+          <p:cNvPr id="2" name="Title 1">
+            <a:extLst>
+              <a:ext uri="{FF2B5EF4-FFF2-40B4-BE49-F238E27FC236}">
+                <a16:creationId xmlns:a16="http://schemas.microsoft.com/office/drawing/2014/main" id="{02AAD91B-B2F7-4F48-9367-BEB37CDEB02A}"/>
+              </a:ext>
+            </a:extLst>
+          </p:cNvPr>
+          <p:cNvSpPr>
+            <a:spLocks noGrp="1"/>
+          </p:cNvSpPr>
+          <p:nvPr>
+            <p:ph type="title"/>
+          </p:nvPr>
+        </p:nvSpPr>
+        <p:spPr/>
+        <p:txBody>
+          <a:bodyPr/>
+          <a:lstStyle/>
+          <a:p>
+            <a:r>
+              <a:rPr lang="en-US" dirty="0"/>
+              <a:t>Quadrature encoders</a:t>
+            </a:r>
+          </a:p>
+        </p:txBody>
+      </p:sp>
+      <p:pic>
+        <p:nvPicPr>
+          <p:cNvPr id="1026" name="Picture 2">
+            <a:extLst>
+              <a:ext uri="{FF2B5EF4-FFF2-40B4-BE49-F238E27FC236}">
+                <a16:creationId xmlns:a16="http://schemas.microsoft.com/office/drawing/2014/main" id="{54336EC2-87F7-40CB-A733-F8F69EEB1E14}"/>
+              </a:ext>
+            </a:extLst>
+          </p:cNvPr>
+          <p:cNvPicPr>
+            <a:picLocks noChangeAspect="1" noChangeArrowheads="1"/>
+          </p:cNvPicPr>
+          <p:nvPr/>
+        </p:nvPicPr>
+        <p:blipFill>
+          <a:blip r:embed="rId2">
+            <a:extLst>
+              <a:ext uri="{28A0092B-C50C-407E-A947-70E740481C1C}">
+                <a14:useLocalDpi xmlns:a14="http://schemas.microsoft.com/office/drawing/2010/main" val="0"/>
+              </a:ext>
+            </a:extLst>
+          </a:blip>
+          <a:srcRect/>
+          <a:stretch>
+            <a:fillRect/>
+          </a:stretch>
+        </p:blipFill>
+        <p:spPr bwMode="auto">
+          <a:xfrm>
+            <a:off x="2227179" y="1332280"/>
+            <a:ext cx="4689637" cy="3014767"/>
+          </a:xfrm>
+          <a:prstGeom prst="rect">
+            <a:avLst/>
+          </a:prstGeom>
+          <a:noFill/>
+          <a:extLst>
+            <a:ext uri="{909E8E84-426E-40DD-AFC4-6F175D3DCCD1}">
+              <a14:hiddenFill xmlns:a14="http://schemas.microsoft.com/office/drawing/2010/main">
+                <a:solidFill>
+                  <a:srgbClr val="FFFFFF"/>
+                </a:solidFill>
+              </a14:hiddenFill>
+            </a:ext>
+          </a:extLst>
+        </p:spPr>
+      </p:pic>
+      <p:sp>
+        <p:nvSpPr>
+          <p:cNvPr id="3" name="TextBox 2">
+            <a:extLst>
+              <a:ext uri="{FF2B5EF4-FFF2-40B4-BE49-F238E27FC236}">
+                <a16:creationId xmlns:a16="http://schemas.microsoft.com/office/drawing/2014/main" id="{514495D2-5BC8-4791-9653-0C35DDD033DE}"/>
+              </a:ext>
+            </a:extLst>
+          </p:cNvPr>
+          <p:cNvSpPr txBox="1"/>
+          <p:nvPr/>
+        </p:nvSpPr>
+        <p:spPr>
+          <a:xfrm>
+            <a:off x="1750745" y="4684989"/>
+            <a:ext cx="5642507" cy="369332"/>
+          </a:xfrm>
+          <a:prstGeom prst="rect">
+            <a:avLst/>
+          </a:prstGeom>
+          <a:noFill/>
+        </p:spPr>
+        <p:txBody>
+          <a:bodyPr wrap="none" rtlCol="0">
+            <a:spAutoFit/>
+          </a:bodyPr>
+          <a:lstStyle/>
+          <a:p>
+            <a:r>
+              <a:rPr lang="en-US" dirty="0">
+                <a:hlinkClick r:id="rId3"/>
+              </a:rPr>
+              <a:t>https://dronebotworkshop.com/rotary-encoders-arduino/</a:t>
+            </a:r>
+            <a:endParaRPr lang="en-US" dirty="0"/>
+          </a:p>
+        </p:txBody>
+      </p:sp>
+    </p:spTree>
+    <p:extLst>
+      <p:ext uri="{BB962C8B-B14F-4D97-AF65-F5344CB8AC3E}">
+        <p14:creationId xmlns:p14="http://schemas.microsoft.com/office/powerpoint/2010/main" val="1619694353"/>
+      </p:ext>
+    </p:extLst>
+  </p:cSld>
+  <p:clrMapOvr>
+    <a:masterClrMapping/>
+  </p:clrMapOvr>
+</p:sld>
+</file>
+
+<file path=ppt/slides/slide7.xml><?xml version="1.0" encoding="utf-8"?>
+<p:sld xmlns:a="http://schemas.openxmlformats.org/drawingml/2006/main" xmlns:r="http://schemas.openxmlformats.org/officeDocument/2006/relationships" xmlns:p="http://schemas.openxmlformats.org/presentationml/2006/main">
+  <p:cSld>
+    <p:spTree>
+      <p:nvGrpSpPr>
+        <p:cNvPr id="1" name=""/>
+        <p:cNvGrpSpPr/>
+        <p:nvPr/>
+      </p:nvGrpSpPr>
+      <p:grpSpPr>
+        <a:xfrm>
+          <a:off x="0" y="0"/>
+          <a:ext cx="0" cy="0"/>
+          <a:chOff x="0" y="0"/>
+          <a:chExt cx="0" cy="0"/>
+        </a:xfrm>
+      </p:grpSpPr>
+      <p:sp>
+        <p:nvSpPr>
+          <p:cNvPr id="2" name="Title 1">
+            <a:extLst>
+              <a:ext uri="{FF2B5EF4-FFF2-40B4-BE49-F238E27FC236}">
+                <a16:creationId xmlns:a16="http://schemas.microsoft.com/office/drawing/2014/main" id="{565E3490-F2F7-4F11-AA72-A2F669C21336}"/>
+              </a:ext>
+            </a:extLst>
+          </p:cNvPr>
+          <p:cNvSpPr>
+            <a:spLocks noGrp="1"/>
+          </p:cNvSpPr>
+          <p:nvPr>
+            <p:ph type="title"/>
+          </p:nvPr>
+        </p:nvSpPr>
+        <p:spPr/>
+        <p:txBody>
+          <a:bodyPr/>
+          <a:lstStyle/>
+          <a:p>
+            <a:r>
+              <a:rPr lang="en-US" dirty="0"/>
+              <a:t>Moving Average Window</a:t>
+            </a:r>
+          </a:p>
+        </p:txBody>
+      </p:sp>
+      <p:pic>
+        <p:nvPicPr>
+          <p:cNvPr id="2050" name="Picture 2" descr="Automatic Time Series Smoothing with ASAP · Stanford DAWN">
+            <a:extLst>
+              <a:ext uri="{FF2B5EF4-FFF2-40B4-BE49-F238E27FC236}">
+                <a16:creationId xmlns:a16="http://schemas.microsoft.com/office/drawing/2014/main" id="{4C11BE3F-FE9F-4BAA-8CDA-72F63537F331}"/>
+              </a:ext>
+            </a:extLst>
+          </p:cNvPr>
+          <p:cNvPicPr>
+            <a:picLocks noChangeAspect="1" noChangeArrowheads="1"/>
+          </p:cNvPicPr>
+          <p:nvPr/>
+        </p:nvPicPr>
+        <p:blipFill>
+          <a:blip r:embed="rId2">
+            <a:extLst>
+              <a:ext uri="{28A0092B-C50C-407E-A947-70E740481C1C}">
+                <a14:useLocalDpi xmlns:a14="http://schemas.microsoft.com/office/drawing/2010/main" val="0"/>
+              </a:ext>
+            </a:extLst>
+          </a:blip>
+          <a:srcRect/>
+          <a:stretch>
+            <a:fillRect/>
+          </a:stretch>
+        </p:blipFill>
+        <p:spPr bwMode="auto">
+          <a:xfrm>
+            <a:off x="2484159" y="1416191"/>
+            <a:ext cx="4175681" cy="2470732"/>
+          </a:xfrm>
+          <a:prstGeom prst="rect">
+            <a:avLst/>
+          </a:prstGeom>
+          <a:noFill/>
+          <a:extLst>
+            <a:ext uri="{909E8E84-426E-40DD-AFC4-6F175D3DCCD1}">
+              <a14:hiddenFill xmlns:a14="http://schemas.microsoft.com/office/drawing/2010/main">
+                <a:solidFill>
+                  <a:srgbClr val="FFFFFF"/>
+                </a:solidFill>
+              </a14:hiddenFill>
+            </a:ext>
+          </a:extLst>
+        </p:spPr>
+      </p:pic>
+      <mc:AlternateContent xmlns:mc="http://schemas.openxmlformats.org/markup-compatibility/2006">
+        <mc:Choice xmlns:p14="http://schemas.microsoft.com/office/powerpoint/2010/main" Requires="p14">
+          <p:contentPart p14:bwMode="auto" r:id="rId3">
+            <p14:nvContentPartPr>
+              <p14:cNvPr id="5" name="Ink 4">
+                <a:extLst>
+                  <a:ext uri="{FF2B5EF4-FFF2-40B4-BE49-F238E27FC236}">
+                    <a16:creationId xmlns:a16="http://schemas.microsoft.com/office/drawing/2014/main" id="{B34A54D1-6FBF-4319-A23B-D82967122595}"/>
+                  </a:ext>
+                </a:extLst>
+              </p14:cNvPr>
+              <p14:cNvContentPartPr/>
+              <p14:nvPr/>
+            </p14:nvContentPartPr>
+            <p14:xfrm>
+              <a:off x="3245324" y="1141228"/>
+              <a:ext cx="314280" cy="283680"/>
+            </p14:xfrm>
+          </p:contentPart>
+        </mc:Choice>
+        <mc:Fallback>
+          <p:pic>
+            <p:nvPicPr>
+              <p:cNvPr id="5" name="Ink 4">
+                <a:extLst>
+                  <a:ext uri="{FF2B5EF4-FFF2-40B4-BE49-F238E27FC236}">
+                    <a16:creationId xmlns:a16="http://schemas.microsoft.com/office/drawing/2014/main" id="{B34A54D1-6FBF-4319-A23B-D82967122595}"/>
+                  </a:ext>
+                </a:extLst>
+              </p:cNvPr>
+              <p:cNvPicPr/>
+              <p:nvPr/>
+            </p:nvPicPr>
+            <p:blipFill>
+              <a:blip r:embed="rId4"/>
+              <a:stretch>
+                <a:fillRect/>
+              </a:stretch>
+            </p:blipFill>
+            <p:spPr>
+              <a:xfrm>
+                <a:off x="3236324" y="1132588"/>
+                <a:ext cx="331920" cy="301320"/>
+              </a:xfrm>
+              <a:prstGeom prst="rect">
+                <a:avLst/>
+              </a:prstGeom>
+            </p:spPr>
+          </p:pic>
+        </mc:Fallback>
+      </mc:AlternateContent>
+      <mc:AlternateContent xmlns:mc="http://schemas.openxmlformats.org/markup-compatibility/2006">
+        <mc:Choice xmlns:p14="http://schemas.microsoft.com/office/powerpoint/2010/main" Requires="p14">
+          <p:contentPart p14:bwMode="auto" r:id="rId5">
+            <p14:nvContentPartPr>
+              <p14:cNvPr id="10" name="Ink 9">
+                <a:extLst>
+                  <a:ext uri="{FF2B5EF4-FFF2-40B4-BE49-F238E27FC236}">
+                    <a16:creationId xmlns:a16="http://schemas.microsoft.com/office/drawing/2014/main" id="{B716291F-2668-4402-ACFA-F2DEAE3DD46D}"/>
+                  </a:ext>
+                </a:extLst>
+              </p14:cNvPr>
+              <p14:cNvContentPartPr/>
+              <p14:nvPr/>
+            </p14:nvContentPartPr>
+            <p14:xfrm>
+              <a:off x="5738684" y="1215748"/>
+              <a:ext cx="290520" cy="246240"/>
+            </p14:xfrm>
+          </p:contentPart>
+        </mc:Choice>
+        <mc:Fallback>
+          <p:pic>
+            <p:nvPicPr>
+              <p:cNvPr id="10" name="Ink 9">
+                <a:extLst>
+                  <a:ext uri="{FF2B5EF4-FFF2-40B4-BE49-F238E27FC236}">
+                    <a16:creationId xmlns:a16="http://schemas.microsoft.com/office/drawing/2014/main" id="{B716291F-2668-4402-ACFA-F2DEAE3DD46D}"/>
+                  </a:ext>
+                </a:extLst>
+              </p:cNvPr>
+              <p:cNvPicPr/>
+              <p:nvPr/>
+            </p:nvPicPr>
+            <p:blipFill>
+              <a:blip r:embed="rId6"/>
+              <a:stretch>
+                <a:fillRect/>
+              </a:stretch>
+            </p:blipFill>
+            <p:spPr>
+              <a:xfrm>
+                <a:off x="5730044" y="1207108"/>
+                <a:ext cx="308160" cy="263880"/>
+              </a:xfrm>
+              <a:prstGeom prst="rect">
+                <a:avLst/>
+              </a:prstGeom>
+            </p:spPr>
+          </p:pic>
+        </mc:Fallback>
+      </mc:AlternateContent>
+      <mc:AlternateContent xmlns:mc="http://schemas.openxmlformats.org/markup-compatibility/2006">
+        <mc:Choice xmlns:p14="http://schemas.microsoft.com/office/powerpoint/2010/main" Requires="p14">
+          <p:contentPart p14:bwMode="auto" r:id="rId7">
+            <p14:nvContentPartPr>
+              <p14:cNvPr id="11" name="Ink 10">
+                <a:extLst>
+                  <a:ext uri="{FF2B5EF4-FFF2-40B4-BE49-F238E27FC236}">
+                    <a16:creationId xmlns:a16="http://schemas.microsoft.com/office/drawing/2014/main" id="{0077FFE5-72C0-4CBB-A685-96AB932A1C8E}"/>
+                  </a:ext>
+                </a:extLst>
+              </p14:cNvPr>
+              <p14:cNvContentPartPr/>
+              <p14:nvPr/>
+            </p14:nvContentPartPr>
+            <p14:xfrm>
+              <a:off x="4929404" y="1261468"/>
+              <a:ext cx="284760" cy="207000"/>
+            </p14:xfrm>
+          </p:contentPart>
+        </mc:Choice>
+        <mc:Fallback>
+          <p:pic>
+            <p:nvPicPr>
+              <p:cNvPr id="11" name="Ink 10">
+                <a:extLst>
+                  <a:ext uri="{FF2B5EF4-FFF2-40B4-BE49-F238E27FC236}">
+                    <a16:creationId xmlns:a16="http://schemas.microsoft.com/office/drawing/2014/main" id="{0077FFE5-72C0-4CBB-A685-96AB932A1C8E}"/>
+                  </a:ext>
+                </a:extLst>
+              </p:cNvPr>
+              <p:cNvPicPr/>
+              <p:nvPr/>
+            </p:nvPicPr>
+            <p:blipFill>
+              <a:blip r:embed="rId8"/>
+              <a:stretch>
+                <a:fillRect/>
+              </a:stretch>
+            </p:blipFill>
+            <p:spPr>
+              <a:xfrm>
+                <a:off x="4920764" y="1252468"/>
+                <a:ext cx="302400" cy="224640"/>
+              </a:xfrm>
+              <a:prstGeom prst="rect">
+                <a:avLst/>
+              </a:prstGeom>
+            </p:spPr>
+          </p:pic>
+        </mc:Fallback>
+      </mc:AlternateContent>
+    </p:spTree>
+    <p:extLst>
+      <p:ext uri="{BB962C8B-B14F-4D97-AF65-F5344CB8AC3E}">
+        <p14:creationId xmlns:p14="http://schemas.microsoft.com/office/powerpoint/2010/main" val="2375682"/>
       </p:ext>
     </p:extLst>
   </p:cSld>

--- a/Overview.pptx
+++ b/Overview.pptx
@@ -108,6 +108,11 @@
       </a:defRPr>
     </a:lvl9pPr>
   </p:defaultTextStyle>
+  <p:extLst>
+    <p:ext uri="{EFAFB233-063F-42B5-8137-9DF3F51BA10A}">
+      <p15:sldGuideLst xmlns:p15="http://schemas.microsoft.com/office/powerpoint/2012/main"/>
+    </p:ext>
+  </p:extLst>
 </p:presentation>
 </file>
 
@@ -242,7 +247,7 @@
           <a:p>
             <a:fld id="{A60A427C-1215-448D-93C0-01CD29F927D7}" type="datetimeFigureOut">
               <a:rPr lang="en-US" smtClean="0"/>
-              <a:t>06-Jun-20</a:t>
+              <a:t>07-Jun-20</a:t>
             </a:fld>
             <a:endParaRPr lang="en-US"/>
           </a:p>
@@ -412,7 +417,7 @@
           <a:p>
             <a:fld id="{A60A427C-1215-448D-93C0-01CD29F927D7}" type="datetimeFigureOut">
               <a:rPr lang="en-US" smtClean="0"/>
-              <a:t>06-Jun-20</a:t>
+              <a:t>07-Jun-20</a:t>
             </a:fld>
             <a:endParaRPr lang="en-US"/>
           </a:p>
@@ -592,7 +597,7 @@
           <a:p>
             <a:fld id="{A60A427C-1215-448D-93C0-01CD29F927D7}" type="datetimeFigureOut">
               <a:rPr lang="en-US" smtClean="0"/>
-              <a:t>06-Jun-20</a:t>
+              <a:t>07-Jun-20</a:t>
             </a:fld>
             <a:endParaRPr lang="en-US"/>
           </a:p>
@@ -762,7 +767,7 @@
           <a:p>
             <a:fld id="{A60A427C-1215-448D-93C0-01CD29F927D7}" type="datetimeFigureOut">
               <a:rPr lang="en-US" smtClean="0"/>
-              <a:t>06-Jun-20</a:t>
+              <a:t>07-Jun-20</a:t>
             </a:fld>
             <a:endParaRPr lang="en-US"/>
           </a:p>
@@ -1008,7 +1013,7 @@
           <a:p>
             <a:fld id="{A60A427C-1215-448D-93C0-01CD29F927D7}" type="datetimeFigureOut">
               <a:rPr lang="en-US" smtClean="0"/>
-              <a:t>06-Jun-20</a:t>
+              <a:t>07-Jun-20</a:t>
             </a:fld>
             <a:endParaRPr lang="en-US"/>
           </a:p>
@@ -1240,7 +1245,7 @@
           <a:p>
             <a:fld id="{A60A427C-1215-448D-93C0-01CD29F927D7}" type="datetimeFigureOut">
               <a:rPr lang="en-US" smtClean="0"/>
-              <a:t>06-Jun-20</a:t>
+              <a:t>07-Jun-20</a:t>
             </a:fld>
             <a:endParaRPr lang="en-US"/>
           </a:p>
@@ -1607,7 +1612,7 @@
           <a:p>
             <a:fld id="{A60A427C-1215-448D-93C0-01CD29F927D7}" type="datetimeFigureOut">
               <a:rPr lang="en-US" smtClean="0"/>
-              <a:t>06-Jun-20</a:t>
+              <a:t>07-Jun-20</a:t>
             </a:fld>
             <a:endParaRPr lang="en-US"/>
           </a:p>
@@ -1725,7 +1730,7 @@
           <a:p>
             <a:fld id="{A60A427C-1215-448D-93C0-01CD29F927D7}" type="datetimeFigureOut">
               <a:rPr lang="en-US" smtClean="0"/>
-              <a:t>06-Jun-20</a:t>
+              <a:t>07-Jun-20</a:t>
             </a:fld>
             <a:endParaRPr lang="en-US"/>
           </a:p>
@@ -1820,7 +1825,7 @@
           <a:p>
             <a:fld id="{A60A427C-1215-448D-93C0-01CD29F927D7}" type="datetimeFigureOut">
               <a:rPr lang="en-US" smtClean="0"/>
-              <a:t>06-Jun-20</a:t>
+              <a:t>07-Jun-20</a:t>
             </a:fld>
             <a:endParaRPr lang="en-US"/>
           </a:p>
@@ -2097,7 +2102,7 @@
           <a:p>
             <a:fld id="{A60A427C-1215-448D-93C0-01CD29F927D7}" type="datetimeFigureOut">
               <a:rPr lang="en-US" smtClean="0"/>
-              <a:t>06-Jun-20</a:t>
+              <a:t>07-Jun-20</a:t>
             </a:fld>
             <a:endParaRPr lang="en-US"/>
           </a:p>
@@ -2354,7 +2359,7 @@
           <a:p>
             <a:fld id="{A60A427C-1215-448D-93C0-01CD29F927D7}" type="datetimeFigureOut">
               <a:rPr lang="en-US" smtClean="0"/>
-              <a:t>06-Jun-20</a:t>
+              <a:t>07-Jun-20</a:t>
             </a:fld>
             <a:endParaRPr lang="en-US"/>
           </a:p>
@@ -2567,7 +2572,7 @@
           <a:p>
             <a:fld id="{A60A427C-1215-448D-93C0-01CD29F927D7}" type="datetimeFigureOut">
               <a:rPr lang="en-US" smtClean="0"/>
-              <a:t>06-Jun-20</a:t>
+              <a:t>07-Jun-20</a:t>
             </a:fld>
             <a:endParaRPr lang="en-US"/>
           </a:p>
@@ -3802,7 +3807,7 @@
         </p:nvSpPr>
         <p:spPr>
           <a:xfrm>
-            <a:off x="2782670" y="2184040"/>
+            <a:off x="3009813" y="2184040"/>
             <a:ext cx="1263056" cy="730204"/>
           </a:xfrm>
           <a:prstGeom prst="rect">
@@ -3849,7 +3854,7 @@
         </p:nvSpPr>
         <p:spPr>
           <a:xfrm>
-            <a:off x="1013076" y="2184040"/>
+            <a:off x="1240219" y="2184040"/>
             <a:ext cx="1263056" cy="730204"/>
           </a:xfrm>
           <a:prstGeom prst="rect">
@@ -3900,7 +3905,7 @@
         </p:nvSpPr>
         <p:spPr>
           <a:xfrm>
-            <a:off x="4552264" y="2184040"/>
+            <a:off x="4779407" y="2184040"/>
             <a:ext cx="1263056" cy="730204"/>
           </a:xfrm>
           <a:prstGeom prst="rect">
@@ -3947,7 +3952,7 @@
         </p:nvSpPr>
         <p:spPr>
           <a:xfrm>
-            <a:off x="6321858" y="2184040"/>
+            <a:off x="6549001" y="2184040"/>
             <a:ext cx="1263056" cy="730204"/>
           </a:xfrm>
           <a:prstGeom prst="rect">
@@ -3994,7 +3999,7 @@
         </p:nvSpPr>
         <p:spPr>
           <a:xfrm>
-            <a:off x="4552264" y="3374322"/>
+            <a:off x="4779407" y="3374322"/>
             <a:ext cx="1263056" cy="730204"/>
           </a:xfrm>
           <a:prstGeom prst="rect">
@@ -4044,7 +4049,7 @@
         </p:nvCxnSpPr>
         <p:spPr>
           <a:xfrm>
-            <a:off x="2276132" y="2549142"/>
+            <a:off x="2503275" y="2549142"/>
             <a:ext cx="506538" cy="0"/>
           </a:xfrm>
           <a:prstGeom prst="straightConnector1">
@@ -4087,7 +4092,7 @@
         </p:nvCxnSpPr>
         <p:spPr>
           <a:xfrm>
-            <a:off x="4045726" y="2549142"/>
+            <a:off x="4272869" y="2549142"/>
             <a:ext cx="506538" cy="0"/>
           </a:xfrm>
           <a:prstGeom prst="straightConnector1">
@@ -4130,7 +4135,7 @@
         </p:nvCxnSpPr>
         <p:spPr>
           <a:xfrm>
-            <a:off x="5815320" y="2549142"/>
+            <a:off x="6042463" y="2549142"/>
             <a:ext cx="506538" cy="0"/>
           </a:xfrm>
           <a:prstGeom prst="straightConnector1">
@@ -4172,7 +4177,7 @@
         </p:nvCxnSpPr>
         <p:spPr>
           <a:xfrm>
-            <a:off x="7584914" y="2549142"/>
+            <a:off x="7812057" y="2549142"/>
             <a:ext cx="670999" cy="0"/>
           </a:xfrm>
           <a:prstGeom prst="straightConnector1">
@@ -4214,7 +4219,7 @@
         </p:nvCxnSpPr>
         <p:spPr>
           <a:xfrm rot="10800000" flipV="1">
-            <a:off x="5815320" y="2549142"/>
+            <a:off x="6042463" y="2549142"/>
             <a:ext cx="1815644" cy="1190282"/>
           </a:xfrm>
           <a:prstGeom prst="bentConnector3">
@@ -4258,7 +4263,7 @@
         </p:nvCxnSpPr>
         <p:spPr>
           <a:xfrm>
-            <a:off x="493381" y="2549142"/>
+            <a:off x="720524" y="2549142"/>
             <a:ext cx="519695" cy="0"/>
           </a:xfrm>
           <a:prstGeom prst="straightConnector1">
@@ -4297,7 +4302,7 @@
         </p:nvSpPr>
         <p:spPr>
           <a:xfrm>
-            <a:off x="2782670" y="3374322"/>
+            <a:off x="3009813" y="3374322"/>
             <a:ext cx="1263056" cy="730204"/>
           </a:xfrm>
           <a:prstGeom prst="rect">
@@ -4348,7 +4353,7 @@
         </p:nvCxnSpPr>
         <p:spPr>
           <a:xfrm flipH="1">
-            <a:off x="4045726" y="3739424"/>
+            <a:off x="4272869" y="3739424"/>
             <a:ext cx="506538" cy="0"/>
           </a:xfrm>
           <a:prstGeom prst="straightConnector1">
@@ -4391,7 +4396,7 @@
         </p:nvCxnSpPr>
         <p:spPr>
           <a:xfrm flipH="1">
-            <a:off x="2272843" y="3739424"/>
+            <a:off x="2499986" y="3739424"/>
             <a:ext cx="509827" cy="0"/>
           </a:xfrm>
           <a:prstGeom prst="straightConnector1">
@@ -4430,7 +4435,7 @@
         </p:nvSpPr>
         <p:spPr>
           <a:xfrm>
-            <a:off x="1009787" y="3374322"/>
+            <a:off x="1236930" y="3374322"/>
             <a:ext cx="1263056" cy="730204"/>
           </a:xfrm>
           <a:prstGeom prst="rect">
@@ -4477,7 +4482,7 @@
         </p:nvSpPr>
         <p:spPr>
           <a:xfrm>
-            <a:off x="753228" y="1913913"/>
+            <a:off x="980371" y="1913913"/>
             <a:ext cx="3578659" cy="2578739"/>
           </a:xfrm>
           <a:custGeom>
@@ -4601,7 +4606,7 @@
         </p:nvCxnSpPr>
         <p:spPr>
           <a:xfrm flipH="1">
-            <a:off x="493381" y="3739424"/>
+            <a:off x="720524" y="3739424"/>
             <a:ext cx="516406" cy="0"/>
           </a:xfrm>
           <a:prstGeom prst="straightConnector1">
@@ -4640,7 +4645,7 @@
         </p:nvSpPr>
         <p:spPr>
           <a:xfrm>
-            <a:off x="4433853" y="1913913"/>
+            <a:off x="4660996" y="1913913"/>
             <a:ext cx="3282630" cy="1335826"/>
           </a:xfrm>
           <a:prstGeom prst="rect">
@@ -4694,8 +4699,8 @@
         </p:nvSpPr>
         <p:spPr>
           <a:xfrm>
-            <a:off x="365024" y="3352913"/>
-            <a:ext cx="389850" cy="369332"/>
+            <a:off x="249021" y="3416257"/>
+            <a:ext cx="1021946" cy="646331"/>
           </a:xfrm>
           <a:prstGeom prst="rect">
             <a:avLst/>
@@ -4710,7 +4715,13 @@
           <a:p>
             <a:r>
               <a:rPr lang="en-US" dirty="0"/>
-              <a:t>UI</a:t>
+              <a:t>User</a:t>
+            </a:r>
+          </a:p>
+          <a:p>
+            <a:r>
+              <a:rPr lang="en-US" dirty="0"/>
+              <a:t>Interface</a:t>
             </a:r>
           </a:p>
         </p:txBody>
@@ -4729,8 +4740,8 @@
         </p:nvSpPr>
         <p:spPr>
           <a:xfrm>
-            <a:off x="273004" y="2179810"/>
-            <a:ext cx="617477" cy="369332"/>
+            <a:off x="496210" y="2199642"/>
+            <a:ext cx="684803" cy="646331"/>
           </a:xfrm>
           <a:prstGeom prst="rect">
             <a:avLst/>
@@ -4748,6 +4759,12 @@
               <a:t>User</a:t>
             </a:r>
           </a:p>
+          <a:p>
+            <a:r>
+              <a:rPr lang="en-US" dirty="0"/>
+              <a:t>Input</a:t>
+            </a:r>
+          </a:p>
         </p:txBody>
       </p:sp>
       <p:sp>
@@ -4764,7 +4781,7 @@
         </p:nvSpPr>
         <p:spPr>
           <a:xfrm>
-            <a:off x="7805291" y="2179810"/>
+            <a:off x="8032434" y="2179810"/>
             <a:ext cx="982898" cy="369332"/>
           </a:xfrm>
           <a:prstGeom prst="rect">
@@ -4802,7 +4819,7 @@
         </p:nvCxnSpPr>
         <p:spPr>
           <a:xfrm>
-            <a:off x="5183792" y="1453835"/>
+            <a:off x="5410935" y="1453835"/>
             <a:ext cx="0" cy="730205"/>
           </a:xfrm>
           <a:prstGeom prst="straightConnector1">
@@ -4841,7 +4858,7 @@
         </p:nvSpPr>
         <p:spPr>
           <a:xfrm>
-            <a:off x="4692343" y="1087793"/>
+            <a:off x="4919486" y="1087793"/>
             <a:ext cx="869149" cy="369332"/>
           </a:xfrm>
           <a:prstGeom prst="rect">
@@ -5473,8 +5490,8 @@
         </p:nvSpPr>
         <p:spPr>
           <a:xfrm>
-            <a:off x="2947051" y="3400631"/>
-            <a:ext cx="389850" cy="369332"/>
+            <a:off x="2267799" y="3442567"/>
+            <a:ext cx="1021946" cy="646331"/>
           </a:xfrm>
           <a:prstGeom prst="rect">
             <a:avLst/>
@@ -5489,7 +5506,13 @@
           <a:p>
             <a:r>
               <a:rPr lang="en-US" dirty="0"/>
-              <a:t>UI</a:t>
+              <a:t>User</a:t>
+            </a:r>
+          </a:p>
+          <a:p>
+            <a:r>
+              <a:rPr lang="en-US" dirty="0"/>
+              <a:t>Interface</a:t>
             </a:r>
           </a:p>
         </p:txBody>
@@ -5508,8 +5531,8 @@
         </p:nvSpPr>
         <p:spPr>
           <a:xfrm>
-            <a:off x="1091112" y="2208234"/>
-            <a:ext cx="617477" cy="369332"/>
+            <a:off x="1087406" y="2248584"/>
+            <a:ext cx="684803" cy="646331"/>
           </a:xfrm>
           <a:prstGeom prst="rect">
             <a:avLst/>
@@ -5525,6 +5548,12 @@
             <a:r>
               <a:rPr lang="en-US" dirty="0"/>
               <a:t>User</a:t>
+            </a:r>
+          </a:p>
+          <a:p>
+            <a:r>
+              <a:rPr lang="en-US" dirty="0"/>
+              <a:t>Input</a:t>
             </a:r>
           </a:p>
         </p:txBody>
@@ -6264,8 +6293,8 @@
         </p:nvSpPr>
         <p:spPr>
           <a:xfrm>
-            <a:off x="701855" y="3353222"/>
-            <a:ext cx="389850" cy="369332"/>
+            <a:off x="429088" y="3389939"/>
+            <a:ext cx="1021946" cy="646331"/>
           </a:xfrm>
           <a:prstGeom prst="rect">
             <a:avLst/>
@@ -6280,7 +6309,13 @@
           <a:p>
             <a:r>
               <a:rPr lang="en-US" dirty="0"/>
-              <a:t>UI</a:t>
+              <a:t>User</a:t>
+            </a:r>
+          </a:p>
+          <a:p>
+            <a:r>
+              <a:rPr lang="en-US" dirty="0"/>
+              <a:t>Interface</a:t>
             </a:r>
           </a:p>
         </p:txBody>
